--- a/Notes/Leather_스토리보드.pptx
+++ b/Notes/Leather_스토리보드.pptx
@@ -202,7 +202,7 @@
           <a:p>
             <a:fld id="{54B68E1F-09E2-4206-BEB9-44A572215166}" type="datetimeFigureOut">
               <a:rPr lang="ko-KR" altLang="en-US" smtClean="0"/>
-              <a:t>2019-08-13</a:t>
+              <a:t>2019-08-16</a:t>
             </a:fld>
             <a:endParaRPr lang="ko-KR" altLang="en-US"/>
           </a:p>
@@ -735,7 +735,7 @@
           <a:p>
             <a:fld id="{D6F9D2EB-9E5D-45CA-B371-07F4E95E0691}" type="datetimeFigureOut">
               <a:rPr lang="ko-KR" altLang="en-US" smtClean="0"/>
-              <a:t>2019-08-13</a:t>
+              <a:t>2019-08-16</a:t>
             </a:fld>
             <a:endParaRPr lang="ko-KR" altLang="en-US"/>
           </a:p>
@@ -905,7 +905,7 @@
           <a:p>
             <a:fld id="{D6F9D2EB-9E5D-45CA-B371-07F4E95E0691}" type="datetimeFigureOut">
               <a:rPr lang="ko-KR" altLang="en-US" smtClean="0"/>
-              <a:t>2019-08-13</a:t>
+              <a:t>2019-08-16</a:t>
             </a:fld>
             <a:endParaRPr lang="ko-KR" altLang="en-US"/>
           </a:p>
@@ -1085,7 +1085,7 @@
           <a:p>
             <a:fld id="{D6F9D2EB-9E5D-45CA-B371-07F4E95E0691}" type="datetimeFigureOut">
               <a:rPr lang="ko-KR" altLang="en-US" smtClean="0"/>
-              <a:t>2019-08-13</a:t>
+              <a:t>2019-08-16</a:t>
             </a:fld>
             <a:endParaRPr lang="ko-KR" altLang="en-US"/>
           </a:p>
@@ -1255,7 +1255,7 @@
           <a:p>
             <a:fld id="{D6F9D2EB-9E5D-45CA-B371-07F4E95E0691}" type="datetimeFigureOut">
               <a:rPr lang="ko-KR" altLang="en-US" smtClean="0"/>
-              <a:t>2019-08-13</a:t>
+              <a:t>2019-08-16</a:t>
             </a:fld>
             <a:endParaRPr lang="ko-KR" altLang="en-US"/>
           </a:p>
@@ -1501,7 +1501,7 @@
           <a:p>
             <a:fld id="{D6F9D2EB-9E5D-45CA-B371-07F4E95E0691}" type="datetimeFigureOut">
               <a:rPr lang="ko-KR" altLang="en-US" smtClean="0"/>
-              <a:t>2019-08-13</a:t>
+              <a:t>2019-08-16</a:t>
             </a:fld>
             <a:endParaRPr lang="ko-KR" altLang="en-US"/>
           </a:p>
@@ -1789,7 +1789,7 @@
           <a:p>
             <a:fld id="{D6F9D2EB-9E5D-45CA-B371-07F4E95E0691}" type="datetimeFigureOut">
               <a:rPr lang="ko-KR" altLang="en-US" smtClean="0"/>
-              <a:t>2019-08-13</a:t>
+              <a:t>2019-08-16</a:t>
             </a:fld>
             <a:endParaRPr lang="ko-KR" altLang="en-US"/>
           </a:p>
@@ -2211,7 +2211,7 @@
           <a:p>
             <a:fld id="{D6F9D2EB-9E5D-45CA-B371-07F4E95E0691}" type="datetimeFigureOut">
               <a:rPr lang="ko-KR" altLang="en-US" smtClean="0"/>
-              <a:t>2019-08-13</a:t>
+              <a:t>2019-08-16</a:t>
             </a:fld>
             <a:endParaRPr lang="ko-KR" altLang="en-US"/>
           </a:p>
@@ -2329,7 +2329,7 @@
           <a:p>
             <a:fld id="{D6F9D2EB-9E5D-45CA-B371-07F4E95E0691}" type="datetimeFigureOut">
               <a:rPr lang="ko-KR" altLang="en-US" smtClean="0"/>
-              <a:t>2019-08-13</a:t>
+              <a:t>2019-08-16</a:t>
             </a:fld>
             <a:endParaRPr lang="ko-KR" altLang="en-US"/>
           </a:p>
@@ -2424,7 +2424,7 @@
           <a:p>
             <a:fld id="{D6F9D2EB-9E5D-45CA-B371-07F4E95E0691}" type="datetimeFigureOut">
               <a:rPr lang="ko-KR" altLang="en-US" smtClean="0"/>
-              <a:t>2019-08-13</a:t>
+              <a:t>2019-08-16</a:t>
             </a:fld>
             <a:endParaRPr lang="ko-KR" altLang="en-US"/>
           </a:p>
@@ -2701,7 +2701,7 @@
           <a:p>
             <a:fld id="{D6F9D2EB-9E5D-45CA-B371-07F4E95E0691}" type="datetimeFigureOut">
               <a:rPr lang="ko-KR" altLang="en-US" smtClean="0"/>
-              <a:t>2019-08-13</a:t>
+              <a:t>2019-08-16</a:t>
             </a:fld>
             <a:endParaRPr lang="ko-KR" altLang="en-US"/>
           </a:p>
@@ -2954,7 +2954,7 @@
           <a:p>
             <a:fld id="{D6F9D2EB-9E5D-45CA-B371-07F4E95E0691}" type="datetimeFigureOut">
               <a:rPr lang="ko-KR" altLang="en-US" smtClean="0"/>
-              <a:t>2019-08-13</a:t>
+              <a:t>2019-08-16</a:t>
             </a:fld>
             <a:endParaRPr lang="ko-KR" altLang="en-US"/>
           </a:p>
@@ -3167,7 +3167,7 @@
           <a:p>
             <a:fld id="{D6F9D2EB-9E5D-45CA-B371-07F4E95E0691}" type="datetimeFigureOut">
               <a:rPr lang="ko-KR" altLang="en-US" smtClean="0"/>
-              <a:t>2019-08-13</a:t>
+              <a:t>2019-08-16</a:t>
             </a:fld>
             <a:endParaRPr lang="ko-KR" altLang="en-US"/>
           </a:p>
@@ -4082,7 +4082,7 @@
         <p:spPr>
           <a:xfrm>
             <a:off x="0" y="3696258"/>
-            <a:ext cx="9144000" cy="1080120"/>
+            <a:ext cx="9144000" cy="1316918"/>
           </a:xfrm>
           <a:prstGeom prst="rect">
             <a:avLst/>
@@ -4125,64 +4125,14 @@
       </p:sp>
       <p:sp>
         <p:nvSpPr>
-          <p:cNvPr id="33" name="직사각형 32"/>
-          <p:cNvSpPr/>
-          <p:nvPr/>
-        </p:nvSpPr>
-        <p:spPr>
-          <a:xfrm>
-            <a:off x="0" y="6021288"/>
-            <a:ext cx="9144000" cy="836712"/>
-          </a:xfrm>
-          <a:prstGeom prst="rect">
-            <a:avLst/>
-          </a:prstGeom>
-          <a:noFill/>
-          <a:ln w="9525">
-            <a:solidFill>
-              <a:schemeClr val="tx1"/>
-            </a:solidFill>
-          </a:ln>
-        </p:spPr>
-        <p:style>
-          <a:lnRef idx="2">
-            <a:schemeClr val="accent1">
-              <a:shade val="50000"/>
-            </a:schemeClr>
-          </a:lnRef>
-          <a:fillRef idx="1">
-            <a:schemeClr val="accent1"/>
-          </a:fillRef>
-          <a:effectRef idx="0">
-            <a:schemeClr val="accent1"/>
-          </a:effectRef>
-          <a:fontRef idx="minor">
-            <a:schemeClr val="lt1"/>
-          </a:fontRef>
-        </p:style>
-        <p:txBody>
-          <a:bodyPr rtlCol="0" anchor="ctr"/>
-          <a:lstStyle/>
-          <a:p>
-            <a:pPr algn="ctr"/>
-            <a:endParaRPr lang="ko-KR" altLang="en-US" sz="1000" dirty="0">
-              <a:solidFill>
-                <a:schemeClr val="tx1"/>
-              </a:solidFill>
-            </a:endParaRPr>
-          </a:p>
-        </p:txBody>
-      </p:sp>
-      <p:sp>
-        <p:nvSpPr>
           <p:cNvPr id="34" name="직사각형 33"/>
           <p:cNvSpPr/>
           <p:nvPr/>
         </p:nvSpPr>
         <p:spPr>
           <a:xfrm>
-            <a:off x="0" y="4830059"/>
-            <a:ext cx="9144000" cy="1152128"/>
+            <a:off x="0" y="5085185"/>
+            <a:ext cx="9144000" cy="897002"/>
           </a:xfrm>
           <a:prstGeom prst="rect">
             <a:avLst/>
@@ -4287,8 +4237,8 @@
         </p:blipFill>
         <p:spPr bwMode="auto">
           <a:xfrm>
-            <a:off x="7432011" y="4887332"/>
-            <a:ext cx="1336762" cy="1037582"/>
+            <a:off x="7432011" y="5208104"/>
+            <a:ext cx="1336762" cy="716809"/>
           </a:xfrm>
           <a:prstGeom prst="rect">
             <a:avLst/>
@@ -4328,8 +4278,8 @@
         </p:blipFill>
         <p:spPr bwMode="auto">
           <a:xfrm>
-            <a:off x="6012160" y="4913640"/>
-            <a:ext cx="1273300" cy="1050781"/>
+            <a:off x="6012160" y="5208105"/>
+            <a:ext cx="1273300" cy="756316"/>
           </a:xfrm>
           <a:prstGeom prst="rect">
             <a:avLst/>
@@ -4354,8 +4304,8 @@
         </p:nvSpPr>
         <p:spPr>
           <a:xfrm>
-            <a:off x="4391108" y="4920658"/>
-            <a:ext cx="1477036" cy="977107"/>
+            <a:off x="4391108" y="5208105"/>
+            <a:ext cx="1477036" cy="689660"/>
           </a:xfrm>
           <a:prstGeom prst="rect">
             <a:avLst/>
@@ -4404,8 +4354,8 @@
         </p:nvSpPr>
         <p:spPr>
           <a:xfrm>
-            <a:off x="107504" y="4913639"/>
-            <a:ext cx="1364632" cy="984126"/>
+            <a:off x="107504" y="5171017"/>
+            <a:ext cx="1364632" cy="726747"/>
           </a:xfrm>
           <a:prstGeom prst="rect">
             <a:avLst/>
@@ -4454,8 +4404,8 @@
         </p:nvSpPr>
         <p:spPr>
           <a:xfrm>
-            <a:off x="299277" y="3735474"/>
-            <a:ext cx="4186224" cy="984126"/>
+            <a:off x="107504" y="3735474"/>
+            <a:ext cx="4377997" cy="1205694"/>
           </a:xfrm>
           <a:prstGeom prst="rect">
             <a:avLst/>
@@ -4504,8 +4454,8 @@
         </p:nvSpPr>
         <p:spPr>
           <a:xfrm>
-            <a:off x="4710502" y="3735474"/>
-            <a:ext cx="4181978" cy="984126"/>
+            <a:off x="4620188" y="3735474"/>
+            <a:ext cx="4423792" cy="1205694"/>
           </a:xfrm>
           <a:prstGeom prst="rect">
             <a:avLst/>
@@ -4554,8 +4504,8 @@
         </p:nvSpPr>
         <p:spPr>
           <a:xfrm>
-            <a:off x="3007149" y="4920659"/>
-            <a:ext cx="1333019" cy="984126"/>
+            <a:off x="3007149" y="5208105"/>
+            <a:ext cx="1333019" cy="696680"/>
           </a:xfrm>
           <a:prstGeom prst="rect">
             <a:avLst/>
@@ -4667,8 +4617,8 @@
         </p:nvSpPr>
         <p:spPr>
           <a:xfrm>
-            <a:off x="1582797" y="4920659"/>
-            <a:ext cx="1333019" cy="984126"/>
+            <a:off x="1582797" y="5208105"/>
+            <a:ext cx="1333019" cy="696680"/>
           </a:xfrm>
           <a:prstGeom prst="rect">
             <a:avLst/>
@@ -4747,7 +4697,7 @@
         </p:nvSpPr>
         <p:spPr>
           <a:xfrm>
-            <a:off x="289723" y="5144513"/>
+            <a:off x="248646" y="5294835"/>
             <a:ext cx="1082348" cy="523220"/>
           </a:xfrm>
           <a:prstGeom prst="rect">
@@ -4943,14 +4893,14 @@
       </p:sp>
       <p:sp>
         <p:nvSpPr>
-          <p:cNvPr id="60" name="직사각형 59"/>
+          <p:cNvPr id="63" name="직사각형 62"/>
           <p:cNvSpPr/>
           <p:nvPr/>
         </p:nvSpPr>
         <p:spPr>
           <a:xfrm>
-            <a:off x="453338" y="3978130"/>
-            <a:ext cx="1247817" cy="659825"/>
+            <a:off x="4770471" y="3978128"/>
+            <a:ext cx="1241690" cy="429869"/>
           </a:xfrm>
           <a:prstGeom prst="rect">
             <a:avLst/>
@@ -4993,14 +4943,14 @@
       </p:sp>
       <p:sp>
         <p:nvSpPr>
-          <p:cNvPr id="61" name="직사각형 60"/>
+          <p:cNvPr id="64" name="직사각형 63"/>
           <p:cNvSpPr/>
           <p:nvPr/>
         </p:nvSpPr>
         <p:spPr>
           <a:xfrm>
-            <a:off x="1768480" y="3981695"/>
-            <a:ext cx="1247817" cy="659825"/>
+            <a:off x="6089512" y="3978130"/>
+            <a:ext cx="1247817" cy="429868"/>
           </a:xfrm>
           <a:prstGeom prst="rect">
             <a:avLst/>
@@ -5043,14 +4993,14 @@
       </p:sp>
       <p:sp>
         <p:nvSpPr>
-          <p:cNvPr id="62" name="직사각형 61"/>
+          <p:cNvPr id="65" name="직사각형 64"/>
           <p:cNvSpPr/>
           <p:nvPr/>
         </p:nvSpPr>
         <p:spPr>
           <a:xfrm>
-            <a:off x="3088375" y="3981695"/>
-            <a:ext cx="1247817" cy="659826"/>
+            <a:off x="7427360" y="3978130"/>
+            <a:ext cx="1247817" cy="429868"/>
           </a:xfrm>
           <a:prstGeom prst="rect">
             <a:avLst/>
@@ -5093,14 +5043,14 @@
       </p:sp>
       <p:sp>
         <p:nvSpPr>
-          <p:cNvPr id="63" name="직사각형 62"/>
+          <p:cNvPr id="66" name="직사각형 65"/>
           <p:cNvSpPr/>
           <p:nvPr/>
         </p:nvSpPr>
         <p:spPr>
           <a:xfrm>
-            <a:off x="4770470" y="4007243"/>
-            <a:ext cx="1247817" cy="659825"/>
+            <a:off x="0" y="-1"/>
+            <a:ext cx="9144000" cy="188641"/>
           </a:xfrm>
           <a:prstGeom prst="rect">
             <a:avLst/>
@@ -5141,16 +5091,174 @@
           </a:p>
         </p:txBody>
       </p:sp>
-      <p:sp>
-        <p:nvSpPr>
-          <p:cNvPr id="64" name="직사각형 63"/>
+      <p:cxnSp>
+        <p:nvCxnSpPr>
+          <p:cNvPr id="3" name="꺾인 연결선 2"/>
+          <p:cNvCxnSpPr/>
+          <p:nvPr/>
+        </p:nvCxnSpPr>
+        <p:spPr>
+          <a:xfrm flipV="1">
+            <a:off x="8675177" y="2796504"/>
+            <a:ext cx="1153407" cy="1062080"/>
+          </a:xfrm>
+          <a:prstGeom prst="bentConnector3">
+            <a:avLst/>
+          </a:prstGeom>
+          <a:ln>
+            <a:tailEnd type="arrow"/>
+          </a:ln>
+        </p:spPr>
+        <p:style>
+          <a:lnRef idx="1">
+            <a:schemeClr val="accent1"/>
+          </a:lnRef>
+          <a:fillRef idx="0">
+            <a:schemeClr val="accent1"/>
+          </a:fillRef>
+          <a:effectRef idx="0">
+            <a:schemeClr val="accent1"/>
+          </a:effectRef>
+          <a:fontRef idx="minor">
+            <a:schemeClr val="tx1"/>
+          </a:fontRef>
+        </p:style>
+      </p:cxnSp>
+      <p:sp>
+        <p:nvSpPr>
+          <p:cNvPr id="5" name="TextBox 4"/>
+          <p:cNvSpPr txBox="1"/>
+          <p:nvPr/>
+        </p:nvSpPr>
+        <p:spPr>
+          <a:xfrm>
+            <a:off x="9828584" y="2501242"/>
+            <a:ext cx="3199915" cy="646331"/>
+          </a:xfrm>
+          <a:prstGeom prst="rect">
+            <a:avLst/>
+          </a:prstGeom>
+          <a:noFill/>
+        </p:spPr>
+        <p:txBody>
+          <a:bodyPr wrap="none" rtlCol="0">
+            <a:spAutoFit/>
+          </a:bodyPr>
+          <a:lstStyle/>
+          <a:p>
+            <a:r>
+              <a:rPr lang="en-US" altLang="ko-KR" dirty="0" smtClean="0"/>
+              <a:t>More</a:t>
+            </a:r>
+            <a:r>
+              <a:rPr lang="ko-KR" altLang="en-US" dirty="0" err="1" smtClean="0"/>
+              <a:t>클릭시</a:t>
+            </a:r>
+            <a:endParaRPr lang="en-US" altLang="ko-KR" dirty="0" smtClean="0"/>
+          </a:p>
+          <a:p>
+            <a:r>
+              <a:rPr lang="ko-KR" altLang="en-US" dirty="0" smtClean="0"/>
+              <a:t>제품리스트의 인기순이 뜨게 </a:t>
+            </a:r>
+            <a:endParaRPr lang="ko-KR" altLang="en-US" dirty="0"/>
+          </a:p>
+        </p:txBody>
+      </p:sp>
+      <p:cxnSp>
+        <p:nvCxnSpPr>
+          <p:cNvPr id="43" name="꺾인 연결선 42"/>
+          <p:cNvCxnSpPr>
+            <a:stCxn id="56" idx="0"/>
+          </p:cNvCxnSpPr>
+          <p:nvPr/>
+        </p:nvCxnSpPr>
+        <p:spPr>
+          <a:xfrm rot="5400000" flipH="1" flipV="1">
+            <a:off x="4249817" y="3387483"/>
+            <a:ext cx="326393" cy="400366"/>
+          </a:xfrm>
+          <a:prstGeom prst="bentConnector2">
+            <a:avLst/>
+          </a:prstGeom>
+          <a:ln>
+            <a:tailEnd type="arrow"/>
+          </a:ln>
+        </p:spPr>
+        <p:style>
+          <a:lnRef idx="1">
+            <a:schemeClr val="accent1"/>
+          </a:lnRef>
+          <a:fillRef idx="0">
+            <a:schemeClr val="accent1"/>
+          </a:fillRef>
+          <a:effectRef idx="0">
+            <a:schemeClr val="accent1"/>
+          </a:effectRef>
+          <a:fontRef idx="minor">
+            <a:schemeClr val="tx1"/>
+          </a:fontRef>
+        </p:style>
+      </p:cxnSp>
+      <p:sp>
+        <p:nvSpPr>
+          <p:cNvPr id="46" name="TextBox 45"/>
+          <p:cNvSpPr txBox="1"/>
+          <p:nvPr/>
+        </p:nvSpPr>
+        <p:spPr>
+          <a:xfrm>
+            <a:off x="4620188" y="3049927"/>
+            <a:ext cx="3199915" cy="646331"/>
+          </a:xfrm>
+          <a:prstGeom prst="rect">
+            <a:avLst/>
+          </a:prstGeom>
+          <a:noFill/>
+        </p:spPr>
+        <p:txBody>
+          <a:bodyPr wrap="none" rtlCol="0">
+            <a:spAutoFit/>
+          </a:bodyPr>
+          <a:lstStyle/>
+          <a:p>
+            <a:r>
+              <a:rPr lang="en-US" altLang="ko-KR" dirty="0" smtClean="0"/>
+              <a:t>More</a:t>
+            </a:r>
+            <a:r>
+              <a:rPr lang="ko-KR" altLang="en-US" dirty="0" err="1" smtClean="0"/>
+              <a:t>클릭시</a:t>
+            </a:r>
+            <a:endParaRPr lang="en-US" altLang="ko-KR" dirty="0" smtClean="0"/>
+          </a:p>
+          <a:p>
+            <a:r>
+              <a:rPr lang="ko-KR" altLang="en-US" dirty="0" smtClean="0"/>
+              <a:t>제품리스트의 </a:t>
+            </a:r>
+            <a:r>
+              <a:rPr lang="ko-KR" altLang="en-US" dirty="0" err="1" smtClean="0"/>
+              <a:t>최신순이</a:t>
+            </a:r>
+            <a:r>
+              <a:rPr lang="ko-KR" altLang="en-US" dirty="0" smtClean="0"/>
+              <a:t> 뜨게 </a:t>
+            </a:r>
+            <a:endParaRPr lang="ko-KR" altLang="en-US" dirty="0"/>
+          </a:p>
+        </p:txBody>
+      </p:sp>
+      <p:sp>
+        <p:nvSpPr>
+          <p:cNvPr id="48" name="직사각형 47"/>
           <p:cNvSpPr/>
           <p:nvPr/>
         </p:nvSpPr>
         <p:spPr>
           <a:xfrm>
-            <a:off x="6089512" y="4007244"/>
-            <a:ext cx="1247817" cy="659825"/>
+            <a:off x="4770470" y="4468756"/>
+            <a:ext cx="1241690" cy="429869"/>
           </a:xfrm>
           <a:prstGeom prst="rect">
             <a:avLst/>
@@ -5193,14 +5301,14 @@
       </p:sp>
       <p:sp>
         <p:nvSpPr>
-          <p:cNvPr id="65" name="직사각형 64"/>
+          <p:cNvPr id="51" name="직사각형 50"/>
           <p:cNvSpPr/>
           <p:nvPr/>
         </p:nvSpPr>
         <p:spPr>
           <a:xfrm>
-            <a:off x="7427360" y="4007244"/>
-            <a:ext cx="1247817" cy="659825"/>
+            <a:off x="6089511" y="4468758"/>
+            <a:ext cx="1247817" cy="429868"/>
           </a:xfrm>
           <a:prstGeom prst="rect">
             <a:avLst/>
@@ -5243,14 +5351,314 @@
       </p:sp>
       <p:sp>
         <p:nvSpPr>
-          <p:cNvPr id="66" name="직사각형 65"/>
+          <p:cNvPr id="57" name="직사각형 56"/>
           <p:cNvSpPr/>
           <p:nvPr/>
         </p:nvSpPr>
         <p:spPr>
           <a:xfrm>
-            <a:off x="0" y="-1"/>
-            <a:ext cx="9144000" cy="188641"/>
+            <a:off x="7427359" y="4468758"/>
+            <a:ext cx="1247817" cy="429868"/>
+          </a:xfrm>
+          <a:prstGeom prst="rect">
+            <a:avLst/>
+          </a:prstGeom>
+          <a:noFill/>
+          <a:ln w="9525">
+            <a:solidFill>
+              <a:schemeClr val="tx1"/>
+            </a:solidFill>
+          </a:ln>
+        </p:spPr>
+        <p:style>
+          <a:lnRef idx="2">
+            <a:schemeClr val="accent1">
+              <a:shade val="50000"/>
+            </a:schemeClr>
+          </a:lnRef>
+          <a:fillRef idx="1">
+            <a:schemeClr val="accent1"/>
+          </a:fillRef>
+          <a:effectRef idx="0">
+            <a:schemeClr val="accent1"/>
+          </a:effectRef>
+          <a:fontRef idx="minor">
+            <a:schemeClr val="lt1"/>
+          </a:fontRef>
+        </p:style>
+        <p:txBody>
+          <a:bodyPr rtlCol="0" anchor="ctr"/>
+          <a:lstStyle/>
+          <a:p>
+            <a:pPr algn="ctr"/>
+            <a:endParaRPr lang="ko-KR" altLang="en-US" sz="1000" dirty="0">
+              <a:solidFill>
+                <a:schemeClr val="tx1"/>
+              </a:solidFill>
+            </a:endParaRPr>
+          </a:p>
+        </p:txBody>
+      </p:sp>
+      <p:sp>
+        <p:nvSpPr>
+          <p:cNvPr id="59" name="직사각형 58"/>
+          <p:cNvSpPr/>
+          <p:nvPr/>
+        </p:nvSpPr>
+        <p:spPr>
+          <a:xfrm>
+            <a:off x="348958" y="4006555"/>
+            <a:ext cx="1241690" cy="429869"/>
+          </a:xfrm>
+          <a:prstGeom prst="rect">
+            <a:avLst/>
+          </a:prstGeom>
+          <a:noFill/>
+          <a:ln w="9525">
+            <a:solidFill>
+              <a:schemeClr val="tx1"/>
+            </a:solidFill>
+          </a:ln>
+        </p:spPr>
+        <p:style>
+          <a:lnRef idx="2">
+            <a:schemeClr val="accent1">
+              <a:shade val="50000"/>
+            </a:schemeClr>
+          </a:lnRef>
+          <a:fillRef idx="1">
+            <a:schemeClr val="accent1"/>
+          </a:fillRef>
+          <a:effectRef idx="0">
+            <a:schemeClr val="accent1"/>
+          </a:effectRef>
+          <a:fontRef idx="minor">
+            <a:schemeClr val="lt1"/>
+          </a:fontRef>
+        </p:style>
+        <p:txBody>
+          <a:bodyPr rtlCol="0" anchor="ctr"/>
+          <a:lstStyle/>
+          <a:p>
+            <a:pPr algn="ctr"/>
+            <a:endParaRPr lang="ko-KR" altLang="en-US" sz="1000" dirty="0">
+              <a:solidFill>
+                <a:schemeClr val="tx1"/>
+              </a:solidFill>
+            </a:endParaRPr>
+          </a:p>
+        </p:txBody>
+      </p:sp>
+      <p:sp>
+        <p:nvSpPr>
+          <p:cNvPr id="67" name="직사각형 66"/>
+          <p:cNvSpPr/>
+          <p:nvPr/>
+        </p:nvSpPr>
+        <p:spPr>
+          <a:xfrm>
+            <a:off x="1667999" y="4006557"/>
+            <a:ext cx="1247817" cy="429868"/>
+          </a:xfrm>
+          <a:prstGeom prst="rect">
+            <a:avLst/>
+          </a:prstGeom>
+          <a:noFill/>
+          <a:ln w="9525">
+            <a:solidFill>
+              <a:schemeClr val="tx1"/>
+            </a:solidFill>
+          </a:ln>
+        </p:spPr>
+        <p:style>
+          <a:lnRef idx="2">
+            <a:schemeClr val="accent1">
+              <a:shade val="50000"/>
+            </a:schemeClr>
+          </a:lnRef>
+          <a:fillRef idx="1">
+            <a:schemeClr val="accent1"/>
+          </a:fillRef>
+          <a:effectRef idx="0">
+            <a:schemeClr val="accent1"/>
+          </a:effectRef>
+          <a:fontRef idx="minor">
+            <a:schemeClr val="lt1"/>
+          </a:fontRef>
+        </p:style>
+        <p:txBody>
+          <a:bodyPr rtlCol="0" anchor="ctr"/>
+          <a:lstStyle/>
+          <a:p>
+            <a:pPr algn="ctr"/>
+            <a:endParaRPr lang="ko-KR" altLang="en-US" sz="1000" dirty="0">
+              <a:solidFill>
+                <a:schemeClr val="tx1"/>
+              </a:solidFill>
+            </a:endParaRPr>
+          </a:p>
+        </p:txBody>
+      </p:sp>
+      <p:sp>
+        <p:nvSpPr>
+          <p:cNvPr id="68" name="직사각형 67"/>
+          <p:cNvSpPr/>
+          <p:nvPr/>
+        </p:nvSpPr>
+        <p:spPr>
+          <a:xfrm>
+            <a:off x="3005847" y="4006557"/>
+            <a:ext cx="1247817" cy="429868"/>
+          </a:xfrm>
+          <a:prstGeom prst="rect">
+            <a:avLst/>
+          </a:prstGeom>
+          <a:noFill/>
+          <a:ln w="9525">
+            <a:solidFill>
+              <a:schemeClr val="tx1"/>
+            </a:solidFill>
+          </a:ln>
+        </p:spPr>
+        <p:style>
+          <a:lnRef idx="2">
+            <a:schemeClr val="accent1">
+              <a:shade val="50000"/>
+            </a:schemeClr>
+          </a:lnRef>
+          <a:fillRef idx="1">
+            <a:schemeClr val="accent1"/>
+          </a:fillRef>
+          <a:effectRef idx="0">
+            <a:schemeClr val="accent1"/>
+          </a:effectRef>
+          <a:fontRef idx="minor">
+            <a:schemeClr val="lt1"/>
+          </a:fontRef>
+        </p:style>
+        <p:txBody>
+          <a:bodyPr rtlCol="0" anchor="ctr"/>
+          <a:lstStyle/>
+          <a:p>
+            <a:pPr algn="ctr"/>
+            <a:endParaRPr lang="ko-KR" altLang="en-US" sz="1000" dirty="0">
+              <a:solidFill>
+                <a:schemeClr val="tx1"/>
+              </a:solidFill>
+            </a:endParaRPr>
+          </a:p>
+        </p:txBody>
+      </p:sp>
+      <p:sp>
+        <p:nvSpPr>
+          <p:cNvPr id="69" name="직사각형 68"/>
+          <p:cNvSpPr/>
+          <p:nvPr/>
+        </p:nvSpPr>
+        <p:spPr>
+          <a:xfrm>
+            <a:off x="348957" y="4497183"/>
+            <a:ext cx="1241690" cy="429869"/>
+          </a:xfrm>
+          <a:prstGeom prst="rect">
+            <a:avLst/>
+          </a:prstGeom>
+          <a:noFill/>
+          <a:ln w="9525">
+            <a:solidFill>
+              <a:schemeClr val="tx1"/>
+            </a:solidFill>
+          </a:ln>
+        </p:spPr>
+        <p:style>
+          <a:lnRef idx="2">
+            <a:schemeClr val="accent1">
+              <a:shade val="50000"/>
+            </a:schemeClr>
+          </a:lnRef>
+          <a:fillRef idx="1">
+            <a:schemeClr val="accent1"/>
+          </a:fillRef>
+          <a:effectRef idx="0">
+            <a:schemeClr val="accent1"/>
+          </a:effectRef>
+          <a:fontRef idx="minor">
+            <a:schemeClr val="lt1"/>
+          </a:fontRef>
+        </p:style>
+        <p:txBody>
+          <a:bodyPr rtlCol="0" anchor="ctr"/>
+          <a:lstStyle/>
+          <a:p>
+            <a:pPr algn="ctr"/>
+            <a:endParaRPr lang="ko-KR" altLang="en-US" sz="1000" dirty="0">
+              <a:solidFill>
+                <a:schemeClr val="tx1"/>
+              </a:solidFill>
+            </a:endParaRPr>
+          </a:p>
+        </p:txBody>
+      </p:sp>
+      <p:sp>
+        <p:nvSpPr>
+          <p:cNvPr id="70" name="직사각형 69"/>
+          <p:cNvSpPr/>
+          <p:nvPr/>
+        </p:nvSpPr>
+        <p:spPr>
+          <a:xfrm>
+            <a:off x="1667998" y="4497185"/>
+            <a:ext cx="1247817" cy="429868"/>
+          </a:xfrm>
+          <a:prstGeom prst="rect">
+            <a:avLst/>
+          </a:prstGeom>
+          <a:noFill/>
+          <a:ln w="9525">
+            <a:solidFill>
+              <a:schemeClr val="tx1"/>
+            </a:solidFill>
+          </a:ln>
+        </p:spPr>
+        <p:style>
+          <a:lnRef idx="2">
+            <a:schemeClr val="accent1">
+              <a:shade val="50000"/>
+            </a:schemeClr>
+          </a:lnRef>
+          <a:fillRef idx="1">
+            <a:schemeClr val="accent1"/>
+          </a:fillRef>
+          <a:effectRef idx="0">
+            <a:schemeClr val="accent1"/>
+          </a:effectRef>
+          <a:fontRef idx="minor">
+            <a:schemeClr val="lt1"/>
+          </a:fontRef>
+        </p:style>
+        <p:txBody>
+          <a:bodyPr rtlCol="0" anchor="ctr"/>
+          <a:lstStyle/>
+          <a:p>
+            <a:pPr algn="ctr"/>
+            <a:endParaRPr lang="ko-KR" altLang="en-US" sz="1000" dirty="0">
+              <a:solidFill>
+                <a:schemeClr val="tx1"/>
+              </a:solidFill>
+            </a:endParaRPr>
+          </a:p>
+        </p:txBody>
+      </p:sp>
+      <p:sp>
+        <p:nvSpPr>
+          <p:cNvPr id="71" name="직사각형 70"/>
+          <p:cNvSpPr/>
+          <p:nvPr/>
+        </p:nvSpPr>
+        <p:spPr>
+          <a:xfrm>
+            <a:off x="3005846" y="4497185"/>
+            <a:ext cx="1247817" cy="429868"/>
           </a:xfrm>
           <a:prstGeom prst="rect">
             <a:avLst/>

--- a/Notes/Leather_스토리보드.pptx
+++ b/Notes/Leather_스토리보드.pptx
@@ -202,7 +202,7 @@
           <a:p>
             <a:fld id="{54B68E1F-09E2-4206-BEB9-44A572215166}" type="datetimeFigureOut">
               <a:rPr lang="ko-KR" altLang="en-US" smtClean="0"/>
-              <a:t>2019-08-16</a:t>
+              <a:t>2019-08-20</a:t>
             </a:fld>
             <a:endParaRPr lang="ko-KR" altLang="en-US"/>
           </a:p>
@@ -735,7 +735,7 @@
           <a:p>
             <a:fld id="{D6F9D2EB-9E5D-45CA-B371-07F4E95E0691}" type="datetimeFigureOut">
               <a:rPr lang="ko-KR" altLang="en-US" smtClean="0"/>
-              <a:t>2019-08-16</a:t>
+              <a:t>2019-08-20</a:t>
             </a:fld>
             <a:endParaRPr lang="ko-KR" altLang="en-US"/>
           </a:p>
@@ -905,7 +905,7 @@
           <a:p>
             <a:fld id="{D6F9D2EB-9E5D-45CA-B371-07F4E95E0691}" type="datetimeFigureOut">
               <a:rPr lang="ko-KR" altLang="en-US" smtClean="0"/>
-              <a:t>2019-08-16</a:t>
+              <a:t>2019-08-20</a:t>
             </a:fld>
             <a:endParaRPr lang="ko-KR" altLang="en-US"/>
           </a:p>
@@ -1085,7 +1085,7 @@
           <a:p>
             <a:fld id="{D6F9D2EB-9E5D-45CA-B371-07F4E95E0691}" type="datetimeFigureOut">
               <a:rPr lang="ko-KR" altLang="en-US" smtClean="0"/>
-              <a:t>2019-08-16</a:t>
+              <a:t>2019-08-20</a:t>
             </a:fld>
             <a:endParaRPr lang="ko-KR" altLang="en-US"/>
           </a:p>
@@ -1255,7 +1255,7 @@
           <a:p>
             <a:fld id="{D6F9D2EB-9E5D-45CA-B371-07F4E95E0691}" type="datetimeFigureOut">
               <a:rPr lang="ko-KR" altLang="en-US" smtClean="0"/>
-              <a:t>2019-08-16</a:t>
+              <a:t>2019-08-20</a:t>
             </a:fld>
             <a:endParaRPr lang="ko-KR" altLang="en-US"/>
           </a:p>
@@ -1501,7 +1501,7 @@
           <a:p>
             <a:fld id="{D6F9D2EB-9E5D-45CA-B371-07F4E95E0691}" type="datetimeFigureOut">
               <a:rPr lang="ko-KR" altLang="en-US" smtClean="0"/>
-              <a:t>2019-08-16</a:t>
+              <a:t>2019-08-20</a:t>
             </a:fld>
             <a:endParaRPr lang="ko-KR" altLang="en-US"/>
           </a:p>
@@ -1789,7 +1789,7 @@
           <a:p>
             <a:fld id="{D6F9D2EB-9E5D-45CA-B371-07F4E95E0691}" type="datetimeFigureOut">
               <a:rPr lang="ko-KR" altLang="en-US" smtClean="0"/>
-              <a:t>2019-08-16</a:t>
+              <a:t>2019-08-20</a:t>
             </a:fld>
             <a:endParaRPr lang="ko-KR" altLang="en-US"/>
           </a:p>
@@ -2211,7 +2211,7 @@
           <a:p>
             <a:fld id="{D6F9D2EB-9E5D-45CA-B371-07F4E95E0691}" type="datetimeFigureOut">
               <a:rPr lang="ko-KR" altLang="en-US" smtClean="0"/>
-              <a:t>2019-08-16</a:t>
+              <a:t>2019-08-20</a:t>
             </a:fld>
             <a:endParaRPr lang="ko-KR" altLang="en-US"/>
           </a:p>
@@ -2329,7 +2329,7 @@
           <a:p>
             <a:fld id="{D6F9D2EB-9E5D-45CA-B371-07F4E95E0691}" type="datetimeFigureOut">
               <a:rPr lang="ko-KR" altLang="en-US" smtClean="0"/>
-              <a:t>2019-08-16</a:t>
+              <a:t>2019-08-20</a:t>
             </a:fld>
             <a:endParaRPr lang="ko-KR" altLang="en-US"/>
           </a:p>
@@ -2424,7 +2424,7 @@
           <a:p>
             <a:fld id="{D6F9D2EB-9E5D-45CA-B371-07F4E95E0691}" type="datetimeFigureOut">
               <a:rPr lang="ko-KR" altLang="en-US" smtClean="0"/>
-              <a:t>2019-08-16</a:t>
+              <a:t>2019-08-20</a:t>
             </a:fld>
             <a:endParaRPr lang="ko-KR" altLang="en-US"/>
           </a:p>
@@ -2701,7 +2701,7 @@
           <a:p>
             <a:fld id="{D6F9D2EB-9E5D-45CA-B371-07F4E95E0691}" type="datetimeFigureOut">
               <a:rPr lang="ko-KR" altLang="en-US" smtClean="0"/>
-              <a:t>2019-08-16</a:t>
+              <a:t>2019-08-20</a:t>
             </a:fld>
             <a:endParaRPr lang="ko-KR" altLang="en-US"/>
           </a:p>
@@ -2954,7 +2954,7 @@
           <a:p>
             <a:fld id="{D6F9D2EB-9E5D-45CA-B371-07F4E95E0691}" type="datetimeFigureOut">
               <a:rPr lang="ko-KR" altLang="en-US" smtClean="0"/>
-              <a:t>2019-08-16</a:t>
+              <a:t>2019-08-20</a:t>
             </a:fld>
             <a:endParaRPr lang="ko-KR" altLang="en-US"/>
           </a:p>
@@ -3167,7 +3167,7 @@
           <a:p>
             <a:fld id="{D6F9D2EB-9E5D-45CA-B371-07F4E95E0691}" type="datetimeFigureOut">
               <a:rPr lang="ko-KR" altLang="en-US" smtClean="0"/>
-              <a:t>2019-08-16</a:t>
+              <a:t>2019-08-20</a:t>
             </a:fld>
             <a:endParaRPr lang="ko-KR" altLang="en-US"/>
           </a:p>
@@ -3706,7 +3706,7 @@
         </p:nvSpPr>
         <p:spPr>
           <a:xfrm>
-            <a:off x="6804248" y="1575713"/>
+            <a:off x="6754526" y="299493"/>
             <a:ext cx="2239732" cy="267333"/>
           </a:xfrm>
           <a:prstGeom prst="rect">
@@ -3867,7 +3867,7 @@
         </p:nvSpPr>
         <p:spPr>
           <a:xfrm>
-            <a:off x="107504" y="1566047"/>
+            <a:off x="976327" y="1599810"/>
             <a:ext cx="6837239" cy="276999"/>
           </a:xfrm>
           <a:prstGeom prst="rect">
@@ -4869,7 +4869,7 @@
         </p:nvSpPr>
         <p:spPr>
           <a:xfrm>
-            <a:off x="7285410" y="1575713"/>
+            <a:off x="7478026" y="316140"/>
             <a:ext cx="492443" cy="276999"/>
           </a:xfrm>
           <a:prstGeom prst="rect">

--- a/Notes/Leather_스토리보드.pptx
+++ b/Notes/Leather_스토리보드.pptx
@@ -202,7 +202,7 @@
           <a:p>
             <a:fld id="{54B68E1F-09E2-4206-BEB9-44A572215166}" type="datetimeFigureOut">
               <a:rPr lang="ko-KR" altLang="en-US" smtClean="0"/>
-              <a:t>2019-08-20</a:t>
+              <a:t>2019-08-26</a:t>
             </a:fld>
             <a:endParaRPr lang="ko-KR" altLang="en-US"/>
           </a:p>
@@ -735,7 +735,7 @@
           <a:p>
             <a:fld id="{D6F9D2EB-9E5D-45CA-B371-07F4E95E0691}" type="datetimeFigureOut">
               <a:rPr lang="ko-KR" altLang="en-US" smtClean="0"/>
-              <a:t>2019-08-20</a:t>
+              <a:t>2019-08-26</a:t>
             </a:fld>
             <a:endParaRPr lang="ko-KR" altLang="en-US"/>
           </a:p>
@@ -905,7 +905,7 @@
           <a:p>
             <a:fld id="{D6F9D2EB-9E5D-45CA-B371-07F4E95E0691}" type="datetimeFigureOut">
               <a:rPr lang="ko-KR" altLang="en-US" smtClean="0"/>
-              <a:t>2019-08-20</a:t>
+              <a:t>2019-08-26</a:t>
             </a:fld>
             <a:endParaRPr lang="ko-KR" altLang="en-US"/>
           </a:p>
@@ -1085,7 +1085,7 @@
           <a:p>
             <a:fld id="{D6F9D2EB-9E5D-45CA-B371-07F4E95E0691}" type="datetimeFigureOut">
               <a:rPr lang="ko-KR" altLang="en-US" smtClean="0"/>
-              <a:t>2019-08-20</a:t>
+              <a:t>2019-08-26</a:t>
             </a:fld>
             <a:endParaRPr lang="ko-KR" altLang="en-US"/>
           </a:p>
@@ -1255,7 +1255,7 @@
           <a:p>
             <a:fld id="{D6F9D2EB-9E5D-45CA-B371-07F4E95E0691}" type="datetimeFigureOut">
               <a:rPr lang="ko-KR" altLang="en-US" smtClean="0"/>
-              <a:t>2019-08-20</a:t>
+              <a:t>2019-08-26</a:t>
             </a:fld>
             <a:endParaRPr lang="ko-KR" altLang="en-US"/>
           </a:p>
@@ -1501,7 +1501,7 @@
           <a:p>
             <a:fld id="{D6F9D2EB-9E5D-45CA-B371-07F4E95E0691}" type="datetimeFigureOut">
               <a:rPr lang="ko-KR" altLang="en-US" smtClean="0"/>
-              <a:t>2019-08-20</a:t>
+              <a:t>2019-08-26</a:t>
             </a:fld>
             <a:endParaRPr lang="ko-KR" altLang="en-US"/>
           </a:p>
@@ -1789,7 +1789,7 @@
           <a:p>
             <a:fld id="{D6F9D2EB-9E5D-45CA-B371-07F4E95E0691}" type="datetimeFigureOut">
               <a:rPr lang="ko-KR" altLang="en-US" smtClean="0"/>
-              <a:t>2019-08-20</a:t>
+              <a:t>2019-08-26</a:t>
             </a:fld>
             <a:endParaRPr lang="ko-KR" altLang="en-US"/>
           </a:p>
@@ -2211,7 +2211,7 @@
           <a:p>
             <a:fld id="{D6F9D2EB-9E5D-45CA-B371-07F4E95E0691}" type="datetimeFigureOut">
               <a:rPr lang="ko-KR" altLang="en-US" smtClean="0"/>
-              <a:t>2019-08-20</a:t>
+              <a:t>2019-08-26</a:t>
             </a:fld>
             <a:endParaRPr lang="ko-KR" altLang="en-US"/>
           </a:p>
@@ -2329,7 +2329,7 @@
           <a:p>
             <a:fld id="{D6F9D2EB-9E5D-45CA-B371-07F4E95E0691}" type="datetimeFigureOut">
               <a:rPr lang="ko-KR" altLang="en-US" smtClean="0"/>
-              <a:t>2019-08-20</a:t>
+              <a:t>2019-08-26</a:t>
             </a:fld>
             <a:endParaRPr lang="ko-KR" altLang="en-US"/>
           </a:p>
@@ -2424,7 +2424,7 @@
           <a:p>
             <a:fld id="{D6F9D2EB-9E5D-45CA-B371-07F4E95E0691}" type="datetimeFigureOut">
               <a:rPr lang="ko-KR" altLang="en-US" smtClean="0"/>
-              <a:t>2019-08-20</a:t>
+              <a:t>2019-08-26</a:t>
             </a:fld>
             <a:endParaRPr lang="ko-KR" altLang="en-US"/>
           </a:p>
@@ -2701,7 +2701,7 @@
           <a:p>
             <a:fld id="{D6F9D2EB-9E5D-45CA-B371-07F4E95E0691}" type="datetimeFigureOut">
               <a:rPr lang="ko-KR" altLang="en-US" smtClean="0"/>
-              <a:t>2019-08-20</a:t>
+              <a:t>2019-08-26</a:t>
             </a:fld>
             <a:endParaRPr lang="ko-KR" altLang="en-US"/>
           </a:p>
@@ -2954,7 +2954,7 @@
           <a:p>
             <a:fld id="{D6F9D2EB-9E5D-45CA-B371-07F4E95E0691}" type="datetimeFigureOut">
               <a:rPr lang="ko-KR" altLang="en-US" smtClean="0"/>
-              <a:t>2019-08-20</a:t>
+              <a:t>2019-08-26</a:t>
             </a:fld>
             <a:endParaRPr lang="ko-KR" altLang="en-US"/>
           </a:p>
@@ -3167,7 +3167,7 @@
           <a:p>
             <a:fld id="{D6F9D2EB-9E5D-45CA-B371-07F4E95E0691}" type="datetimeFigureOut">
               <a:rPr lang="ko-KR" altLang="en-US" smtClean="0"/>
-              <a:t>2019-08-20</a:t>
+              <a:t>2019-08-26</a:t>
             </a:fld>
             <a:endParaRPr lang="ko-KR" altLang="en-US"/>
           </a:p>
@@ -7516,14 +7516,44 @@
       </p:pic>
       <p:sp>
         <p:nvSpPr>
-          <p:cNvPr id="15" name="직사각형 14"/>
+          <p:cNvPr id="16" name="TextBox 15"/>
+          <p:cNvSpPr txBox="1"/>
+          <p:nvPr/>
+        </p:nvSpPr>
+        <p:spPr>
+          <a:xfrm>
+            <a:off x="4038414" y="2578038"/>
+            <a:ext cx="877163" cy="369332"/>
+          </a:xfrm>
+          <a:prstGeom prst="rect">
+            <a:avLst/>
+          </a:prstGeom>
+          <a:noFill/>
+        </p:spPr>
+        <p:txBody>
+          <a:bodyPr wrap="none" rtlCol="0">
+            <a:spAutoFit/>
+          </a:bodyPr>
+          <a:lstStyle/>
+          <a:p>
+            <a:r>
+              <a:rPr lang="ko-KR" altLang="en-US" dirty="0" smtClean="0"/>
+              <a:t>로그인</a:t>
+            </a:r>
+            <a:endParaRPr lang="ko-KR" altLang="en-US" dirty="0"/>
+          </a:p>
+        </p:txBody>
+      </p:sp>
+      <p:sp>
+        <p:nvSpPr>
+          <p:cNvPr id="17" name="직사각형 16"/>
           <p:cNvSpPr/>
           <p:nvPr/>
         </p:nvSpPr>
         <p:spPr>
           <a:xfrm>
-            <a:off x="2930171" y="2391451"/>
-            <a:ext cx="3134829" cy="2736304"/>
+            <a:off x="3923193" y="3038033"/>
+            <a:ext cx="2000865" cy="340862"/>
           </a:xfrm>
           <a:prstGeom prst="rect">
             <a:avLst/>
@@ -7566,13 +7596,13 @@
       </p:sp>
       <p:sp>
         <p:nvSpPr>
-          <p:cNvPr id="16" name="TextBox 15"/>
+          <p:cNvPr id="18" name="TextBox 17"/>
           <p:cNvSpPr txBox="1"/>
           <p:nvPr/>
         </p:nvSpPr>
         <p:spPr>
           <a:xfrm>
-            <a:off x="4038414" y="2578038"/>
+            <a:off x="3036649" y="3015769"/>
             <a:ext cx="877163" cy="369332"/>
           </a:xfrm>
           <a:prstGeom prst="rect">
@@ -7588,7 +7618,7 @@
           <a:p>
             <a:r>
               <a:rPr lang="ko-KR" altLang="en-US" dirty="0" smtClean="0"/>
-              <a:t>로그인</a:t>
+              <a:t>아이디</a:t>
             </a:r>
             <a:endParaRPr lang="ko-KR" altLang="en-US" dirty="0"/>
           </a:p>
@@ -7596,13 +7626,13 @@
       </p:sp>
       <p:sp>
         <p:nvSpPr>
-          <p:cNvPr id="17" name="직사각형 16"/>
+          <p:cNvPr id="19" name="직사각형 18"/>
           <p:cNvSpPr/>
           <p:nvPr/>
         </p:nvSpPr>
         <p:spPr>
           <a:xfrm>
-            <a:off x="3923193" y="3038033"/>
+            <a:off x="3913812" y="3531295"/>
             <a:ext cx="2000865" cy="340862"/>
           </a:xfrm>
           <a:prstGeom prst="rect">
@@ -7646,14 +7676,14 @@
       </p:sp>
       <p:sp>
         <p:nvSpPr>
-          <p:cNvPr id="18" name="TextBox 17"/>
+          <p:cNvPr id="20" name="TextBox 19"/>
           <p:cNvSpPr txBox="1"/>
           <p:nvPr/>
         </p:nvSpPr>
         <p:spPr>
           <a:xfrm>
-            <a:off x="3036649" y="3015769"/>
-            <a:ext cx="877163" cy="369332"/>
+            <a:off x="3022294" y="3502825"/>
+            <a:ext cx="646331" cy="369332"/>
           </a:xfrm>
           <a:prstGeom prst="rect">
             <a:avLst/>
@@ -7668,7 +7698,7 @@
           <a:p>
             <a:r>
               <a:rPr lang="ko-KR" altLang="en-US" dirty="0" smtClean="0"/>
-              <a:t>아이디</a:t>
+              <a:t>비번</a:t>
             </a:r>
             <a:endParaRPr lang="ko-KR" altLang="en-US" dirty="0"/>
           </a:p>
@@ -7676,14 +7706,14 @@
       </p:sp>
       <p:sp>
         <p:nvSpPr>
-          <p:cNvPr id="19" name="직사각형 18"/>
+          <p:cNvPr id="21" name="직사각형 20"/>
           <p:cNvSpPr/>
           <p:nvPr/>
         </p:nvSpPr>
         <p:spPr>
           <a:xfrm>
-            <a:off x="3913812" y="3531295"/>
-            <a:ext cx="2000865" cy="340862"/>
+            <a:off x="4923625" y="4117307"/>
+            <a:ext cx="1000433" cy="340862"/>
           </a:xfrm>
           <a:prstGeom prst="rect">
             <a:avLst/>
@@ -7726,86 +7756,6 @@
       </p:sp>
       <p:sp>
         <p:nvSpPr>
-          <p:cNvPr id="20" name="TextBox 19"/>
-          <p:cNvSpPr txBox="1"/>
-          <p:nvPr/>
-        </p:nvSpPr>
-        <p:spPr>
-          <a:xfrm>
-            <a:off x="3022294" y="3502825"/>
-            <a:ext cx="646331" cy="369332"/>
-          </a:xfrm>
-          <a:prstGeom prst="rect">
-            <a:avLst/>
-          </a:prstGeom>
-          <a:noFill/>
-        </p:spPr>
-        <p:txBody>
-          <a:bodyPr wrap="none" rtlCol="0">
-            <a:spAutoFit/>
-          </a:bodyPr>
-          <a:lstStyle/>
-          <a:p>
-            <a:r>
-              <a:rPr lang="ko-KR" altLang="en-US" dirty="0" smtClean="0"/>
-              <a:t>비번</a:t>
-            </a:r>
-            <a:endParaRPr lang="ko-KR" altLang="en-US" dirty="0"/>
-          </a:p>
-        </p:txBody>
-      </p:sp>
-      <p:sp>
-        <p:nvSpPr>
-          <p:cNvPr id="21" name="직사각형 20"/>
-          <p:cNvSpPr/>
-          <p:nvPr/>
-        </p:nvSpPr>
-        <p:spPr>
-          <a:xfrm>
-            <a:off x="4923625" y="4117307"/>
-            <a:ext cx="1000433" cy="340862"/>
-          </a:xfrm>
-          <a:prstGeom prst="rect">
-            <a:avLst/>
-          </a:prstGeom>
-          <a:noFill/>
-          <a:ln w="9525">
-            <a:solidFill>
-              <a:schemeClr val="tx1"/>
-            </a:solidFill>
-          </a:ln>
-        </p:spPr>
-        <p:style>
-          <a:lnRef idx="2">
-            <a:schemeClr val="accent1">
-              <a:shade val="50000"/>
-            </a:schemeClr>
-          </a:lnRef>
-          <a:fillRef idx="1">
-            <a:schemeClr val="accent1"/>
-          </a:fillRef>
-          <a:effectRef idx="0">
-            <a:schemeClr val="accent1"/>
-          </a:effectRef>
-          <a:fontRef idx="minor">
-            <a:schemeClr val="lt1"/>
-          </a:fontRef>
-        </p:style>
-        <p:txBody>
-          <a:bodyPr rtlCol="0" anchor="ctr"/>
-          <a:lstStyle/>
-          <a:p>
-            <a:pPr algn="ctr"/>
-            <a:endParaRPr lang="ko-KR" altLang="en-US" sz="1000" dirty="0">
-              <a:solidFill>
-                <a:schemeClr val="tx1"/>
-              </a:solidFill>
-            </a:endParaRPr>
-          </a:p>
-        </p:txBody>
-      </p:sp>
-      <p:sp>
-        <p:nvSpPr>
           <p:cNvPr id="22" name="TextBox 21"/>
           <p:cNvSpPr txBox="1"/>
           <p:nvPr/>
@@ -7902,6 +7852,76 @@
           </a:p>
         </p:txBody>
       </p:sp>
+      <p:cxnSp>
+        <p:nvCxnSpPr>
+          <p:cNvPr id="24" name="직선 연결선 23"/>
+          <p:cNvCxnSpPr/>
+          <p:nvPr/>
+        </p:nvCxnSpPr>
+        <p:spPr>
+          <a:xfrm>
+            <a:off x="2928823" y="2420888"/>
+            <a:ext cx="3096344" cy="0"/>
+          </a:xfrm>
+          <a:prstGeom prst="line">
+            <a:avLst/>
+          </a:prstGeom>
+          <a:ln w="28575">
+            <a:solidFill>
+              <a:schemeClr val="tx1"/>
+            </a:solidFill>
+          </a:ln>
+        </p:spPr>
+        <p:style>
+          <a:lnRef idx="1">
+            <a:schemeClr val="accent1"/>
+          </a:lnRef>
+          <a:fillRef idx="0">
+            <a:schemeClr val="accent1"/>
+          </a:fillRef>
+          <a:effectRef idx="0">
+            <a:schemeClr val="accent1"/>
+          </a:effectRef>
+          <a:fontRef idx="minor">
+            <a:schemeClr val="tx1"/>
+          </a:fontRef>
+        </p:style>
+      </p:cxnSp>
+      <p:cxnSp>
+        <p:nvCxnSpPr>
+          <p:cNvPr id="27" name="직선 연결선 26"/>
+          <p:cNvCxnSpPr/>
+          <p:nvPr/>
+        </p:nvCxnSpPr>
+        <p:spPr>
+          <a:xfrm>
+            <a:off x="2928823" y="5301208"/>
+            <a:ext cx="3096344" cy="0"/>
+          </a:xfrm>
+          <a:prstGeom prst="line">
+            <a:avLst/>
+          </a:prstGeom>
+          <a:ln w="28575">
+            <a:solidFill>
+              <a:schemeClr val="tx1"/>
+            </a:solidFill>
+          </a:ln>
+        </p:spPr>
+        <p:style>
+          <a:lnRef idx="1">
+            <a:schemeClr val="accent1"/>
+          </a:lnRef>
+          <a:fillRef idx="0">
+            <a:schemeClr val="accent1"/>
+          </a:fillRef>
+          <a:effectRef idx="0">
+            <a:schemeClr val="accent1"/>
+          </a:effectRef>
+          <a:fontRef idx="minor">
+            <a:schemeClr val="tx1"/>
+          </a:fontRef>
+        </p:style>
+      </p:cxnSp>
     </p:spTree>
     <p:extLst>
       <p:ext uri="{BB962C8B-B14F-4D97-AF65-F5344CB8AC3E}">
@@ -8509,14 +8529,44 @@
       </p:pic>
       <p:sp>
         <p:nvSpPr>
-          <p:cNvPr id="15" name="직사각형 14"/>
+          <p:cNvPr id="16" name="TextBox 15"/>
+          <p:cNvSpPr txBox="1"/>
+          <p:nvPr/>
+        </p:nvSpPr>
+        <p:spPr>
+          <a:xfrm>
+            <a:off x="3931936" y="2391451"/>
+            <a:ext cx="1107996" cy="369332"/>
+          </a:xfrm>
+          <a:prstGeom prst="rect">
+            <a:avLst/>
+          </a:prstGeom>
+          <a:noFill/>
+        </p:spPr>
+        <p:txBody>
+          <a:bodyPr wrap="none" rtlCol="0">
+            <a:spAutoFit/>
+          </a:bodyPr>
+          <a:lstStyle/>
+          <a:p>
+            <a:r>
+              <a:rPr lang="ko-KR" altLang="en-US" dirty="0" smtClean="0"/>
+              <a:t>회원가입</a:t>
+            </a:r>
+            <a:endParaRPr lang="ko-KR" altLang="en-US" dirty="0"/>
+          </a:p>
+        </p:txBody>
+      </p:sp>
+      <p:sp>
+        <p:nvSpPr>
+          <p:cNvPr id="17" name="직사각형 16"/>
           <p:cNvSpPr/>
           <p:nvPr/>
         </p:nvSpPr>
         <p:spPr>
           <a:xfrm>
-            <a:off x="2823693" y="2204864"/>
-            <a:ext cx="3332483" cy="3600400"/>
+            <a:off x="3816715" y="2851446"/>
+            <a:ext cx="1790245" cy="254735"/>
           </a:xfrm>
           <a:prstGeom prst="rect">
             <a:avLst/>
@@ -8559,14 +8609,14 @@
       </p:sp>
       <p:sp>
         <p:nvSpPr>
-          <p:cNvPr id="16" name="TextBox 15"/>
+          <p:cNvPr id="18" name="TextBox 17"/>
           <p:cNvSpPr txBox="1"/>
           <p:nvPr/>
         </p:nvSpPr>
         <p:spPr>
           <a:xfrm>
-            <a:off x="3931936" y="2391451"/>
-            <a:ext cx="1107996" cy="369332"/>
+            <a:off x="3084059" y="2829182"/>
+            <a:ext cx="646331" cy="276999"/>
           </a:xfrm>
           <a:prstGeom prst="rect">
             <a:avLst/>
@@ -8580,23 +8630,53 @@
           <a:lstStyle/>
           <a:p>
             <a:r>
-              <a:rPr lang="ko-KR" altLang="en-US" dirty="0" smtClean="0"/>
-              <a:t>회원가입</a:t>
-            </a:r>
-            <a:endParaRPr lang="ko-KR" altLang="en-US" dirty="0"/>
-          </a:p>
-        </p:txBody>
-      </p:sp>
-      <p:sp>
-        <p:nvSpPr>
-          <p:cNvPr id="17" name="직사각형 16"/>
+              <a:rPr lang="ko-KR" altLang="en-US" sz="1200" dirty="0" smtClean="0"/>
+              <a:t>아이디</a:t>
+            </a:r>
+            <a:endParaRPr lang="ko-KR" altLang="en-US" sz="1200" dirty="0"/>
+          </a:p>
+        </p:txBody>
+      </p:sp>
+      <p:sp>
+        <p:nvSpPr>
+          <p:cNvPr id="20" name="TextBox 19"/>
+          <p:cNvSpPr txBox="1"/>
+          <p:nvPr/>
+        </p:nvSpPr>
+        <p:spPr>
+          <a:xfrm>
+            <a:off x="3245183" y="3474073"/>
+            <a:ext cx="492443" cy="276999"/>
+          </a:xfrm>
+          <a:prstGeom prst="rect">
+            <a:avLst/>
+          </a:prstGeom>
+          <a:noFill/>
+        </p:spPr>
+        <p:txBody>
+          <a:bodyPr wrap="none" rtlCol="0">
+            <a:spAutoFit/>
+          </a:bodyPr>
+          <a:lstStyle/>
+          <a:p>
+            <a:r>
+              <a:rPr lang="ko-KR" altLang="en-US" sz="1200" dirty="0" smtClean="0"/>
+              <a:t>비번</a:t>
+            </a:r>
+            <a:endParaRPr lang="ko-KR" altLang="en-US" sz="1200" dirty="0"/>
+          </a:p>
+        </p:txBody>
+      </p:sp>
+      <p:sp>
+        <p:nvSpPr>
+          <p:cNvPr id="21" name="직사각형 20"/>
           <p:cNvSpPr/>
           <p:nvPr/>
         </p:nvSpPr>
         <p:spPr>
           <a:xfrm>
-            <a:off x="3816715" y="2851446"/>
-            <a:ext cx="1790245" cy="254735"/>
+            <a:off x="4222932" y="5348997"/>
+            <a:ext cx="1000433" cy="340862"/>
           </a:xfrm>
           <a:prstGeom prst="rect">
             <a:avLst/>
@@ -8639,14 +8719,14 @@
       </p:sp>
       <p:sp>
         <p:nvSpPr>
-          <p:cNvPr id="18" name="TextBox 17"/>
+          <p:cNvPr id="22" name="TextBox 21"/>
           <p:cNvSpPr txBox="1"/>
           <p:nvPr/>
         </p:nvSpPr>
         <p:spPr>
           <a:xfrm>
-            <a:off x="3084059" y="2829182"/>
-            <a:ext cx="646331" cy="276999"/>
+            <a:off x="4271742" y="5365539"/>
+            <a:ext cx="902811" cy="307777"/>
           </a:xfrm>
           <a:prstGeom prst="rect">
             <a:avLst/>
@@ -8660,53 +8740,23 @@
           <a:lstStyle/>
           <a:p>
             <a:r>
-              <a:rPr lang="ko-KR" altLang="en-US" sz="1200" dirty="0" smtClean="0"/>
-              <a:t>아이디</a:t>
-            </a:r>
-            <a:endParaRPr lang="ko-KR" altLang="en-US" sz="1200" dirty="0"/>
-          </a:p>
-        </p:txBody>
-      </p:sp>
-      <p:sp>
-        <p:nvSpPr>
-          <p:cNvPr id="20" name="TextBox 19"/>
-          <p:cNvSpPr txBox="1"/>
-          <p:nvPr/>
-        </p:nvSpPr>
-        <p:spPr>
-          <a:xfrm>
-            <a:off x="3245183" y="3474073"/>
-            <a:ext cx="492443" cy="276999"/>
-          </a:xfrm>
-          <a:prstGeom prst="rect">
-            <a:avLst/>
-          </a:prstGeom>
-          <a:noFill/>
-        </p:spPr>
-        <p:txBody>
-          <a:bodyPr wrap="none" rtlCol="0">
-            <a:spAutoFit/>
-          </a:bodyPr>
-          <a:lstStyle/>
-          <a:p>
-            <a:r>
-              <a:rPr lang="ko-KR" altLang="en-US" sz="1200" dirty="0" smtClean="0"/>
-              <a:t>비번</a:t>
-            </a:r>
-            <a:endParaRPr lang="ko-KR" altLang="en-US" sz="1200" dirty="0"/>
-          </a:p>
-        </p:txBody>
-      </p:sp>
-      <p:sp>
-        <p:nvSpPr>
-          <p:cNvPr id="21" name="직사각형 20"/>
+              <a:rPr lang="ko-KR" altLang="en-US" sz="1400" dirty="0" smtClean="0"/>
+              <a:t>회원가입</a:t>
+            </a:r>
+            <a:endParaRPr lang="ko-KR" altLang="en-US" sz="1400" dirty="0"/>
+          </a:p>
+        </p:txBody>
+      </p:sp>
+      <p:sp>
+        <p:nvSpPr>
+          <p:cNvPr id="24" name="직사각형 23"/>
           <p:cNvSpPr/>
           <p:nvPr/>
         </p:nvSpPr>
         <p:spPr>
           <a:xfrm>
-            <a:off x="4222932" y="5348997"/>
-            <a:ext cx="1000433" cy="340862"/>
+            <a:off x="3816715" y="3485204"/>
+            <a:ext cx="1790245" cy="254735"/>
           </a:xfrm>
           <a:prstGeom prst="rect">
             <a:avLst/>
@@ -8749,44 +8799,14 @@
       </p:sp>
       <p:sp>
         <p:nvSpPr>
-          <p:cNvPr id="22" name="TextBox 21"/>
-          <p:cNvSpPr txBox="1"/>
-          <p:nvPr/>
-        </p:nvSpPr>
-        <p:spPr>
-          <a:xfrm>
-            <a:off x="4271742" y="5365539"/>
-            <a:ext cx="902811" cy="307777"/>
-          </a:xfrm>
-          <a:prstGeom prst="rect">
-            <a:avLst/>
-          </a:prstGeom>
-          <a:noFill/>
-        </p:spPr>
-        <p:txBody>
-          <a:bodyPr wrap="none" rtlCol="0">
-            <a:spAutoFit/>
-          </a:bodyPr>
-          <a:lstStyle/>
-          <a:p>
-            <a:r>
-              <a:rPr lang="ko-KR" altLang="en-US" sz="1400" dirty="0" smtClean="0"/>
-              <a:t>회원가입</a:t>
-            </a:r>
-            <a:endParaRPr lang="ko-KR" altLang="en-US" sz="1400" dirty="0"/>
-          </a:p>
-        </p:txBody>
-      </p:sp>
-      <p:sp>
-        <p:nvSpPr>
-          <p:cNvPr id="24" name="직사각형 23"/>
+          <p:cNvPr id="27" name="직사각형 26"/>
           <p:cNvSpPr/>
           <p:nvPr/>
         </p:nvSpPr>
         <p:spPr>
           <a:xfrm>
-            <a:off x="3816715" y="3485204"/>
-            <a:ext cx="1790245" cy="254735"/>
+            <a:off x="3816715" y="3145986"/>
+            <a:ext cx="1220615" cy="254735"/>
           </a:xfrm>
           <a:prstGeom prst="rect">
             <a:avLst/>
@@ -8829,14 +8849,44 @@
       </p:sp>
       <p:sp>
         <p:nvSpPr>
-          <p:cNvPr id="27" name="직사각형 26"/>
+          <p:cNvPr id="28" name="TextBox 27"/>
+          <p:cNvSpPr txBox="1"/>
+          <p:nvPr/>
+        </p:nvSpPr>
+        <p:spPr>
+          <a:xfrm>
+            <a:off x="3816715" y="3145986"/>
+            <a:ext cx="1261884" cy="276999"/>
+          </a:xfrm>
+          <a:prstGeom prst="rect">
+            <a:avLst/>
+          </a:prstGeom>
+          <a:noFill/>
+        </p:spPr>
+        <p:txBody>
+          <a:bodyPr wrap="none" rtlCol="0">
+            <a:spAutoFit/>
+          </a:bodyPr>
+          <a:lstStyle/>
+          <a:p>
+            <a:r>
+              <a:rPr lang="ko-KR" altLang="en-US" sz="1200" dirty="0" smtClean="0"/>
+              <a:t>아이디중복체크</a:t>
+            </a:r>
+            <a:endParaRPr lang="ko-KR" altLang="en-US" sz="1200" dirty="0"/>
+          </a:p>
+        </p:txBody>
+      </p:sp>
+      <p:sp>
+        <p:nvSpPr>
+          <p:cNvPr id="29" name="직사각형 28"/>
           <p:cNvSpPr/>
           <p:nvPr/>
         </p:nvSpPr>
         <p:spPr>
           <a:xfrm>
-            <a:off x="3816715" y="3145986"/>
-            <a:ext cx="1220615" cy="254735"/>
+            <a:off x="3828027" y="3855563"/>
+            <a:ext cx="1790245" cy="254735"/>
           </a:xfrm>
           <a:prstGeom prst="rect">
             <a:avLst/>
@@ -8879,14 +8929,14 @@
       </p:sp>
       <p:sp>
         <p:nvSpPr>
-          <p:cNvPr id="28" name="TextBox 27"/>
+          <p:cNvPr id="30" name="TextBox 29"/>
           <p:cNvSpPr txBox="1"/>
           <p:nvPr/>
         </p:nvSpPr>
         <p:spPr>
           <a:xfrm>
-            <a:off x="3816715" y="3145986"/>
-            <a:ext cx="1261884" cy="276999"/>
+            <a:off x="2961994" y="3844430"/>
+            <a:ext cx="854721" cy="276999"/>
           </a:xfrm>
           <a:prstGeom prst="rect">
             <a:avLst/>
@@ -8901,7 +8951,7 @@
           <a:p>
             <a:r>
               <a:rPr lang="ko-KR" altLang="en-US" sz="1200" dirty="0" smtClean="0"/>
-              <a:t>아이디중복체크</a:t>
+              <a:t>비번 찾기</a:t>
             </a:r>
             <a:endParaRPr lang="ko-KR" altLang="en-US" sz="1200" dirty="0"/>
           </a:p>
@@ -8909,13 +8959,106 @@
       </p:sp>
       <p:sp>
         <p:nvSpPr>
-          <p:cNvPr id="29" name="직사각형 28"/>
+          <p:cNvPr id="32" name="TextBox 31"/>
+          <p:cNvSpPr txBox="1"/>
+          <p:nvPr/>
+        </p:nvSpPr>
+        <p:spPr>
+          <a:xfrm>
+            <a:off x="3097522" y="4193458"/>
+            <a:ext cx="646331" cy="276999"/>
+          </a:xfrm>
+          <a:prstGeom prst="rect">
+            <a:avLst/>
+          </a:prstGeom>
+          <a:noFill/>
+        </p:spPr>
+        <p:txBody>
+          <a:bodyPr wrap="none" rtlCol="0">
+            <a:spAutoFit/>
+          </a:bodyPr>
+          <a:lstStyle/>
+          <a:p>
+            <a:r>
+              <a:rPr lang="ko-KR" altLang="en-US" sz="1200" dirty="0" err="1" smtClean="0"/>
+              <a:t>이메일</a:t>
+            </a:r>
+            <a:endParaRPr lang="ko-KR" altLang="en-US" sz="1200" dirty="0"/>
+          </a:p>
+        </p:txBody>
+      </p:sp>
+      <p:sp>
+        <p:nvSpPr>
+          <p:cNvPr id="33" name="TextBox 32"/>
+          <p:cNvSpPr txBox="1"/>
+          <p:nvPr/>
+        </p:nvSpPr>
+        <p:spPr>
+          <a:xfrm>
+            <a:off x="3110987" y="4559899"/>
+            <a:ext cx="646331" cy="276999"/>
+          </a:xfrm>
+          <a:prstGeom prst="rect">
+            <a:avLst/>
+          </a:prstGeom>
+          <a:noFill/>
+        </p:spPr>
+        <p:txBody>
+          <a:bodyPr wrap="none" rtlCol="0">
+            <a:spAutoFit/>
+          </a:bodyPr>
+          <a:lstStyle/>
+          <a:p>
+            <a:r>
+              <a:rPr lang="ko-KR" altLang="en-US" sz="1200" dirty="0" smtClean="0"/>
+              <a:t>핸드</a:t>
+            </a:r>
+            <a:r>
+              <a:rPr lang="ko-KR" altLang="en-US" sz="1200" dirty="0"/>
+              <a:t>폰</a:t>
+            </a:r>
+          </a:p>
+        </p:txBody>
+      </p:sp>
+      <p:sp>
+        <p:nvSpPr>
+          <p:cNvPr id="34" name="TextBox 33"/>
+          <p:cNvSpPr txBox="1"/>
+          <p:nvPr/>
+        </p:nvSpPr>
+        <p:spPr>
+          <a:xfrm>
+            <a:off x="3227966" y="4896989"/>
+            <a:ext cx="492443" cy="276999"/>
+          </a:xfrm>
+          <a:prstGeom prst="rect">
+            <a:avLst/>
+          </a:prstGeom>
+          <a:noFill/>
+        </p:spPr>
+        <p:txBody>
+          <a:bodyPr wrap="none" rtlCol="0">
+            <a:spAutoFit/>
+          </a:bodyPr>
+          <a:lstStyle/>
+          <a:p>
+            <a:r>
+              <a:rPr lang="ko-KR" altLang="en-US" sz="1200" dirty="0" smtClean="0"/>
+              <a:t>주소</a:t>
+            </a:r>
+            <a:endParaRPr lang="ko-KR" altLang="en-US" sz="1200" dirty="0"/>
+          </a:p>
+        </p:txBody>
+      </p:sp>
+      <p:sp>
+        <p:nvSpPr>
+          <p:cNvPr id="35" name="직사각형 34"/>
           <p:cNvSpPr/>
           <p:nvPr/>
         </p:nvSpPr>
         <p:spPr>
           <a:xfrm>
-            <a:off x="3828027" y="3855563"/>
+            <a:off x="3828026" y="4215722"/>
             <a:ext cx="1790245" cy="254735"/>
           </a:xfrm>
           <a:prstGeom prst="rect">
@@ -8959,136 +9102,13 @@
       </p:sp>
       <p:sp>
         <p:nvSpPr>
-          <p:cNvPr id="30" name="TextBox 29"/>
-          <p:cNvSpPr txBox="1"/>
-          <p:nvPr/>
-        </p:nvSpPr>
-        <p:spPr>
-          <a:xfrm>
-            <a:off x="2961994" y="3844430"/>
-            <a:ext cx="854721" cy="276999"/>
-          </a:xfrm>
-          <a:prstGeom prst="rect">
-            <a:avLst/>
-          </a:prstGeom>
-          <a:noFill/>
-        </p:spPr>
-        <p:txBody>
-          <a:bodyPr wrap="none" rtlCol="0">
-            <a:spAutoFit/>
-          </a:bodyPr>
-          <a:lstStyle/>
-          <a:p>
-            <a:r>
-              <a:rPr lang="ko-KR" altLang="en-US" sz="1200" dirty="0" smtClean="0"/>
-              <a:t>비번 찾기</a:t>
-            </a:r>
-            <a:endParaRPr lang="ko-KR" altLang="en-US" sz="1200" dirty="0"/>
-          </a:p>
-        </p:txBody>
-      </p:sp>
-      <p:sp>
-        <p:nvSpPr>
-          <p:cNvPr id="32" name="TextBox 31"/>
-          <p:cNvSpPr txBox="1"/>
-          <p:nvPr/>
-        </p:nvSpPr>
-        <p:spPr>
-          <a:xfrm>
-            <a:off x="3097522" y="4193458"/>
-            <a:ext cx="646331" cy="276999"/>
-          </a:xfrm>
-          <a:prstGeom prst="rect">
-            <a:avLst/>
-          </a:prstGeom>
-          <a:noFill/>
-        </p:spPr>
-        <p:txBody>
-          <a:bodyPr wrap="none" rtlCol="0">
-            <a:spAutoFit/>
-          </a:bodyPr>
-          <a:lstStyle/>
-          <a:p>
-            <a:r>
-              <a:rPr lang="ko-KR" altLang="en-US" sz="1200" dirty="0" err="1" smtClean="0"/>
-              <a:t>이메일</a:t>
-            </a:r>
-            <a:endParaRPr lang="ko-KR" altLang="en-US" sz="1200" dirty="0"/>
-          </a:p>
-        </p:txBody>
-      </p:sp>
-      <p:sp>
-        <p:nvSpPr>
-          <p:cNvPr id="33" name="TextBox 32"/>
-          <p:cNvSpPr txBox="1"/>
-          <p:nvPr/>
-        </p:nvSpPr>
-        <p:spPr>
-          <a:xfrm>
-            <a:off x="3110987" y="4559899"/>
-            <a:ext cx="646331" cy="276999"/>
-          </a:xfrm>
-          <a:prstGeom prst="rect">
-            <a:avLst/>
-          </a:prstGeom>
-          <a:noFill/>
-        </p:spPr>
-        <p:txBody>
-          <a:bodyPr wrap="none" rtlCol="0">
-            <a:spAutoFit/>
-          </a:bodyPr>
-          <a:lstStyle/>
-          <a:p>
-            <a:r>
-              <a:rPr lang="ko-KR" altLang="en-US" sz="1200" dirty="0" smtClean="0"/>
-              <a:t>핸드</a:t>
-            </a:r>
-            <a:r>
-              <a:rPr lang="ko-KR" altLang="en-US" sz="1200" dirty="0"/>
-              <a:t>폰</a:t>
-            </a:r>
-          </a:p>
-        </p:txBody>
-      </p:sp>
-      <p:sp>
-        <p:nvSpPr>
-          <p:cNvPr id="34" name="TextBox 33"/>
-          <p:cNvSpPr txBox="1"/>
-          <p:nvPr/>
-        </p:nvSpPr>
-        <p:spPr>
-          <a:xfrm>
-            <a:off x="3227966" y="4896989"/>
-            <a:ext cx="492443" cy="276999"/>
-          </a:xfrm>
-          <a:prstGeom prst="rect">
-            <a:avLst/>
-          </a:prstGeom>
-          <a:noFill/>
-        </p:spPr>
-        <p:txBody>
-          <a:bodyPr wrap="none" rtlCol="0">
-            <a:spAutoFit/>
-          </a:bodyPr>
-          <a:lstStyle/>
-          <a:p>
-            <a:r>
-              <a:rPr lang="ko-KR" altLang="en-US" sz="1200" dirty="0" smtClean="0"/>
-              <a:t>주소</a:t>
-            </a:r>
-            <a:endParaRPr lang="ko-KR" altLang="en-US" sz="1200" dirty="0"/>
-          </a:p>
-        </p:txBody>
-      </p:sp>
-      <p:sp>
-        <p:nvSpPr>
-          <p:cNvPr id="35" name="직사각형 34"/>
+          <p:cNvPr id="36" name="직사각형 35"/>
           <p:cNvSpPr/>
           <p:nvPr/>
         </p:nvSpPr>
         <p:spPr>
           <a:xfrm>
-            <a:off x="3828026" y="4215722"/>
+            <a:off x="3814569" y="4543297"/>
             <a:ext cx="1790245" cy="254735"/>
           </a:xfrm>
           <a:prstGeom prst="rect">
@@ -9132,13 +9152,13 @@
       </p:sp>
       <p:sp>
         <p:nvSpPr>
-          <p:cNvPr id="36" name="직사각형 35"/>
+          <p:cNvPr id="37" name="직사각형 36"/>
           <p:cNvSpPr/>
           <p:nvPr/>
         </p:nvSpPr>
         <p:spPr>
           <a:xfrm>
-            <a:off x="3814569" y="4543297"/>
+            <a:off x="3828027" y="4896989"/>
             <a:ext cx="1790245" cy="254735"/>
           </a:xfrm>
           <a:prstGeom prst="rect">
@@ -9180,56 +9200,76 @@
           </a:p>
         </p:txBody>
       </p:sp>
-      <p:sp>
-        <p:nvSpPr>
-          <p:cNvPr id="37" name="직사각형 36"/>
-          <p:cNvSpPr/>
-          <p:nvPr/>
-        </p:nvSpPr>
-        <p:spPr>
-          <a:xfrm>
-            <a:off x="3828027" y="4896989"/>
-            <a:ext cx="1790245" cy="254735"/>
-          </a:xfrm>
-          <a:prstGeom prst="rect">
-            <a:avLst/>
-          </a:prstGeom>
-          <a:noFill/>
-          <a:ln w="9525">
+      <p:cxnSp>
+        <p:nvCxnSpPr>
+          <p:cNvPr id="3" name="직선 연결선 2"/>
+          <p:cNvCxnSpPr/>
+          <p:nvPr/>
+        </p:nvCxnSpPr>
+        <p:spPr>
+          <a:xfrm>
+            <a:off x="2915816" y="2132856"/>
+            <a:ext cx="3096344" cy="0"/>
+          </a:xfrm>
+          <a:prstGeom prst="line">
+            <a:avLst/>
+          </a:prstGeom>
+          <a:ln w="28575">
             <a:solidFill>
               <a:schemeClr val="tx1"/>
             </a:solidFill>
           </a:ln>
         </p:spPr>
         <p:style>
-          <a:lnRef idx="2">
-            <a:schemeClr val="accent1">
-              <a:shade val="50000"/>
-            </a:schemeClr>
+          <a:lnRef idx="1">
+            <a:schemeClr val="accent1"/>
           </a:lnRef>
-          <a:fillRef idx="1">
+          <a:fillRef idx="0">
             <a:schemeClr val="accent1"/>
           </a:fillRef>
           <a:effectRef idx="0">
             <a:schemeClr val="accent1"/>
           </a:effectRef>
           <a:fontRef idx="minor">
-            <a:schemeClr val="lt1"/>
+            <a:schemeClr val="tx1"/>
           </a:fontRef>
         </p:style>
-        <p:txBody>
-          <a:bodyPr rtlCol="0" anchor="ctr"/>
-          <a:lstStyle/>
-          <a:p>
-            <a:pPr algn="ctr"/>
-            <a:endParaRPr lang="ko-KR" altLang="en-US" sz="1000" dirty="0">
-              <a:solidFill>
-                <a:schemeClr val="tx1"/>
-              </a:solidFill>
-            </a:endParaRPr>
-          </a:p>
-        </p:txBody>
-      </p:sp>
+      </p:cxnSp>
+      <p:cxnSp>
+        <p:nvCxnSpPr>
+          <p:cNvPr id="38" name="직선 연결선 37"/>
+          <p:cNvCxnSpPr/>
+          <p:nvPr/>
+        </p:nvCxnSpPr>
+        <p:spPr>
+          <a:xfrm>
+            <a:off x="2961994" y="5805264"/>
+            <a:ext cx="3096344" cy="0"/>
+          </a:xfrm>
+          <a:prstGeom prst="line">
+            <a:avLst/>
+          </a:prstGeom>
+          <a:ln w="28575">
+            <a:solidFill>
+              <a:schemeClr val="tx1"/>
+            </a:solidFill>
+          </a:ln>
+        </p:spPr>
+        <p:style>
+          <a:lnRef idx="1">
+            <a:schemeClr val="accent1"/>
+          </a:lnRef>
+          <a:fillRef idx="0">
+            <a:schemeClr val="accent1"/>
+          </a:fillRef>
+          <a:effectRef idx="0">
+            <a:schemeClr val="accent1"/>
+          </a:effectRef>
+          <a:fontRef idx="minor">
+            <a:schemeClr val="tx1"/>
+          </a:fontRef>
+        </p:style>
+      </p:cxnSp>
     </p:spTree>
     <p:extLst>
       <p:ext uri="{BB962C8B-B14F-4D97-AF65-F5344CB8AC3E}">
@@ -12389,14 +12429,48 @@
       </p:pic>
       <p:sp>
         <p:nvSpPr>
-          <p:cNvPr id="15" name="직사각형 14"/>
+          <p:cNvPr id="2" name="TextBox 1"/>
+          <p:cNvSpPr txBox="1"/>
+          <p:nvPr/>
+        </p:nvSpPr>
+        <p:spPr>
+          <a:xfrm>
+            <a:off x="359532" y="1994490"/>
+            <a:ext cx="648072" cy="369332"/>
+          </a:xfrm>
+          <a:prstGeom prst="rect">
+            <a:avLst/>
+          </a:prstGeom>
+          <a:noFill/>
+        </p:spPr>
+        <p:txBody>
+          <a:bodyPr wrap="square" rtlCol="0">
+            <a:spAutoFit/>
+          </a:bodyPr>
+          <a:lstStyle/>
+          <a:p>
+            <a:r>
+              <a:rPr lang="en-US" altLang="ko-KR" dirty="0" smtClean="0"/>
+              <a:t>|</a:t>
+            </a:r>
+            <a:r>
+              <a:rPr lang="ko-KR" altLang="en-US" dirty="0" smtClean="0"/>
+              <a:t>실</a:t>
+            </a:r>
+            <a:endParaRPr lang="ko-KR" altLang="en-US" dirty="0"/>
+          </a:p>
+        </p:txBody>
+      </p:sp>
+      <p:sp>
+        <p:nvSpPr>
+          <p:cNvPr id="16" name="직사각형 15"/>
           <p:cNvSpPr/>
           <p:nvPr/>
         </p:nvSpPr>
         <p:spPr>
           <a:xfrm>
-            <a:off x="275583" y="1994490"/>
-            <a:ext cx="504056" cy="363682"/>
+            <a:off x="359532" y="3112568"/>
+            <a:ext cx="1932275" cy="892496"/>
           </a:xfrm>
           <a:prstGeom prst="rect">
             <a:avLst/>
@@ -12439,47 +12513,13 @@
       </p:sp>
       <p:sp>
         <p:nvSpPr>
-          <p:cNvPr id="2" name="TextBox 1"/>
-          <p:cNvSpPr txBox="1"/>
-          <p:nvPr/>
-        </p:nvSpPr>
-        <p:spPr>
-          <a:xfrm>
-            <a:off x="287524" y="1988840"/>
-            <a:ext cx="648072" cy="369332"/>
-          </a:xfrm>
-          <a:prstGeom prst="rect">
-            <a:avLst/>
-          </a:prstGeom>
-          <a:noFill/>
-        </p:spPr>
-        <p:txBody>
-          <a:bodyPr wrap="square" rtlCol="0">
-            <a:spAutoFit/>
-          </a:bodyPr>
-          <a:lstStyle/>
-          <a:p>
-            <a:r>
-              <a:rPr lang="en-US" altLang="ko-KR" dirty="0" smtClean="0"/>
-              <a:t>|</a:t>
-            </a:r>
-            <a:r>
-              <a:rPr lang="ko-KR" altLang="en-US" dirty="0" smtClean="0"/>
-              <a:t>실</a:t>
-            </a:r>
-            <a:endParaRPr lang="ko-KR" altLang="en-US" dirty="0"/>
-          </a:p>
-        </p:txBody>
-      </p:sp>
-      <p:sp>
-        <p:nvSpPr>
-          <p:cNvPr id="16" name="직사각형 15"/>
+          <p:cNvPr id="17" name="직사각형 16"/>
           <p:cNvSpPr/>
           <p:nvPr/>
         </p:nvSpPr>
         <p:spPr>
           <a:xfrm>
-            <a:off x="359532" y="3112568"/>
+            <a:off x="2449205" y="3120172"/>
             <a:ext cx="1932275" cy="892496"/>
           </a:xfrm>
           <a:prstGeom prst="rect">
@@ -12523,13 +12563,13 @@
       </p:sp>
       <p:sp>
         <p:nvSpPr>
-          <p:cNvPr id="17" name="직사각형 16"/>
+          <p:cNvPr id="18" name="직사각형 17"/>
           <p:cNvSpPr/>
           <p:nvPr/>
         </p:nvSpPr>
         <p:spPr>
           <a:xfrm>
-            <a:off x="2449205" y="3120172"/>
+            <a:off x="4533880" y="3112568"/>
             <a:ext cx="1932275" cy="892496"/>
           </a:xfrm>
           <a:prstGeom prst="rect">
@@ -12573,13 +12613,13 @@
       </p:sp>
       <p:sp>
         <p:nvSpPr>
-          <p:cNvPr id="18" name="직사각형 17"/>
+          <p:cNvPr id="19" name="직사각형 18"/>
           <p:cNvSpPr/>
           <p:nvPr/>
         </p:nvSpPr>
         <p:spPr>
           <a:xfrm>
-            <a:off x="4533880" y="3112568"/>
+            <a:off x="6618555" y="3112568"/>
             <a:ext cx="1932275" cy="892496"/>
           </a:xfrm>
           <a:prstGeom prst="rect">
@@ -12621,15 +12661,672 @@
           </a:p>
         </p:txBody>
       </p:sp>
-      <p:sp>
-        <p:nvSpPr>
-          <p:cNvPr id="19" name="직사각형 18"/>
+      <p:cxnSp>
+        <p:nvCxnSpPr>
+          <p:cNvPr id="24" name="직선 연결선 23"/>
+          <p:cNvCxnSpPr/>
+          <p:nvPr/>
+        </p:nvCxnSpPr>
+        <p:spPr>
+          <a:xfrm flipV="1">
+            <a:off x="275583" y="2847346"/>
+            <a:ext cx="8400873" cy="5590"/>
+          </a:xfrm>
+          <a:prstGeom prst="line">
+            <a:avLst/>
+          </a:prstGeom>
+          <a:ln w="57150">
+            <a:solidFill>
+              <a:schemeClr val="tx1"/>
+            </a:solidFill>
+          </a:ln>
+        </p:spPr>
+        <p:style>
+          <a:lnRef idx="1">
+            <a:schemeClr val="accent1"/>
+          </a:lnRef>
+          <a:fillRef idx="0">
+            <a:schemeClr val="accent1"/>
+          </a:fillRef>
+          <a:effectRef idx="0">
+            <a:schemeClr val="accent1"/>
+          </a:effectRef>
+          <a:fontRef idx="minor">
+            <a:schemeClr val="tx1"/>
+          </a:fontRef>
+        </p:style>
+      </p:cxnSp>
+      <p:sp>
+        <p:nvSpPr>
+          <p:cNvPr id="25" name="TextBox 24"/>
+          <p:cNvSpPr txBox="1"/>
+          <p:nvPr/>
+        </p:nvSpPr>
+        <p:spPr>
+          <a:xfrm>
+            <a:off x="275583" y="2570347"/>
+            <a:ext cx="3555782" cy="276999"/>
+          </a:xfrm>
+          <a:prstGeom prst="rect">
+            <a:avLst/>
+          </a:prstGeom>
+          <a:noFill/>
+        </p:spPr>
+        <p:txBody>
+          <a:bodyPr wrap="none" rtlCol="0">
+            <a:spAutoFit/>
+          </a:bodyPr>
+          <a:lstStyle/>
+          <a:p>
+            <a:r>
+              <a:rPr lang="ko-KR" altLang="en-US" sz="1200" dirty="0" smtClean="0"/>
+              <a:t>최근 </a:t>
+            </a:r>
+            <a:r>
+              <a:rPr lang="ko-KR" altLang="en-US" sz="1200" dirty="0" err="1" smtClean="0"/>
+              <a:t>등록순</a:t>
+            </a:r>
+            <a:r>
+              <a:rPr lang="ko-KR" altLang="en-US" sz="1200" dirty="0" smtClean="0"/>
+              <a:t> </a:t>
+            </a:r>
+            <a:r>
+              <a:rPr lang="en-US" altLang="ko-KR" sz="1200" dirty="0" smtClean="0"/>
+              <a:t>| </a:t>
+            </a:r>
+            <a:r>
+              <a:rPr lang="ko-KR" altLang="en-US" sz="1200" dirty="0" smtClean="0"/>
+              <a:t>낮은 </a:t>
+            </a:r>
+            <a:r>
+              <a:rPr lang="ko-KR" altLang="en-US" sz="1200" dirty="0" err="1" smtClean="0"/>
+              <a:t>가격순</a:t>
+            </a:r>
+            <a:r>
+              <a:rPr lang="ko-KR" altLang="en-US" sz="1200" dirty="0" smtClean="0"/>
+              <a:t> </a:t>
+            </a:r>
+            <a:r>
+              <a:rPr lang="en-US" altLang="ko-KR" sz="1200" dirty="0" smtClean="0"/>
+              <a:t>|</a:t>
+            </a:r>
+            <a:r>
+              <a:rPr lang="ko-KR" altLang="en-US" sz="1200" dirty="0" smtClean="0"/>
+              <a:t> 높은 </a:t>
+            </a:r>
+            <a:r>
+              <a:rPr lang="ko-KR" altLang="en-US" sz="1200" dirty="0" err="1" smtClean="0"/>
+              <a:t>가격순</a:t>
+            </a:r>
+            <a:r>
+              <a:rPr lang="ko-KR" altLang="en-US" sz="1200" dirty="0" smtClean="0"/>
+              <a:t> </a:t>
+            </a:r>
+            <a:r>
+              <a:rPr lang="en-US" altLang="ko-KR" sz="1200" dirty="0" smtClean="0"/>
+              <a:t>| </a:t>
+            </a:r>
+            <a:r>
+              <a:rPr lang="ko-KR" altLang="en-US" sz="1200" dirty="0" smtClean="0"/>
+              <a:t>인기순</a:t>
+            </a:r>
+            <a:endParaRPr lang="ko-KR" altLang="en-US" sz="1200" dirty="0"/>
+          </a:p>
+        </p:txBody>
+      </p:sp>
+      <p:sp>
+        <p:nvSpPr>
+          <p:cNvPr id="26" name="TextBox 25"/>
+          <p:cNvSpPr txBox="1"/>
+          <p:nvPr/>
+        </p:nvSpPr>
+        <p:spPr>
+          <a:xfrm>
+            <a:off x="1079447" y="3462844"/>
+            <a:ext cx="492443" cy="276999"/>
+          </a:xfrm>
+          <a:prstGeom prst="rect">
+            <a:avLst/>
+          </a:prstGeom>
+          <a:noFill/>
+        </p:spPr>
+        <p:txBody>
+          <a:bodyPr wrap="none" rtlCol="0">
+            <a:spAutoFit/>
+          </a:bodyPr>
+          <a:lstStyle/>
+          <a:p>
+            <a:r>
+              <a:rPr lang="ko-KR" altLang="en-US" sz="1200" dirty="0" smtClean="0"/>
+              <a:t>제</a:t>
+            </a:r>
+            <a:r>
+              <a:rPr lang="ko-KR" altLang="en-US" sz="1200" dirty="0"/>
+              <a:t>품</a:t>
+            </a:r>
+          </a:p>
+        </p:txBody>
+      </p:sp>
+      <p:sp>
+        <p:nvSpPr>
+          <p:cNvPr id="27" name="TextBox 26"/>
+          <p:cNvSpPr txBox="1"/>
+          <p:nvPr/>
+        </p:nvSpPr>
+        <p:spPr>
+          <a:xfrm>
+            <a:off x="3169120" y="3462844"/>
+            <a:ext cx="492443" cy="276999"/>
+          </a:xfrm>
+          <a:prstGeom prst="rect">
+            <a:avLst/>
+          </a:prstGeom>
+          <a:noFill/>
+        </p:spPr>
+        <p:txBody>
+          <a:bodyPr wrap="none" rtlCol="0">
+            <a:spAutoFit/>
+          </a:bodyPr>
+          <a:lstStyle/>
+          <a:p>
+            <a:r>
+              <a:rPr lang="ko-KR" altLang="en-US" sz="1200" dirty="0" smtClean="0"/>
+              <a:t>제</a:t>
+            </a:r>
+            <a:r>
+              <a:rPr lang="ko-KR" altLang="en-US" sz="1200" dirty="0"/>
+              <a:t>품</a:t>
+            </a:r>
+          </a:p>
+        </p:txBody>
+      </p:sp>
+      <p:sp>
+        <p:nvSpPr>
+          <p:cNvPr id="28" name="TextBox 27"/>
+          <p:cNvSpPr txBox="1"/>
+          <p:nvPr/>
+        </p:nvSpPr>
+        <p:spPr>
+          <a:xfrm>
+            <a:off x="5253795" y="3455240"/>
+            <a:ext cx="492443" cy="276999"/>
+          </a:xfrm>
+          <a:prstGeom prst="rect">
+            <a:avLst/>
+          </a:prstGeom>
+          <a:noFill/>
+        </p:spPr>
+        <p:txBody>
+          <a:bodyPr wrap="none" rtlCol="0">
+            <a:spAutoFit/>
+          </a:bodyPr>
+          <a:lstStyle/>
+          <a:p>
+            <a:r>
+              <a:rPr lang="ko-KR" altLang="en-US" sz="1200" dirty="0" smtClean="0"/>
+              <a:t>제</a:t>
+            </a:r>
+            <a:r>
+              <a:rPr lang="ko-KR" altLang="en-US" sz="1200" dirty="0"/>
+              <a:t>품</a:t>
+            </a:r>
+          </a:p>
+        </p:txBody>
+      </p:sp>
+      <p:sp>
+        <p:nvSpPr>
+          <p:cNvPr id="29" name="TextBox 28"/>
+          <p:cNvSpPr txBox="1"/>
+          <p:nvPr/>
+        </p:nvSpPr>
+        <p:spPr>
+          <a:xfrm>
+            <a:off x="7370973" y="3455240"/>
+            <a:ext cx="492443" cy="276999"/>
+          </a:xfrm>
+          <a:prstGeom prst="rect">
+            <a:avLst/>
+          </a:prstGeom>
+          <a:noFill/>
+        </p:spPr>
+        <p:txBody>
+          <a:bodyPr wrap="none" rtlCol="0">
+            <a:spAutoFit/>
+          </a:bodyPr>
+          <a:lstStyle/>
+          <a:p>
+            <a:r>
+              <a:rPr lang="ko-KR" altLang="en-US" sz="1200" dirty="0" smtClean="0"/>
+              <a:t>제</a:t>
+            </a:r>
+            <a:r>
+              <a:rPr lang="ko-KR" altLang="en-US" sz="1200" dirty="0"/>
+              <a:t>품</a:t>
+            </a:r>
+          </a:p>
+        </p:txBody>
+      </p:sp>
+      <p:sp>
+        <p:nvSpPr>
+          <p:cNvPr id="37" name="TextBox 36"/>
+          <p:cNvSpPr txBox="1"/>
+          <p:nvPr/>
+        </p:nvSpPr>
+        <p:spPr>
+          <a:xfrm>
+            <a:off x="1114113" y="3903910"/>
+            <a:ext cx="612233" cy="369332"/>
+          </a:xfrm>
+          <a:prstGeom prst="rect">
+            <a:avLst/>
+          </a:prstGeom>
+          <a:noFill/>
+        </p:spPr>
+        <p:txBody>
+          <a:bodyPr wrap="square" rtlCol="0">
+            <a:spAutoFit/>
+          </a:bodyPr>
+          <a:lstStyle/>
+          <a:p>
+            <a:r>
+              <a:rPr lang="ko-KR" altLang="en-US" sz="800" dirty="0" smtClean="0"/>
+              <a:t>제품명</a:t>
+            </a:r>
+            <a:r>
+              <a:rPr lang="ko-KR" altLang="en-US" dirty="0" smtClean="0"/>
+              <a:t>  </a:t>
+            </a:r>
+            <a:endParaRPr lang="ko-KR" altLang="en-US" dirty="0"/>
+          </a:p>
+        </p:txBody>
+      </p:sp>
+      <p:cxnSp>
+        <p:nvCxnSpPr>
+          <p:cNvPr id="39" name="직선 연결선 38"/>
+          <p:cNvCxnSpPr/>
+          <p:nvPr/>
+        </p:nvCxnSpPr>
+        <p:spPr>
+          <a:xfrm>
+            <a:off x="1300003" y="4242412"/>
+            <a:ext cx="120227" cy="0"/>
+          </a:xfrm>
+          <a:prstGeom prst="line">
+            <a:avLst/>
+          </a:prstGeom>
+          <a:ln w="19050">
+            <a:solidFill>
+              <a:schemeClr val="tx1"/>
+            </a:solidFill>
+          </a:ln>
+        </p:spPr>
+        <p:style>
+          <a:lnRef idx="1">
+            <a:schemeClr val="accent1"/>
+          </a:lnRef>
+          <a:fillRef idx="0">
+            <a:schemeClr val="accent1"/>
+          </a:fillRef>
+          <a:effectRef idx="0">
+            <a:schemeClr val="accent1"/>
+          </a:effectRef>
+          <a:fontRef idx="minor">
+            <a:schemeClr val="tx1"/>
+          </a:fontRef>
+        </p:style>
+      </p:cxnSp>
+      <p:sp>
+        <p:nvSpPr>
+          <p:cNvPr id="41" name="TextBox 40"/>
+          <p:cNvSpPr txBox="1"/>
+          <p:nvPr/>
+        </p:nvSpPr>
+        <p:spPr>
+          <a:xfrm>
+            <a:off x="1187624" y="4088576"/>
+            <a:ext cx="612233" cy="369332"/>
+          </a:xfrm>
+          <a:prstGeom prst="rect">
+            <a:avLst/>
+          </a:prstGeom>
+          <a:noFill/>
+        </p:spPr>
+        <p:txBody>
+          <a:bodyPr wrap="square" rtlCol="0">
+            <a:spAutoFit/>
+          </a:bodyPr>
+          <a:lstStyle/>
+          <a:p>
+            <a:r>
+              <a:rPr lang="ko-KR" altLang="en-US" sz="800" dirty="0" smtClean="0"/>
+              <a:t>가격</a:t>
+            </a:r>
+            <a:r>
+              <a:rPr lang="ko-KR" altLang="en-US" dirty="0" smtClean="0"/>
+              <a:t>  </a:t>
+            </a:r>
+            <a:endParaRPr lang="ko-KR" altLang="en-US" dirty="0"/>
+          </a:p>
+        </p:txBody>
+      </p:sp>
+      <p:sp>
+        <p:nvSpPr>
+          <p:cNvPr id="46" name="TextBox 45"/>
+          <p:cNvSpPr txBox="1"/>
+          <p:nvPr/>
+        </p:nvSpPr>
+        <p:spPr>
+          <a:xfrm>
+            <a:off x="3145621" y="3935536"/>
+            <a:ext cx="612233" cy="369332"/>
+          </a:xfrm>
+          <a:prstGeom prst="rect">
+            <a:avLst/>
+          </a:prstGeom>
+          <a:noFill/>
+        </p:spPr>
+        <p:txBody>
+          <a:bodyPr wrap="square" rtlCol="0">
+            <a:spAutoFit/>
+          </a:bodyPr>
+          <a:lstStyle/>
+          <a:p>
+            <a:r>
+              <a:rPr lang="ko-KR" altLang="en-US" sz="800" dirty="0" smtClean="0"/>
+              <a:t>제품명</a:t>
+            </a:r>
+            <a:r>
+              <a:rPr lang="ko-KR" altLang="en-US" dirty="0" smtClean="0"/>
+              <a:t>  </a:t>
+            </a:r>
+            <a:endParaRPr lang="ko-KR" altLang="en-US" dirty="0"/>
+          </a:p>
+        </p:txBody>
+      </p:sp>
+      <p:cxnSp>
+        <p:nvCxnSpPr>
+          <p:cNvPr id="47" name="직선 연결선 46"/>
+          <p:cNvCxnSpPr/>
+          <p:nvPr/>
+        </p:nvCxnSpPr>
+        <p:spPr>
+          <a:xfrm>
+            <a:off x="3331511" y="4274038"/>
+            <a:ext cx="120227" cy="0"/>
+          </a:xfrm>
+          <a:prstGeom prst="line">
+            <a:avLst/>
+          </a:prstGeom>
+          <a:ln w="19050">
+            <a:solidFill>
+              <a:schemeClr val="tx1"/>
+            </a:solidFill>
+          </a:ln>
+        </p:spPr>
+        <p:style>
+          <a:lnRef idx="1">
+            <a:schemeClr val="accent1"/>
+          </a:lnRef>
+          <a:fillRef idx="0">
+            <a:schemeClr val="accent1"/>
+          </a:fillRef>
+          <a:effectRef idx="0">
+            <a:schemeClr val="accent1"/>
+          </a:effectRef>
+          <a:fontRef idx="minor">
+            <a:schemeClr val="tx1"/>
+          </a:fontRef>
+        </p:style>
+      </p:cxnSp>
+      <p:sp>
+        <p:nvSpPr>
+          <p:cNvPr id="48" name="TextBox 47"/>
+          <p:cNvSpPr txBox="1"/>
+          <p:nvPr/>
+        </p:nvSpPr>
+        <p:spPr>
+          <a:xfrm>
+            <a:off x="3219132" y="4120202"/>
+            <a:ext cx="612233" cy="369332"/>
+          </a:xfrm>
+          <a:prstGeom prst="rect">
+            <a:avLst/>
+          </a:prstGeom>
+          <a:noFill/>
+        </p:spPr>
+        <p:txBody>
+          <a:bodyPr wrap="square" rtlCol="0">
+            <a:spAutoFit/>
+          </a:bodyPr>
+          <a:lstStyle/>
+          <a:p>
+            <a:r>
+              <a:rPr lang="ko-KR" altLang="en-US" sz="800" dirty="0" smtClean="0"/>
+              <a:t>가격</a:t>
+            </a:r>
+            <a:r>
+              <a:rPr lang="ko-KR" altLang="en-US" dirty="0" smtClean="0"/>
+              <a:t>  </a:t>
+            </a:r>
+            <a:endParaRPr lang="ko-KR" altLang="en-US" dirty="0"/>
+          </a:p>
+        </p:txBody>
+      </p:sp>
+      <p:sp>
+        <p:nvSpPr>
+          <p:cNvPr id="49" name="TextBox 48"/>
+          <p:cNvSpPr txBox="1"/>
+          <p:nvPr/>
+        </p:nvSpPr>
+        <p:spPr>
+          <a:xfrm>
+            <a:off x="5180284" y="3945061"/>
+            <a:ext cx="612233" cy="369332"/>
+          </a:xfrm>
+          <a:prstGeom prst="rect">
+            <a:avLst/>
+          </a:prstGeom>
+          <a:noFill/>
+        </p:spPr>
+        <p:txBody>
+          <a:bodyPr wrap="square" rtlCol="0">
+            <a:spAutoFit/>
+          </a:bodyPr>
+          <a:lstStyle/>
+          <a:p>
+            <a:r>
+              <a:rPr lang="ko-KR" altLang="en-US" sz="800" dirty="0" smtClean="0"/>
+              <a:t>제품명</a:t>
+            </a:r>
+            <a:r>
+              <a:rPr lang="ko-KR" altLang="en-US" dirty="0" smtClean="0"/>
+              <a:t>  </a:t>
+            </a:r>
+            <a:endParaRPr lang="ko-KR" altLang="en-US" dirty="0"/>
+          </a:p>
+        </p:txBody>
+      </p:sp>
+      <p:cxnSp>
+        <p:nvCxnSpPr>
+          <p:cNvPr id="50" name="직선 연결선 49"/>
+          <p:cNvCxnSpPr/>
+          <p:nvPr/>
+        </p:nvCxnSpPr>
+        <p:spPr>
+          <a:xfrm>
+            <a:off x="5366174" y="4283563"/>
+            <a:ext cx="120227" cy="0"/>
+          </a:xfrm>
+          <a:prstGeom prst="line">
+            <a:avLst/>
+          </a:prstGeom>
+          <a:ln w="19050">
+            <a:solidFill>
+              <a:schemeClr val="tx1"/>
+            </a:solidFill>
+          </a:ln>
+        </p:spPr>
+        <p:style>
+          <a:lnRef idx="1">
+            <a:schemeClr val="accent1"/>
+          </a:lnRef>
+          <a:fillRef idx="0">
+            <a:schemeClr val="accent1"/>
+          </a:fillRef>
+          <a:effectRef idx="0">
+            <a:schemeClr val="accent1"/>
+          </a:effectRef>
+          <a:fontRef idx="minor">
+            <a:schemeClr val="tx1"/>
+          </a:fontRef>
+        </p:style>
+      </p:cxnSp>
+      <p:sp>
+        <p:nvSpPr>
+          <p:cNvPr id="51" name="TextBox 50"/>
+          <p:cNvSpPr txBox="1"/>
+          <p:nvPr/>
+        </p:nvSpPr>
+        <p:spPr>
+          <a:xfrm>
+            <a:off x="5253795" y="4129727"/>
+            <a:ext cx="612233" cy="369332"/>
+          </a:xfrm>
+          <a:prstGeom prst="rect">
+            <a:avLst/>
+          </a:prstGeom>
+          <a:noFill/>
+        </p:spPr>
+        <p:txBody>
+          <a:bodyPr wrap="square" rtlCol="0">
+            <a:spAutoFit/>
+          </a:bodyPr>
+          <a:lstStyle/>
+          <a:p>
+            <a:r>
+              <a:rPr lang="ko-KR" altLang="en-US" sz="800" dirty="0" smtClean="0"/>
+              <a:t>가격</a:t>
+            </a:r>
+            <a:r>
+              <a:rPr lang="ko-KR" altLang="en-US" dirty="0" smtClean="0"/>
+              <a:t>  </a:t>
+            </a:r>
+            <a:endParaRPr lang="ko-KR" altLang="en-US" dirty="0"/>
+          </a:p>
+        </p:txBody>
+      </p:sp>
+      <p:sp>
+        <p:nvSpPr>
+          <p:cNvPr id="53" name="TextBox 52"/>
+          <p:cNvSpPr txBox="1"/>
+          <p:nvPr/>
+        </p:nvSpPr>
+        <p:spPr>
+          <a:xfrm>
+            <a:off x="7338470" y="3935536"/>
+            <a:ext cx="612233" cy="369332"/>
+          </a:xfrm>
+          <a:prstGeom prst="rect">
+            <a:avLst/>
+          </a:prstGeom>
+          <a:noFill/>
+        </p:spPr>
+        <p:txBody>
+          <a:bodyPr wrap="square" rtlCol="0">
+            <a:spAutoFit/>
+          </a:bodyPr>
+          <a:lstStyle/>
+          <a:p>
+            <a:r>
+              <a:rPr lang="ko-KR" altLang="en-US" sz="800" dirty="0" smtClean="0"/>
+              <a:t>제품명</a:t>
+            </a:r>
+            <a:r>
+              <a:rPr lang="ko-KR" altLang="en-US" dirty="0" smtClean="0"/>
+              <a:t>  </a:t>
+            </a:r>
+            <a:endParaRPr lang="ko-KR" altLang="en-US" dirty="0"/>
+          </a:p>
+        </p:txBody>
+      </p:sp>
+      <p:cxnSp>
+        <p:nvCxnSpPr>
+          <p:cNvPr id="54" name="직선 연결선 53"/>
+          <p:cNvCxnSpPr/>
+          <p:nvPr/>
+        </p:nvCxnSpPr>
+        <p:spPr>
+          <a:xfrm>
+            <a:off x="7524360" y="4274038"/>
+            <a:ext cx="120227" cy="0"/>
+          </a:xfrm>
+          <a:prstGeom prst="line">
+            <a:avLst/>
+          </a:prstGeom>
+          <a:ln w="19050">
+            <a:solidFill>
+              <a:schemeClr val="tx1"/>
+            </a:solidFill>
+          </a:ln>
+        </p:spPr>
+        <p:style>
+          <a:lnRef idx="1">
+            <a:schemeClr val="accent1"/>
+          </a:lnRef>
+          <a:fillRef idx="0">
+            <a:schemeClr val="accent1"/>
+          </a:fillRef>
+          <a:effectRef idx="0">
+            <a:schemeClr val="accent1"/>
+          </a:effectRef>
+          <a:fontRef idx="minor">
+            <a:schemeClr val="tx1"/>
+          </a:fontRef>
+        </p:style>
+      </p:cxnSp>
+      <p:sp>
+        <p:nvSpPr>
+          <p:cNvPr id="55" name="TextBox 54"/>
+          <p:cNvSpPr txBox="1"/>
+          <p:nvPr/>
+        </p:nvSpPr>
+        <p:spPr>
+          <a:xfrm>
+            <a:off x="7411981" y="4120202"/>
+            <a:ext cx="612233" cy="369332"/>
+          </a:xfrm>
+          <a:prstGeom prst="rect">
+            <a:avLst/>
+          </a:prstGeom>
+          <a:noFill/>
+        </p:spPr>
+        <p:txBody>
+          <a:bodyPr wrap="square" rtlCol="0">
+            <a:spAutoFit/>
+          </a:bodyPr>
+          <a:lstStyle/>
+          <a:p>
+            <a:r>
+              <a:rPr lang="ko-KR" altLang="en-US" sz="800" dirty="0" smtClean="0"/>
+              <a:t>가격</a:t>
+            </a:r>
+            <a:r>
+              <a:rPr lang="ko-KR" altLang="en-US" dirty="0" smtClean="0"/>
+              <a:t>  </a:t>
+            </a:r>
+            <a:endParaRPr lang="ko-KR" altLang="en-US" dirty="0"/>
+          </a:p>
+        </p:txBody>
+      </p:sp>
+      <p:sp>
+        <p:nvSpPr>
+          <p:cNvPr id="59" name="직사각형 58"/>
           <p:cNvSpPr/>
           <p:nvPr/>
         </p:nvSpPr>
         <p:spPr>
           <a:xfrm>
-            <a:off x="6618555" y="3112568"/>
+            <a:off x="333865" y="4632690"/>
             <a:ext cx="1932275" cy="892496"/>
           </a:xfrm>
           <a:prstGeom prst="rect">
@@ -12671,672 +13368,15 @@
           </a:p>
         </p:txBody>
       </p:sp>
-      <p:cxnSp>
-        <p:nvCxnSpPr>
-          <p:cNvPr id="24" name="직선 연결선 23"/>
-          <p:cNvCxnSpPr/>
-          <p:nvPr/>
-        </p:nvCxnSpPr>
-        <p:spPr>
-          <a:xfrm flipV="1">
-            <a:off x="275583" y="2847346"/>
-            <a:ext cx="8400873" cy="5590"/>
-          </a:xfrm>
-          <a:prstGeom prst="line">
-            <a:avLst/>
-          </a:prstGeom>
-          <a:ln w="57150">
-            <a:solidFill>
-              <a:schemeClr val="tx1"/>
-            </a:solidFill>
-          </a:ln>
-        </p:spPr>
-        <p:style>
-          <a:lnRef idx="1">
-            <a:schemeClr val="accent1"/>
-          </a:lnRef>
-          <a:fillRef idx="0">
-            <a:schemeClr val="accent1"/>
-          </a:fillRef>
-          <a:effectRef idx="0">
-            <a:schemeClr val="accent1"/>
-          </a:effectRef>
-          <a:fontRef idx="minor">
-            <a:schemeClr val="tx1"/>
-          </a:fontRef>
-        </p:style>
-      </p:cxnSp>
-      <p:sp>
-        <p:nvSpPr>
-          <p:cNvPr id="25" name="TextBox 24"/>
-          <p:cNvSpPr txBox="1"/>
-          <p:nvPr/>
-        </p:nvSpPr>
-        <p:spPr>
-          <a:xfrm>
-            <a:off x="275583" y="2570347"/>
-            <a:ext cx="3555782" cy="276999"/>
-          </a:xfrm>
-          <a:prstGeom prst="rect">
-            <a:avLst/>
-          </a:prstGeom>
-          <a:noFill/>
-        </p:spPr>
-        <p:txBody>
-          <a:bodyPr wrap="none" rtlCol="0">
-            <a:spAutoFit/>
-          </a:bodyPr>
-          <a:lstStyle/>
-          <a:p>
-            <a:r>
-              <a:rPr lang="ko-KR" altLang="en-US" sz="1200" dirty="0" smtClean="0"/>
-              <a:t>최근 </a:t>
-            </a:r>
-            <a:r>
-              <a:rPr lang="ko-KR" altLang="en-US" sz="1200" dirty="0" err="1" smtClean="0"/>
-              <a:t>등록순</a:t>
-            </a:r>
-            <a:r>
-              <a:rPr lang="ko-KR" altLang="en-US" sz="1200" dirty="0" smtClean="0"/>
-              <a:t> </a:t>
-            </a:r>
-            <a:r>
-              <a:rPr lang="en-US" altLang="ko-KR" sz="1200" dirty="0" smtClean="0"/>
-              <a:t>| </a:t>
-            </a:r>
-            <a:r>
-              <a:rPr lang="ko-KR" altLang="en-US" sz="1200" dirty="0" smtClean="0"/>
-              <a:t>낮은 </a:t>
-            </a:r>
-            <a:r>
-              <a:rPr lang="ko-KR" altLang="en-US" sz="1200" dirty="0" err="1" smtClean="0"/>
-              <a:t>가격순</a:t>
-            </a:r>
-            <a:r>
-              <a:rPr lang="ko-KR" altLang="en-US" sz="1200" dirty="0" smtClean="0"/>
-              <a:t> </a:t>
-            </a:r>
-            <a:r>
-              <a:rPr lang="en-US" altLang="ko-KR" sz="1200" dirty="0" smtClean="0"/>
-              <a:t>|</a:t>
-            </a:r>
-            <a:r>
-              <a:rPr lang="ko-KR" altLang="en-US" sz="1200" dirty="0" smtClean="0"/>
-              <a:t> 높은 </a:t>
-            </a:r>
-            <a:r>
-              <a:rPr lang="ko-KR" altLang="en-US" sz="1200" dirty="0" err="1" smtClean="0"/>
-              <a:t>가격순</a:t>
-            </a:r>
-            <a:r>
-              <a:rPr lang="ko-KR" altLang="en-US" sz="1200" dirty="0" smtClean="0"/>
-              <a:t> </a:t>
-            </a:r>
-            <a:r>
-              <a:rPr lang="en-US" altLang="ko-KR" sz="1200" dirty="0" smtClean="0"/>
-              <a:t>| </a:t>
-            </a:r>
-            <a:r>
-              <a:rPr lang="ko-KR" altLang="en-US" sz="1200" dirty="0" smtClean="0"/>
-              <a:t>인기순</a:t>
-            </a:r>
-            <a:endParaRPr lang="ko-KR" altLang="en-US" sz="1200" dirty="0"/>
-          </a:p>
-        </p:txBody>
-      </p:sp>
-      <p:sp>
-        <p:nvSpPr>
-          <p:cNvPr id="26" name="TextBox 25"/>
-          <p:cNvSpPr txBox="1"/>
-          <p:nvPr/>
-        </p:nvSpPr>
-        <p:spPr>
-          <a:xfrm>
-            <a:off x="1079447" y="3462844"/>
-            <a:ext cx="492443" cy="276999"/>
-          </a:xfrm>
-          <a:prstGeom prst="rect">
-            <a:avLst/>
-          </a:prstGeom>
-          <a:noFill/>
-        </p:spPr>
-        <p:txBody>
-          <a:bodyPr wrap="none" rtlCol="0">
-            <a:spAutoFit/>
-          </a:bodyPr>
-          <a:lstStyle/>
-          <a:p>
-            <a:r>
-              <a:rPr lang="ko-KR" altLang="en-US" sz="1200" dirty="0" smtClean="0"/>
-              <a:t>제</a:t>
-            </a:r>
-            <a:r>
-              <a:rPr lang="ko-KR" altLang="en-US" sz="1200" dirty="0"/>
-              <a:t>품</a:t>
-            </a:r>
-          </a:p>
-        </p:txBody>
-      </p:sp>
-      <p:sp>
-        <p:nvSpPr>
-          <p:cNvPr id="27" name="TextBox 26"/>
-          <p:cNvSpPr txBox="1"/>
-          <p:nvPr/>
-        </p:nvSpPr>
-        <p:spPr>
-          <a:xfrm>
-            <a:off x="3169120" y="3462844"/>
-            <a:ext cx="492443" cy="276999"/>
-          </a:xfrm>
-          <a:prstGeom prst="rect">
-            <a:avLst/>
-          </a:prstGeom>
-          <a:noFill/>
-        </p:spPr>
-        <p:txBody>
-          <a:bodyPr wrap="none" rtlCol="0">
-            <a:spAutoFit/>
-          </a:bodyPr>
-          <a:lstStyle/>
-          <a:p>
-            <a:r>
-              <a:rPr lang="ko-KR" altLang="en-US" sz="1200" dirty="0" smtClean="0"/>
-              <a:t>제</a:t>
-            </a:r>
-            <a:r>
-              <a:rPr lang="ko-KR" altLang="en-US" sz="1200" dirty="0"/>
-              <a:t>품</a:t>
-            </a:r>
-          </a:p>
-        </p:txBody>
-      </p:sp>
-      <p:sp>
-        <p:nvSpPr>
-          <p:cNvPr id="28" name="TextBox 27"/>
-          <p:cNvSpPr txBox="1"/>
-          <p:nvPr/>
-        </p:nvSpPr>
-        <p:spPr>
-          <a:xfrm>
-            <a:off x="5253795" y="3455240"/>
-            <a:ext cx="492443" cy="276999"/>
-          </a:xfrm>
-          <a:prstGeom prst="rect">
-            <a:avLst/>
-          </a:prstGeom>
-          <a:noFill/>
-        </p:spPr>
-        <p:txBody>
-          <a:bodyPr wrap="none" rtlCol="0">
-            <a:spAutoFit/>
-          </a:bodyPr>
-          <a:lstStyle/>
-          <a:p>
-            <a:r>
-              <a:rPr lang="ko-KR" altLang="en-US" sz="1200" dirty="0" smtClean="0"/>
-              <a:t>제</a:t>
-            </a:r>
-            <a:r>
-              <a:rPr lang="ko-KR" altLang="en-US" sz="1200" dirty="0"/>
-              <a:t>품</a:t>
-            </a:r>
-          </a:p>
-        </p:txBody>
-      </p:sp>
-      <p:sp>
-        <p:nvSpPr>
-          <p:cNvPr id="29" name="TextBox 28"/>
-          <p:cNvSpPr txBox="1"/>
-          <p:nvPr/>
-        </p:nvSpPr>
-        <p:spPr>
-          <a:xfrm>
-            <a:off x="7370973" y="3455240"/>
-            <a:ext cx="492443" cy="276999"/>
-          </a:xfrm>
-          <a:prstGeom prst="rect">
-            <a:avLst/>
-          </a:prstGeom>
-          <a:noFill/>
-        </p:spPr>
-        <p:txBody>
-          <a:bodyPr wrap="none" rtlCol="0">
-            <a:spAutoFit/>
-          </a:bodyPr>
-          <a:lstStyle/>
-          <a:p>
-            <a:r>
-              <a:rPr lang="ko-KR" altLang="en-US" sz="1200" dirty="0" smtClean="0"/>
-              <a:t>제</a:t>
-            </a:r>
-            <a:r>
-              <a:rPr lang="ko-KR" altLang="en-US" sz="1200" dirty="0"/>
-              <a:t>품</a:t>
-            </a:r>
-          </a:p>
-        </p:txBody>
-      </p:sp>
-      <p:sp>
-        <p:nvSpPr>
-          <p:cNvPr id="37" name="TextBox 36"/>
-          <p:cNvSpPr txBox="1"/>
-          <p:nvPr/>
-        </p:nvSpPr>
-        <p:spPr>
-          <a:xfrm>
-            <a:off x="1114113" y="3903910"/>
-            <a:ext cx="612233" cy="369332"/>
-          </a:xfrm>
-          <a:prstGeom prst="rect">
-            <a:avLst/>
-          </a:prstGeom>
-          <a:noFill/>
-        </p:spPr>
-        <p:txBody>
-          <a:bodyPr wrap="square" rtlCol="0">
-            <a:spAutoFit/>
-          </a:bodyPr>
-          <a:lstStyle/>
-          <a:p>
-            <a:r>
-              <a:rPr lang="ko-KR" altLang="en-US" sz="800" dirty="0" smtClean="0"/>
-              <a:t>제품명</a:t>
-            </a:r>
-            <a:r>
-              <a:rPr lang="ko-KR" altLang="en-US" dirty="0" smtClean="0"/>
-              <a:t>  </a:t>
-            </a:r>
-            <a:endParaRPr lang="ko-KR" altLang="en-US" dirty="0"/>
-          </a:p>
-        </p:txBody>
-      </p:sp>
-      <p:cxnSp>
-        <p:nvCxnSpPr>
-          <p:cNvPr id="39" name="직선 연결선 38"/>
-          <p:cNvCxnSpPr/>
-          <p:nvPr/>
-        </p:nvCxnSpPr>
-        <p:spPr>
-          <a:xfrm>
-            <a:off x="1300003" y="4242412"/>
-            <a:ext cx="120227" cy="0"/>
-          </a:xfrm>
-          <a:prstGeom prst="line">
-            <a:avLst/>
-          </a:prstGeom>
-          <a:ln w="19050">
-            <a:solidFill>
-              <a:schemeClr val="tx1"/>
-            </a:solidFill>
-          </a:ln>
-        </p:spPr>
-        <p:style>
-          <a:lnRef idx="1">
-            <a:schemeClr val="accent1"/>
-          </a:lnRef>
-          <a:fillRef idx="0">
-            <a:schemeClr val="accent1"/>
-          </a:fillRef>
-          <a:effectRef idx="0">
-            <a:schemeClr val="accent1"/>
-          </a:effectRef>
-          <a:fontRef idx="minor">
-            <a:schemeClr val="tx1"/>
-          </a:fontRef>
-        </p:style>
-      </p:cxnSp>
-      <p:sp>
-        <p:nvSpPr>
-          <p:cNvPr id="41" name="TextBox 40"/>
-          <p:cNvSpPr txBox="1"/>
-          <p:nvPr/>
-        </p:nvSpPr>
-        <p:spPr>
-          <a:xfrm>
-            <a:off x="1187624" y="4088576"/>
-            <a:ext cx="612233" cy="369332"/>
-          </a:xfrm>
-          <a:prstGeom prst="rect">
-            <a:avLst/>
-          </a:prstGeom>
-          <a:noFill/>
-        </p:spPr>
-        <p:txBody>
-          <a:bodyPr wrap="square" rtlCol="0">
-            <a:spAutoFit/>
-          </a:bodyPr>
-          <a:lstStyle/>
-          <a:p>
-            <a:r>
-              <a:rPr lang="ko-KR" altLang="en-US" sz="800" dirty="0" smtClean="0"/>
-              <a:t>가격</a:t>
-            </a:r>
-            <a:r>
-              <a:rPr lang="ko-KR" altLang="en-US" dirty="0" smtClean="0"/>
-              <a:t>  </a:t>
-            </a:r>
-            <a:endParaRPr lang="ko-KR" altLang="en-US" dirty="0"/>
-          </a:p>
-        </p:txBody>
-      </p:sp>
-      <p:sp>
-        <p:nvSpPr>
-          <p:cNvPr id="46" name="TextBox 45"/>
-          <p:cNvSpPr txBox="1"/>
-          <p:nvPr/>
-        </p:nvSpPr>
-        <p:spPr>
-          <a:xfrm>
-            <a:off x="3145621" y="3935536"/>
-            <a:ext cx="612233" cy="369332"/>
-          </a:xfrm>
-          <a:prstGeom prst="rect">
-            <a:avLst/>
-          </a:prstGeom>
-          <a:noFill/>
-        </p:spPr>
-        <p:txBody>
-          <a:bodyPr wrap="square" rtlCol="0">
-            <a:spAutoFit/>
-          </a:bodyPr>
-          <a:lstStyle/>
-          <a:p>
-            <a:r>
-              <a:rPr lang="ko-KR" altLang="en-US" sz="800" dirty="0" smtClean="0"/>
-              <a:t>제품명</a:t>
-            </a:r>
-            <a:r>
-              <a:rPr lang="ko-KR" altLang="en-US" dirty="0" smtClean="0"/>
-              <a:t>  </a:t>
-            </a:r>
-            <a:endParaRPr lang="ko-KR" altLang="en-US" dirty="0"/>
-          </a:p>
-        </p:txBody>
-      </p:sp>
-      <p:cxnSp>
-        <p:nvCxnSpPr>
-          <p:cNvPr id="47" name="직선 연결선 46"/>
-          <p:cNvCxnSpPr/>
-          <p:nvPr/>
-        </p:nvCxnSpPr>
-        <p:spPr>
-          <a:xfrm>
-            <a:off x="3331511" y="4274038"/>
-            <a:ext cx="120227" cy="0"/>
-          </a:xfrm>
-          <a:prstGeom prst="line">
-            <a:avLst/>
-          </a:prstGeom>
-          <a:ln w="19050">
-            <a:solidFill>
-              <a:schemeClr val="tx1"/>
-            </a:solidFill>
-          </a:ln>
-        </p:spPr>
-        <p:style>
-          <a:lnRef idx="1">
-            <a:schemeClr val="accent1"/>
-          </a:lnRef>
-          <a:fillRef idx="0">
-            <a:schemeClr val="accent1"/>
-          </a:fillRef>
-          <a:effectRef idx="0">
-            <a:schemeClr val="accent1"/>
-          </a:effectRef>
-          <a:fontRef idx="minor">
-            <a:schemeClr val="tx1"/>
-          </a:fontRef>
-        </p:style>
-      </p:cxnSp>
-      <p:sp>
-        <p:nvSpPr>
-          <p:cNvPr id="48" name="TextBox 47"/>
-          <p:cNvSpPr txBox="1"/>
-          <p:nvPr/>
-        </p:nvSpPr>
-        <p:spPr>
-          <a:xfrm>
-            <a:off x="3219132" y="4120202"/>
-            <a:ext cx="612233" cy="369332"/>
-          </a:xfrm>
-          <a:prstGeom prst="rect">
-            <a:avLst/>
-          </a:prstGeom>
-          <a:noFill/>
-        </p:spPr>
-        <p:txBody>
-          <a:bodyPr wrap="square" rtlCol="0">
-            <a:spAutoFit/>
-          </a:bodyPr>
-          <a:lstStyle/>
-          <a:p>
-            <a:r>
-              <a:rPr lang="ko-KR" altLang="en-US" sz="800" dirty="0" smtClean="0"/>
-              <a:t>가격</a:t>
-            </a:r>
-            <a:r>
-              <a:rPr lang="ko-KR" altLang="en-US" dirty="0" smtClean="0"/>
-              <a:t>  </a:t>
-            </a:r>
-            <a:endParaRPr lang="ko-KR" altLang="en-US" dirty="0"/>
-          </a:p>
-        </p:txBody>
-      </p:sp>
-      <p:sp>
-        <p:nvSpPr>
-          <p:cNvPr id="49" name="TextBox 48"/>
-          <p:cNvSpPr txBox="1"/>
-          <p:nvPr/>
-        </p:nvSpPr>
-        <p:spPr>
-          <a:xfrm>
-            <a:off x="5180284" y="3945061"/>
-            <a:ext cx="612233" cy="369332"/>
-          </a:xfrm>
-          <a:prstGeom prst="rect">
-            <a:avLst/>
-          </a:prstGeom>
-          <a:noFill/>
-        </p:spPr>
-        <p:txBody>
-          <a:bodyPr wrap="square" rtlCol="0">
-            <a:spAutoFit/>
-          </a:bodyPr>
-          <a:lstStyle/>
-          <a:p>
-            <a:r>
-              <a:rPr lang="ko-KR" altLang="en-US" sz="800" dirty="0" smtClean="0"/>
-              <a:t>제품명</a:t>
-            </a:r>
-            <a:r>
-              <a:rPr lang="ko-KR" altLang="en-US" dirty="0" smtClean="0"/>
-              <a:t>  </a:t>
-            </a:r>
-            <a:endParaRPr lang="ko-KR" altLang="en-US" dirty="0"/>
-          </a:p>
-        </p:txBody>
-      </p:sp>
-      <p:cxnSp>
-        <p:nvCxnSpPr>
-          <p:cNvPr id="50" name="직선 연결선 49"/>
-          <p:cNvCxnSpPr/>
-          <p:nvPr/>
-        </p:nvCxnSpPr>
-        <p:spPr>
-          <a:xfrm>
-            <a:off x="5366174" y="4283563"/>
-            <a:ext cx="120227" cy="0"/>
-          </a:xfrm>
-          <a:prstGeom prst="line">
-            <a:avLst/>
-          </a:prstGeom>
-          <a:ln w="19050">
-            <a:solidFill>
-              <a:schemeClr val="tx1"/>
-            </a:solidFill>
-          </a:ln>
-        </p:spPr>
-        <p:style>
-          <a:lnRef idx="1">
-            <a:schemeClr val="accent1"/>
-          </a:lnRef>
-          <a:fillRef idx="0">
-            <a:schemeClr val="accent1"/>
-          </a:fillRef>
-          <a:effectRef idx="0">
-            <a:schemeClr val="accent1"/>
-          </a:effectRef>
-          <a:fontRef idx="minor">
-            <a:schemeClr val="tx1"/>
-          </a:fontRef>
-        </p:style>
-      </p:cxnSp>
-      <p:sp>
-        <p:nvSpPr>
-          <p:cNvPr id="51" name="TextBox 50"/>
-          <p:cNvSpPr txBox="1"/>
-          <p:nvPr/>
-        </p:nvSpPr>
-        <p:spPr>
-          <a:xfrm>
-            <a:off x="5253795" y="4129727"/>
-            <a:ext cx="612233" cy="369332"/>
-          </a:xfrm>
-          <a:prstGeom prst="rect">
-            <a:avLst/>
-          </a:prstGeom>
-          <a:noFill/>
-        </p:spPr>
-        <p:txBody>
-          <a:bodyPr wrap="square" rtlCol="0">
-            <a:spAutoFit/>
-          </a:bodyPr>
-          <a:lstStyle/>
-          <a:p>
-            <a:r>
-              <a:rPr lang="ko-KR" altLang="en-US" sz="800" dirty="0" smtClean="0"/>
-              <a:t>가격</a:t>
-            </a:r>
-            <a:r>
-              <a:rPr lang="ko-KR" altLang="en-US" dirty="0" smtClean="0"/>
-              <a:t>  </a:t>
-            </a:r>
-            <a:endParaRPr lang="ko-KR" altLang="en-US" dirty="0"/>
-          </a:p>
-        </p:txBody>
-      </p:sp>
-      <p:sp>
-        <p:nvSpPr>
-          <p:cNvPr id="53" name="TextBox 52"/>
-          <p:cNvSpPr txBox="1"/>
-          <p:nvPr/>
-        </p:nvSpPr>
-        <p:spPr>
-          <a:xfrm>
-            <a:off x="7338470" y="3935536"/>
-            <a:ext cx="612233" cy="369332"/>
-          </a:xfrm>
-          <a:prstGeom prst="rect">
-            <a:avLst/>
-          </a:prstGeom>
-          <a:noFill/>
-        </p:spPr>
-        <p:txBody>
-          <a:bodyPr wrap="square" rtlCol="0">
-            <a:spAutoFit/>
-          </a:bodyPr>
-          <a:lstStyle/>
-          <a:p>
-            <a:r>
-              <a:rPr lang="ko-KR" altLang="en-US" sz="800" dirty="0" smtClean="0"/>
-              <a:t>제품명</a:t>
-            </a:r>
-            <a:r>
-              <a:rPr lang="ko-KR" altLang="en-US" dirty="0" smtClean="0"/>
-              <a:t>  </a:t>
-            </a:r>
-            <a:endParaRPr lang="ko-KR" altLang="en-US" dirty="0"/>
-          </a:p>
-        </p:txBody>
-      </p:sp>
-      <p:cxnSp>
-        <p:nvCxnSpPr>
-          <p:cNvPr id="54" name="직선 연결선 53"/>
-          <p:cNvCxnSpPr/>
-          <p:nvPr/>
-        </p:nvCxnSpPr>
-        <p:spPr>
-          <a:xfrm>
-            <a:off x="7524360" y="4274038"/>
-            <a:ext cx="120227" cy="0"/>
-          </a:xfrm>
-          <a:prstGeom prst="line">
-            <a:avLst/>
-          </a:prstGeom>
-          <a:ln w="19050">
-            <a:solidFill>
-              <a:schemeClr val="tx1"/>
-            </a:solidFill>
-          </a:ln>
-        </p:spPr>
-        <p:style>
-          <a:lnRef idx="1">
-            <a:schemeClr val="accent1"/>
-          </a:lnRef>
-          <a:fillRef idx="0">
-            <a:schemeClr val="accent1"/>
-          </a:fillRef>
-          <a:effectRef idx="0">
-            <a:schemeClr val="accent1"/>
-          </a:effectRef>
-          <a:fontRef idx="minor">
-            <a:schemeClr val="tx1"/>
-          </a:fontRef>
-        </p:style>
-      </p:cxnSp>
-      <p:sp>
-        <p:nvSpPr>
-          <p:cNvPr id="55" name="TextBox 54"/>
-          <p:cNvSpPr txBox="1"/>
-          <p:nvPr/>
-        </p:nvSpPr>
-        <p:spPr>
-          <a:xfrm>
-            <a:off x="7411981" y="4120202"/>
-            <a:ext cx="612233" cy="369332"/>
-          </a:xfrm>
-          <a:prstGeom prst="rect">
-            <a:avLst/>
-          </a:prstGeom>
-          <a:noFill/>
-        </p:spPr>
-        <p:txBody>
-          <a:bodyPr wrap="square" rtlCol="0">
-            <a:spAutoFit/>
-          </a:bodyPr>
-          <a:lstStyle/>
-          <a:p>
-            <a:r>
-              <a:rPr lang="ko-KR" altLang="en-US" sz="800" dirty="0" smtClean="0"/>
-              <a:t>가격</a:t>
-            </a:r>
-            <a:r>
-              <a:rPr lang="ko-KR" altLang="en-US" dirty="0" smtClean="0"/>
-              <a:t>  </a:t>
-            </a:r>
-            <a:endParaRPr lang="ko-KR" altLang="en-US" dirty="0"/>
-          </a:p>
-        </p:txBody>
-      </p:sp>
-      <p:sp>
-        <p:nvSpPr>
-          <p:cNvPr id="59" name="직사각형 58"/>
+      <p:sp>
+        <p:nvSpPr>
+          <p:cNvPr id="60" name="직사각형 59"/>
           <p:cNvSpPr/>
           <p:nvPr/>
         </p:nvSpPr>
         <p:spPr>
           <a:xfrm>
-            <a:off x="333865" y="4632690"/>
+            <a:off x="2423538" y="4640294"/>
             <a:ext cx="1932275" cy="892496"/>
           </a:xfrm>
           <a:prstGeom prst="rect">
@@ -13380,13 +13420,13 @@
       </p:sp>
       <p:sp>
         <p:nvSpPr>
-          <p:cNvPr id="60" name="직사각형 59"/>
+          <p:cNvPr id="61" name="직사각형 60"/>
           <p:cNvSpPr/>
           <p:nvPr/>
         </p:nvSpPr>
         <p:spPr>
           <a:xfrm>
-            <a:off x="2423538" y="4640294"/>
+            <a:off x="4508213" y="4632690"/>
             <a:ext cx="1932275" cy="892496"/>
           </a:xfrm>
           <a:prstGeom prst="rect">
@@ -13430,13 +13470,13 @@
       </p:sp>
       <p:sp>
         <p:nvSpPr>
-          <p:cNvPr id="61" name="직사각형 60"/>
+          <p:cNvPr id="62" name="직사각형 61"/>
           <p:cNvSpPr/>
           <p:nvPr/>
         </p:nvSpPr>
         <p:spPr>
           <a:xfrm>
-            <a:off x="4508213" y="4632690"/>
+            <a:off x="6592888" y="4632690"/>
             <a:ext cx="1932275" cy="892496"/>
           </a:xfrm>
           <a:prstGeom prst="rect">
@@ -13480,14 +13520,558 @@
       </p:sp>
       <p:sp>
         <p:nvSpPr>
-          <p:cNvPr id="62" name="직사각형 61"/>
+          <p:cNvPr id="63" name="TextBox 62"/>
+          <p:cNvSpPr txBox="1"/>
+          <p:nvPr/>
+        </p:nvSpPr>
+        <p:spPr>
+          <a:xfrm>
+            <a:off x="1053780" y="4982966"/>
+            <a:ext cx="492443" cy="276999"/>
+          </a:xfrm>
+          <a:prstGeom prst="rect">
+            <a:avLst/>
+          </a:prstGeom>
+          <a:noFill/>
+        </p:spPr>
+        <p:txBody>
+          <a:bodyPr wrap="none" rtlCol="0">
+            <a:spAutoFit/>
+          </a:bodyPr>
+          <a:lstStyle/>
+          <a:p>
+            <a:r>
+              <a:rPr lang="ko-KR" altLang="en-US" sz="1200" dirty="0" smtClean="0"/>
+              <a:t>제</a:t>
+            </a:r>
+            <a:r>
+              <a:rPr lang="ko-KR" altLang="en-US" sz="1200" dirty="0"/>
+              <a:t>품</a:t>
+            </a:r>
+          </a:p>
+        </p:txBody>
+      </p:sp>
+      <p:sp>
+        <p:nvSpPr>
+          <p:cNvPr id="64" name="TextBox 63"/>
+          <p:cNvSpPr txBox="1"/>
+          <p:nvPr/>
+        </p:nvSpPr>
+        <p:spPr>
+          <a:xfrm>
+            <a:off x="3143453" y="4982966"/>
+            <a:ext cx="492443" cy="276999"/>
+          </a:xfrm>
+          <a:prstGeom prst="rect">
+            <a:avLst/>
+          </a:prstGeom>
+          <a:noFill/>
+        </p:spPr>
+        <p:txBody>
+          <a:bodyPr wrap="none" rtlCol="0">
+            <a:spAutoFit/>
+          </a:bodyPr>
+          <a:lstStyle/>
+          <a:p>
+            <a:r>
+              <a:rPr lang="ko-KR" altLang="en-US" sz="1200" dirty="0" smtClean="0"/>
+              <a:t>제</a:t>
+            </a:r>
+            <a:r>
+              <a:rPr lang="ko-KR" altLang="en-US" sz="1200" dirty="0"/>
+              <a:t>품</a:t>
+            </a:r>
+          </a:p>
+        </p:txBody>
+      </p:sp>
+      <p:sp>
+        <p:nvSpPr>
+          <p:cNvPr id="65" name="TextBox 64"/>
+          <p:cNvSpPr txBox="1"/>
+          <p:nvPr/>
+        </p:nvSpPr>
+        <p:spPr>
+          <a:xfrm>
+            <a:off x="5228128" y="4975362"/>
+            <a:ext cx="492443" cy="276999"/>
+          </a:xfrm>
+          <a:prstGeom prst="rect">
+            <a:avLst/>
+          </a:prstGeom>
+          <a:noFill/>
+        </p:spPr>
+        <p:txBody>
+          <a:bodyPr wrap="none" rtlCol="0">
+            <a:spAutoFit/>
+          </a:bodyPr>
+          <a:lstStyle/>
+          <a:p>
+            <a:r>
+              <a:rPr lang="ko-KR" altLang="en-US" sz="1200" dirty="0" smtClean="0"/>
+              <a:t>제</a:t>
+            </a:r>
+            <a:r>
+              <a:rPr lang="ko-KR" altLang="en-US" sz="1200" dirty="0"/>
+              <a:t>품</a:t>
+            </a:r>
+          </a:p>
+        </p:txBody>
+      </p:sp>
+      <p:sp>
+        <p:nvSpPr>
+          <p:cNvPr id="66" name="TextBox 65"/>
+          <p:cNvSpPr txBox="1"/>
+          <p:nvPr/>
+        </p:nvSpPr>
+        <p:spPr>
+          <a:xfrm>
+            <a:off x="7345306" y="4975362"/>
+            <a:ext cx="492443" cy="276999"/>
+          </a:xfrm>
+          <a:prstGeom prst="rect">
+            <a:avLst/>
+          </a:prstGeom>
+          <a:noFill/>
+        </p:spPr>
+        <p:txBody>
+          <a:bodyPr wrap="none" rtlCol="0">
+            <a:spAutoFit/>
+          </a:bodyPr>
+          <a:lstStyle/>
+          <a:p>
+            <a:r>
+              <a:rPr lang="ko-KR" altLang="en-US" sz="1200" dirty="0" smtClean="0"/>
+              <a:t>제</a:t>
+            </a:r>
+            <a:r>
+              <a:rPr lang="ko-KR" altLang="en-US" sz="1200" dirty="0"/>
+              <a:t>품</a:t>
+            </a:r>
+          </a:p>
+        </p:txBody>
+      </p:sp>
+      <p:sp>
+        <p:nvSpPr>
+          <p:cNvPr id="67" name="TextBox 66"/>
+          <p:cNvSpPr txBox="1"/>
+          <p:nvPr/>
+        </p:nvSpPr>
+        <p:spPr>
+          <a:xfrm>
+            <a:off x="1088446" y="5424032"/>
+            <a:ext cx="612233" cy="369332"/>
+          </a:xfrm>
+          <a:prstGeom prst="rect">
+            <a:avLst/>
+          </a:prstGeom>
+          <a:noFill/>
+        </p:spPr>
+        <p:txBody>
+          <a:bodyPr wrap="square" rtlCol="0">
+            <a:spAutoFit/>
+          </a:bodyPr>
+          <a:lstStyle/>
+          <a:p>
+            <a:r>
+              <a:rPr lang="ko-KR" altLang="en-US" sz="800" dirty="0" smtClean="0"/>
+              <a:t>제품명</a:t>
+            </a:r>
+            <a:r>
+              <a:rPr lang="ko-KR" altLang="en-US" dirty="0" smtClean="0"/>
+              <a:t>  </a:t>
+            </a:r>
+            <a:endParaRPr lang="ko-KR" altLang="en-US" dirty="0"/>
+          </a:p>
+        </p:txBody>
+      </p:sp>
+      <p:cxnSp>
+        <p:nvCxnSpPr>
+          <p:cNvPr id="68" name="직선 연결선 67"/>
+          <p:cNvCxnSpPr/>
+          <p:nvPr/>
+        </p:nvCxnSpPr>
+        <p:spPr>
+          <a:xfrm>
+            <a:off x="1274336" y="5762534"/>
+            <a:ext cx="120227" cy="0"/>
+          </a:xfrm>
+          <a:prstGeom prst="line">
+            <a:avLst/>
+          </a:prstGeom>
+          <a:ln w="19050">
+            <a:solidFill>
+              <a:schemeClr val="tx1"/>
+            </a:solidFill>
+          </a:ln>
+        </p:spPr>
+        <p:style>
+          <a:lnRef idx="1">
+            <a:schemeClr val="accent1"/>
+          </a:lnRef>
+          <a:fillRef idx="0">
+            <a:schemeClr val="accent1"/>
+          </a:fillRef>
+          <a:effectRef idx="0">
+            <a:schemeClr val="accent1"/>
+          </a:effectRef>
+          <a:fontRef idx="minor">
+            <a:schemeClr val="tx1"/>
+          </a:fontRef>
+        </p:style>
+      </p:cxnSp>
+      <p:sp>
+        <p:nvSpPr>
+          <p:cNvPr id="69" name="TextBox 68"/>
+          <p:cNvSpPr txBox="1"/>
+          <p:nvPr/>
+        </p:nvSpPr>
+        <p:spPr>
+          <a:xfrm>
+            <a:off x="1161957" y="5608698"/>
+            <a:ext cx="612233" cy="369332"/>
+          </a:xfrm>
+          <a:prstGeom prst="rect">
+            <a:avLst/>
+          </a:prstGeom>
+          <a:noFill/>
+        </p:spPr>
+        <p:txBody>
+          <a:bodyPr wrap="square" rtlCol="0">
+            <a:spAutoFit/>
+          </a:bodyPr>
+          <a:lstStyle/>
+          <a:p>
+            <a:r>
+              <a:rPr lang="ko-KR" altLang="en-US" sz="800" dirty="0" smtClean="0"/>
+              <a:t>가격</a:t>
+            </a:r>
+            <a:r>
+              <a:rPr lang="ko-KR" altLang="en-US" dirty="0" smtClean="0"/>
+              <a:t>  </a:t>
+            </a:r>
+            <a:endParaRPr lang="ko-KR" altLang="en-US" dirty="0"/>
+          </a:p>
+        </p:txBody>
+      </p:sp>
+      <p:sp>
+        <p:nvSpPr>
+          <p:cNvPr id="70" name="TextBox 69"/>
+          <p:cNvSpPr txBox="1"/>
+          <p:nvPr/>
+        </p:nvSpPr>
+        <p:spPr>
+          <a:xfrm>
+            <a:off x="3119954" y="5455658"/>
+            <a:ext cx="612233" cy="369332"/>
+          </a:xfrm>
+          <a:prstGeom prst="rect">
+            <a:avLst/>
+          </a:prstGeom>
+          <a:noFill/>
+        </p:spPr>
+        <p:txBody>
+          <a:bodyPr wrap="square" rtlCol="0">
+            <a:spAutoFit/>
+          </a:bodyPr>
+          <a:lstStyle/>
+          <a:p>
+            <a:r>
+              <a:rPr lang="ko-KR" altLang="en-US" sz="800" dirty="0" smtClean="0"/>
+              <a:t>제품명</a:t>
+            </a:r>
+            <a:r>
+              <a:rPr lang="ko-KR" altLang="en-US" dirty="0" smtClean="0"/>
+              <a:t>  </a:t>
+            </a:r>
+            <a:endParaRPr lang="ko-KR" altLang="en-US" dirty="0"/>
+          </a:p>
+        </p:txBody>
+      </p:sp>
+      <p:cxnSp>
+        <p:nvCxnSpPr>
+          <p:cNvPr id="71" name="직선 연결선 70"/>
+          <p:cNvCxnSpPr/>
+          <p:nvPr/>
+        </p:nvCxnSpPr>
+        <p:spPr>
+          <a:xfrm>
+            <a:off x="3305844" y="5794160"/>
+            <a:ext cx="120227" cy="0"/>
+          </a:xfrm>
+          <a:prstGeom prst="line">
+            <a:avLst/>
+          </a:prstGeom>
+          <a:ln w="19050">
+            <a:solidFill>
+              <a:schemeClr val="tx1"/>
+            </a:solidFill>
+          </a:ln>
+        </p:spPr>
+        <p:style>
+          <a:lnRef idx="1">
+            <a:schemeClr val="accent1"/>
+          </a:lnRef>
+          <a:fillRef idx="0">
+            <a:schemeClr val="accent1"/>
+          </a:fillRef>
+          <a:effectRef idx="0">
+            <a:schemeClr val="accent1"/>
+          </a:effectRef>
+          <a:fontRef idx="minor">
+            <a:schemeClr val="tx1"/>
+          </a:fontRef>
+        </p:style>
+      </p:cxnSp>
+      <p:sp>
+        <p:nvSpPr>
+          <p:cNvPr id="72" name="TextBox 71"/>
+          <p:cNvSpPr txBox="1"/>
+          <p:nvPr/>
+        </p:nvSpPr>
+        <p:spPr>
+          <a:xfrm>
+            <a:off x="3193465" y="5640324"/>
+            <a:ext cx="612233" cy="369332"/>
+          </a:xfrm>
+          <a:prstGeom prst="rect">
+            <a:avLst/>
+          </a:prstGeom>
+          <a:noFill/>
+        </p:spPr>
+        <p:txBody>
+          <a:bodyPr wrap="square" rtlCol="0">
+            <a:spAutoFit/>
+          </a:bodyPr>
+          <a:lstStyle/>
+          <a:p>
+            <a:r>
+              <a:rPr lang="ko-KR" altLang="en-US" sz="800" dirty="0" smtClean="0"/>
+              <a:t>가격</a:t>
+            </a:r>
+            <a:r>
+              <a:rPr lang="ko-KR" altLang="en-US" dirty="0" smtClean="0"/>
+              <a:t>  </a:t>
+            </a:r>
+            <a:endParaRPr lang="ko-KR" altLang="en-US" dirty="0"/>
+          </a:p>
+        </p:txBody>
+      </p:sp>
+      <p:sp>
+        <p:nvSpPr>
+          <p:cNvPr id="73" name="TextBox 72"/>
+          <p:cNvSpPr txBox="1"/>
+          <p:nvPr/>
+        </p:nvSpPr>
+        <p:spPr>
+          <a:xfrm>
+            <a:off x="5154617" y="5465183"/>
+            <a:ext cx="612233" cy="369332"/>
+          </a:xfrm>
+          <a:prstGeom prst="rect">
+            <a:avLst/>
+          </a:prstGeom>
+          <a:noFill/>
+        </p:spPr>
+        <p:txBody>
+          <a:bodyPr wrap="square" rtlCol="0">
+            <a:spAutoFit/>
+          </a:bodyPr>
+          <a:lstStyle/>
+          <a:p>
+            <a:r>
+              <a:rPr lang="ko-KR" altLang="en-US" sz="800" dirty="0" smtClean="0"/>
+              <a:t>제품명</a:t>
+            </a:r>
+            <a:r>
+              <a:rPr lang="ko-KR" altLang="en-US" dirty="0" smtClean="0"/>
+              <a:t>  </a:t>
+            </a:r>
+            <a:endParaRPr lang="ko-KR" altLang="en-US" dirty="0"/>
+          </a:p>
+        </p:txBody>
+      </p:sp>
+      <p:cxnSp>
+        <p:nvCxnSpPr>
+          <p:cNvPr id="74" name="직선 연결선 73"/>
+          <p:cNvCxnSpPr/>
+          <p:nvPr/>
+        </p:nvCxnSpPr>
+        <p:spPr>
+          <a:xfrm>
+            <a:off x="5340507" y="5803685"/>
+            <a:ext cx="120227" cy="0"/>
+          </a:xfrm>
+          <a:prstGeom prst="line">
+            <a:avLst/>
+          </a:prstGeom>
+          <a:ln w="19050">
+            <a:solidFill>
+              <a:schemeClr val="tx1"/>
+            </a:solidFill>
+          </a:ln>
+        </p:spPr>
+        <p:style>
+          <a:lnRef idx="1">
+            <a:schemeClr val="accent1"/>
+          </a:lnRef>
+          <a:fillRef idx="0">
+            <a:schemeClr val="accent1"/>
+          </a:fillRef>
+          <a:effectRef idx="0">
+            <a:schemeClr val="accent1"/>
+          </a:effectRef>
+          <a:fontRef idx="minor">
+            <a:schemeClr val="tx1"/>
+          </a:fontRef>
+        </p:style>
+      </p:cxnSp>
+      <p:sp>
+        <p:nvSpPr>
+          <p:cNvPr id="75" name="TextBox 74"/>
+          <p:cNvSpPr txBox="1"/>
+          <p:nvPr/>
+        </p:nvSpPr>
+        <p:spPr>
+          <a:xfrm>
+            <a:off x="5228128" y="5649849"/>
+            <a:ext cx="612233" cy="369332"/>
+          </a:xfrm>
+          <a:prstGeom prst="rect">
+            <a:avLst/>
+          </a:prstGeom>
+          <a:noFill/>
+        </p:spPr>
+        <p:txBody>
+          <a:bodyPr wrap="square" rtlCol="0">
+            <a:spAutoFit/>
+          </a:bodyPr>
+          <a:lstStyle/>
+          <a:p>
+            <a:r>
+              <a:rPr lang="ko-KR" altLang="en-US" sz="800" dirty="0" smtClean="0"/>
+              <a:t>가격</a:t>
+            </a:r>
+            <a:r>
+              <a:rPr lang="ko-KR" altLang="en-US" dirty="0" smtClean="0"/>
+              <a:t>  </a:t>
+            </a:r>
+            <a:endParaRPr lang="ko-KR" altLang="en-US" dirty="0"/>
+          </a:p>
+        </p:txBody>
+      </p:sp>
+      <p:sp>
+        <p:nvSpPr>
+          <p:cNvPr id="76" name="TextBox 75"/>
+          <p:cNvSpPr txBox="1"/>
+          <p:nvPr/>
+        </p:nvSpPr>
+        <p:spPr>
+          <a:xfrm>
+            <a:off x="7312803" y="5455658"/>
+            <a:ext cx="612233" cy="369332"/>
+          </a:xfrm>
+          <a:prstGeom prst="rect">
+            <a:avLst/>
+          </a:prstGeom>
+          <a:noFill/>
+        </p:spPr>
+        <p:txBody>
+          <a:bodyPr wrap="square" rtlCol="0">
+            <a:spAutoFit/>
+          </a:bodyPr>
+          <a:lstStyle/>
+          <a:p>
+            <a:r>
+              <a:rPr lang="ko-KR" altLang="en-US" sz="800" dirty="0" smtClean="0"/>
+              <a:t>제품명</a:t>
+            </a:r>
+            <a:r>
+              <a:rPr lang="ko-KR" altLang="en-US" dirty="0" smtClean="0"/>
+              <a:t>  </a:t>
+            </a:r>
+            <a:endParaRPr lang="ko-KR" altLang="en-US" dirty="0"/>
+          </a:p>
+        </p:txBody>
+      </p:sp>
+      <p:cxnSp>
+        <p:nvCxnSpPr>
+          <p:cNvPr id="77" name="직선 연결선 76"/>
+          <p:cNvCxnSpPr/>
+          <p:nvPr/>
+        </p:nvCxnSpPr>
+        <p:spPr>
+          <a:xfrm>
+            <a:off x="7498693" y="5794160"/>
+            <a:ext cx="120227" cy="0"/>
+          </a:xfrm>
+          <a:prstGeom prst="line">
+            <a:avLst/>
+          </a:prstGeom>
+          <a:ln w="19050">
+            <a:solidFill>
+              <a:schemeClr val="tx1"/>
+            </a:solidFill>
+          </a:ln>
+        </p:spPr>
+        <p:style>
+          <a:lnRef idx="1">
+            <a:schemeClr val="accent1"/>
+          </a:lnRef>
+          <a:fillRef idx="0">
+            <a:schemeClr val="accent1"/>
+          </a:fillRef>
+          <a:effectRef idx="0">
+            <a:schemeClr val="accent1"/>
+          </a:effectRef>
+          <a:fontRef idx="minor">
+            <a:schemeClr val="tx1"/>
+          </a:fontRef>
+        </p:style>
+      </p:cxnSp>
+      <p:sp>
+        <p:nvSpPr>
+          <p:cNvPr id="78" name="TextBox 77"/>
+          <p:cNvSpPr txBox="1"/>
+          <p:nvPr/>
+        </p:nvSpPr>
+        <p:spPr>
+          <a:xfrm>
+            <a:off x="7386314" y="5640324"/>
+            <a:ext cx="612233" cy="369332"/>
+          </a:xfrm>
+          <a:prstGeom prst="rect">
+            <a:avLst/>
+          </a:prstGeom>
+          <a:noFill/>
+        </p:spPr>
+        <p:txBody>
+          <a:bodyPr wrap="square" rtlCol="0">
+            <a:spAutoFit/>
+          </a:bodyPr>
+          <a:lstStyle/>
+          <a:p>
+            <a:r>
+              <a:rPr lang="ko-KR" altLang="en-US" sz="800" dirty="0" smtClean="0"/>
+              <a:t>가격</a:t>
+            </a:r>
+            <a:r>
+              <a:rPr lang="ko-KR" altLang="en-US" dirty="0" smtClean="0"/>
+              <a:t>  </a:t>
+            </a:r>
+            <a:endParaRPr lang="ko-KR" altLang="en-US" dirty="0"/>
+          </a:p>
+        </p:txBody>
+      </p:sp>
+      <p:sp>
+        <p:nvSpPr>
+          <p:cNvPr id="57" name="직사각형 56"/>
           <p:cNvSpPr/>
           <p:nvPr/>
         </p:nvSpPr>
         <p:spPr>
           <a:xfrm>
-            <a:off x="6592888" y="4632690"/>
-            <a:ext cx="1932275" cy="892496"/>
+            <a:off x="7584692" y="2528275"/>
+            <a:ext cx="1091764" cy="267333"/>
           </a:xfrm>
           <a:prstGeom prst="rect">
             <a:avLst/>
@@ -13520,7 +14104,23 @@
           <a:lstStyle/>
           <a:p>
             <a:pPr algn="ctr"/>
-            <a:endParaRPr lang="ko-KR" altLang="en-US" sz="1000" dirty="0">
+            <a:r>
+              <a:rPr lang="en-US" altLang="ko-KR" sz="1200" dirty="0" smtClean="0">
+                <a:solidFill>
+                  <a:schemeClr val="tx1"/>
+                </a:solidFill>
+              </a:rPr>
+              <a:t>10</a:t>
+            </a:r>
+            <a:r>
+              <a:rPr lang="ko-KR" altLang="en-US" sz="1200" dirty="0" smtClean="0">
+                <a:solidFill>
+                  <a:schemeClr val="tx1"/>
+                </a:solidFill>
+              </a:rPr>
+              <a:t>개씩 보기</a:t>
+            </a:r>
+            <a:endParaRPr lang="ko-KR" altLang="en-US" sz="1200" dirty="0">
               <a:solidFill>
                 <a:schemeClr val="tx1"/>
               </a:solidFill>
@@ -13528,190 +14128,22 @@
           </a:p>
         </p:txBody>
       </p:sp>
-      <p:sp>
-        <p:nvSpPr>
-          <p:cNvPr id="63" name="TextBox 62"/>
-          <p:cNvSpPr txBox="1"/>
-          <p:nvPr/>
-        </p:nvSpPr>
-        <p:spPr>
-          <a:xfrm>
-            <a:off x="1053780" y="4982966"/>
-            <a:ext cx="492443" cy="276999"/>
-          </a:xfrm>
-          <a:prstGeom prst="rect">
-            <a:avLst/>
-          </a:prstGeom>
-          <a:noFill/>
-        </p:spPr>
-        <p:txBody>
-          <a:bodyPr wrap="none" rtlCol="0">
-            <a:spAutoFit/>
-          </a:bodyPr>
-          <a:lstStyle/>
-          <a:p>
-            <a:r>
-              <a:rPr lang="ko-KR" altLang="en-US" sz="1200" dirty="0" smtClean="0"/>
-              <a:t>제</a:t>
-            </a:r>
-            <a:r>
-              <a:rPr lang="ko-KR" altLang="en-US" sz="1200" dirty="0"/>
-              <a:t>품</a:t>
-            </a:r>
-          </a:p>
-        </p:txBody>
-      </p:sp>
-      <p:sp>
-        <p:nvSpPr>
-          <p:cNvPr id="64" name="TextBox 63"/>
-          <p:cNvSpPr txBox="1"/>
-          <p:nvPr/>
-        </p:nvSpPr>
-        <p:spPr>
-          <a:xfrm>
-            <a:off x="3143453" y="4982966"/>
-            <a:ext cx="492443" cy="276999"/>
-          </a:xfrm>
-          <a:prstGeom prst="rect">
-            <a:avLst/>
-          </a:prstGeom>
-          <a:noFill/>
-        </p:spPr>
-        <p:txBody>
-          <a:bodyPr wrap="none" rtlCol="0">
-            <a:spAutoFit/>
-          </a:bodyPr>
-          <a:lstStyle/>
-          <a:p>
-            <a:r>
-              <a:rPr lang="ko-KR" altLang="en-US" sz="1200" dirty="0" smtClean="0"/>
-              <a:t>제</a:t>
-            </a:r>
-            <a:r>
-              <a:rPr lang="ko-KR" altLang="en-US" sz="1200" dirty="0"/>
-              <a:t>품</a:t>
-            </a:r>
-          </a:p>
-        </p:txBody>
-      </p:sp>
-      <p:sp>
-        <p:nvSpPr>
-          <p:cNvPr id="65" name="TextBox 64"/>
-          <p:cNvSpPr txBox="1"/>
-          <p:nvPr/>
-        </p:nvSpPr>
-        <p:spPr>
-          <a:xfrm>
-            <a:off x="5228128" y="4975362"/>
-            <a:ext cx="492443" cy="276999"/>
-          </a:xfrm>
-          <a:prstGeom prst="rect">
-            <a:avLst/>
-          </a:prstGeom>
-          <a:noFill/>
-        </p:spPr>
-        <p:txBody>
-          <a:bodyPr wrap="none" rtlCol="0">
-            <a:spAutoFit/>
-          </a:bodyPr>
-          <a:lstStyle/>
-          <a:p>
-            <a:r>
-              <a:rPr lang="ko-KR" altLang="en-US" sz="1200" dirty="0" smtClean="0"/>
-              <a:t>제</a:t>
-            </a:r>
-            <a:r>
-              <a:rPr lang="ko-KR" altLang="en-US" sz="1200" dirty="0"/>
-              <a:t>품</a:t>
-            </a:r>
-          </a:p>
-        </p:txBody>
-      </p:sp>
-      <p:sp>
-        <p:nvSpPr>
-          <p:cNvPr id="66" name="TextBox 65"/>
-          <p:cNvSpPr txBox="1"/>
-          <p:nvPr/>
-        </p:nvSpPr>
-        <p:spPr>
-          <a:xfrm>
-            <a:off x="7345306" y="4975362"/>
-            <a:ext cx="492443" cy="276999"/>
-          </a:xfrm>
-          <a:prstGeom prst="rect">
-            <a:avLst/>
-          </a:prstGeom>
-          <a:noFill/>
-        </p:spPr>
-        <p:txBody>
-          <a:bodyPr wrap="none" rtlCol="0">
-            <a:spAutoFit/>
-          </a:bodyPr>
-          <a:lstStyle/>
-          <a:p>
-            <a:r>
-              <a:rPr lang="ko-KR" altLang="en-US" sz="1200" dirty="0" smtClean="0"/>
-              <a:t>제</a:t>
-            </a:r>
-            <a:r>
-              <a:rPr lang="ko-KR" altLang="en-US" sz="1200" dirty="0"/>
-              <a:t>품</a:t>
-            </a:r>
-          </a:p>
-        </p:txBody>
-      </p:sp>
-      <p:sp>
-        <p:nvSpPr>
-          <p:cNvPr id="67" name="TextBox 66"/>
-          <p:cNvSpPr txBox="1"/>
-          <p:nvPr/>
-        </p:nvSpPr>
-        <p:spPr>
-          <a:xfrm>
-            <a:off x="1088446" y="5424032"/>
-            <a:ext cx="612233" cy="369332"/>
-          </a:xfrm>
-          <a:prstGeom prst="rect">
-            <a:avLst/>
-          </a:prstGeom>
-          <a:noFill/>
-        </p:spPr>
-        <p:txBody>
-          <a:bodyPr wrap="square" rtlCol="0">
-            <a:spAutoFit/>
-          </a:bodyPr>
-          <a:lstStyle/>
-          <a:p>
-            <a:r>
-              <a:rPr lang="ko-KR" altLang="en-US" sz="800" dirty="0" smtClean="0"/>
-              <a:t>제품명</a:t>
-            </a:r>
-            <a:r>
-              <a:rPr lang="ko-KR" altLang="en-US" dirty="0" smtClean="0"/>
-              <a:t>  </a:t>
-            </a:r>
-            <a:endParaRPr lang="ko-KR" altLang="en-US" dirty="0"/>
-          </a:p>
-        </p:txBody>
-      </p:sp>
       <p:cxnSp>
         <p:nvCxnSpPr>
-          <p:cNvPr id="68" name="직선 연결선 67"/>
+          <p:cNvPr id="20" name="꺾인 연결선 19"/>
           <p:cNvCxnSpPr/>
           <p:nvPr/>
         </p:nvCxnSpPr>
         <p:spPr>
-          <a:xfrm>
-            <a:off x="1274336" y="5762534"/>
-            <a:ext cx="120227" cy="0"/>
-          </a:xfrm>
-          <a:prstGeom prst="line">
-            <a:avLst/>
-          </a:prstGeom>
-          <a:ln w="19050">
-            <a:solidFill>
-              <a:schemeClr val="tx1"/>
-            </a:solidFill>
+          <a:xfrm rot="10800000">
+            <a:off x="7092281" y="2363823"/>
+            <a:ext cx="858423" cy="164453"/>
+          </a:xfrm>
+          <a:prstGeom prst="bentConnector3">
+            <a:avLst/>
+          </a:prstGeom>
+          <a:ln>
+            <a:tailEnd type="arrow"/>
           </a:ln>
         </p:spPr>
         <p:style>
@@ -13731,344 +14163,62 @@
       </p:cxnSp>
       <p:sp>
         <p:nvSpPr>
-          <p:cNvPr id="69" name="TextBox 68"/>
+          <p:cNvPr id="21" name="TextBox 20"/>
           <p:cNvSpPr txBox="1"/>
           <p:nvPr/>
         </p:nvSpPr>
         <p:spPr>
           <a:xfrm>
-            <a:off x="1161957" y="5608698"/>
-            <a:ext cx="612233" cy="369332"/>
-          </a:xfrm>
-          <a:prstGeom prst="rect">
-            <a:avLst/>
-          </a:prstGeom>
-          <a:noFill/>
-        </p:spPr>
-        <p:txBody>
-          <a:bodyPr wrap="square" rtlCol="0">
+            <a:off x="5720571" y="2168275"/>
+            <a:ext cx="1358064" cy="415498"/>
+          </a:xfrm>
+          <a:prstGeom prst="rect">
+            <a:avLst/>
+          </a:prstGeom>
+          <a:noFill/>
+        </p:spPr>
+        <p:txBody>
+          <a:bodyPr wrap="none" rtlCol="0">
             <a:spAutoFit/>
           </a:bodyPr>
           <a:lstStyle/>
           <a:p>
             <a:r>
-              <a:rPr lang="ko-KR" altLang="en-US" sz="800" dirty="0" smtClean="0"/>
-              <a:t>가격</a:t>
-            </a:r>
-            <a:r>
-              <a:rPr lang="ko-KR" altLang="en-US" dirty="0" smtClean="0"/>
-              <a:t>  </a:t>
-            </a:r>
-            <a:endParaRPr lang="ko-KR" altLang="en-US" dirty="0"/>
-          </a:p>
-        </p:txBody>
-      </p:sp>
-      <p:sp>
-        <p:nvSpPr>
-          <p:cNvPr id="70" name="TextBox 69"/>
-          <p:cNvSpPr txBox="1"/>
-          <p:nvPr/>
-        </p:nvSpPr>
-        <p:spPr>
-          <a:xfrm>
-            <a:off x="3119954" y="5455658"/>
-            <a:ext cx="612233" cy="369332"/>
-          </a:xfrm>
-          <a:prstGeom prst="rect">
-            <a:avLst/>
-          </a:prstGeom>
-          <a:noFill/>
-        </p:spPr>
-        <p:txBody>
-          <a:bodyPr wrap="square" rtlCol="0">
-            <a:spAutoFit/>
-          </a:bodyPr>
-          <a:lstStyle/>
-          <a:p>
-            <a:r>
-              <a:rPr lang="ko-KR" altLang="en-US" sz="800" dirty="0" smtClean="0"/>
-              <a:t>제품명</a:t>
-            </a:r>
-            <a:r>
-              <a:rPr lang="ko-KR" altLang="en-US" dirty="0" smtClean="0"/>
-              <a:t>  </a:t>
-            </a:r>
-            <a:endParaRPr lang="ko-KR" altLang="en-US" dirty="0"/>
-          </a:p>
-        </p:txBody>
-      </p:sp>
-      <p:cxnSp>
-        <p:nvCxnSpPr>
-          <p:cNvPr id="71" name="직선 연결선 70"/>
-          <p:cNvCxnSpPr/>
-          <p:nvPr/>
-        </p:nvCxnSpPr>
-        <p:spPr>
-          <a:xfrm>
-            <a:off x="3305844" y="5794160"/>
-            <a:ext cx="120227" cy="0"/>
-          </a:xfrm>
-          <a:prstGeom prst="line">
-            <a:avLst/>
-          </a:prstGeom>
-          <a:ln w="19050">
-            <a:solidFill>
-              <a:schemeClr val="tx1"/>
-            </a:solidFill>
-          </a:ln>
-        </p:spPr>
-        <p:style>
-          <a:lnRef idx="1">
-            <a:schemeClr val="accent1"/>
-          </a:lnRef>
-          <a:fillRef idx="0">
-            <a:schemeClr val="accent1"/>
-          </a:fillRef>
-          <a:effectRef idx="0">
-            <a:schemeClr val="accent1"/>
-          </a:effectRef>
-          <a:fontRef idx="minor">
-            <a:schemeClr val="tx1"/>
-          </a:fontRef>
-        </p:style>
-      </p:cxnSp>
-      <p:sp>
-        <p:nvSpPr>
-          <p:cNvPr id="72" name="TextBox 71"/>
-          <p:cNvSpPr txBox="1"/>
-          <p:nvPr/>
-        </p:nvSpPr>
-        <p:spPr>
-          <a:xfrm>
-            <a:off x="3193465" y="5640324"/>
-            <a:ext cx="612233" cy="369332"/>
-          </a:xfrm>
-          <a:prstGeom prst="rect">
-            <a:avLst/>
-          </a:prstGeom>
-          <a:noFill/>
-        </p:spPr>
-        <p:txBody>
-          <a:bodyPr wrap="square" rtlCol="0">
-            <a:spAutoFit/>
-          </a:bodyPr>
-          <a:lstStyle/>
-          <a:p>
-            <a:r>
-              <a:rPr lang="ko-KR" altLang="en-US" sz="800" dirty="0" smtClean="0"/>
-              <a:t>가격</a:t>
-            </a:r>
-            <a:r>
-              <a:rPr lang="ko-KR" altLang="en-US" dirty="0" smtClean="0"/>
-              <a:t>  </a:t>
-            </a:r>
-            <a:endParaRPr lang="ko-KR" altLang="en-US" dirty="0"/>
-          </a:p>
-        </p:txBody>
-      </p:sp>
-      <p:sp>
-        <p:nvSpPr>
-          <p:cNvPr id="73" name="TextBox 72"/>
-          <p:cNvSpPr txBox="1"/>
-          <p:nvPr/>
-        </p:nvSpPr>
-        <p:spPr>
-          <a:xfrm>
-            <a:off x="5154617" y="5465183"/>
-            <a:ext cx="612233" cy="369332"/>
-          </a:xfrm>
-          <a:prstGeom prst="rect">
-            <a:avLst/>
-          </a:prstGeom>
-          <a:noFill/>
-        </p:spPr>
-        <p:txBody>
-          <a:bodyPr wrap="square" rtlCol="0">
-            <a:spAutoFit/>
-          </a:bodyPr>
-          <a:lstStyle/>
-          <a:p>
-            <a:r>
-              <a:rPr lang="ko-KR" altLang="en-US" sz="800" dirty="0" smtClean="0"/>
-              <a:t>제품명</a:t>
-            </a:r>
-            <a:r>
-              <a:rPr lang="ko-KR" altLang="en-US" dirty="0" smtClean="0"/>
-              <a:t>  </a:t>
-            </a:r>
-            <a:endParaRPr lang="ko-KR" altLang="en-US" dirty="0"/>
-          </a:p>
-        </p:txBody>
-      </p:sp>
-      <p:cxnSp>
-        <p:nvCxnSpPr>
-          <p:cNvPr id="74" name="직선 연결선 73"/>
-          <p:cNvCxnSpPr/>
-          <p:nvPr/>
-        </p:nvCxnSpPr>
-        <p:spPr>
-          <a:xfrm>
-            <a:off x="5340507" y="5803685"/>
-            <a:ext cx="120227" cy="0"/>
-          </a:xfrm>
-          <a:prstGeom prst="line">
-            <a:avLst/>
-          </a:prstGeom>
-          <a:ln w="19050">
-            <a:solidFill>
-              <a:schemeClr val="tx1"/>
-            </a:solidFill>
-          </a:ln>
-        </p:spPr>
-        <p:style>
-          <a:lnRef idx="1">
-            <a:schemeClr val="accent1"/>
-          </a:lnRef>
-          <a:fillRef idx="0">
-            <a:schemeClr val="accent1"/>
-          </a:fillRef>
-          <a:effectRef idx="0">
-            <a:schemeClr val="accent1"/>
-          </a:effectRef>
-          <a:fontRef idx="minor">
-            <a:schemeClr val="tx1"/>
-          </a:fontRef>
-        </p:style>
-      </p:cxnSp>
-      <p:sp>
-        <p:nvSpPr>
-          <p:cNvPr id="75" name="TextBox 74"/>
-          <p:cNvSpPr txBox="1"/>
-          <p:nvPr/>
-        </p:nvSpPr>
-        <p:spPr>
-          <a:xfrm>
-            <a:off x="5228128" y="5649849"/>
-            <a:ext cx="612233" cy="369332"/>
-          </a:xfrm>
-          <a:prstGeom prst="rect">
-            <a:avLst/>
-          </a:prstGeom>
-          <a:noFill/>
-        </p:spPr>
-        <p:txBody>
-          <a:bodyPr wrap="square" rtlCol="0">
-            <a:spAutoFit/>
-          </a:bodyPr>
-          <a:lstStyle/>
-          <a:p>
-            <a:r>
-              <a:rPr lang="ko-KR" altLang="en-US" sz="800" dirty="0" smtClean="0"/>
-              <a:t>가격</a:t>
-            </a:r>
-            <a:r>
-              <a:rPr lang="ko-KR" altLang="en-US" dirty="0" smtClean="0"/>
-              <a:t>  </a:t>
-            </a:r>
-            <a:endParaRPr lang="ko-KR" altLang="en-US" dirty="0"/>
-          </a:p>
-        </p:txBody>
-      </p:sp>
-      <p:sp>
-        <p:nvSpPr>
-          <p:cNvPr id="76" name="TextBox 75"/>
-          <p:cNvSpPr txBox="1"/>
-          <p:nvPr/>
-        </p:nvSpPr>
-        <p:spPr>
-          <a:xfrm>
-            <a:off x="7312803" y="5455658"/>
-            <a:ext cx="612233" cy="369332"/>
-          </a:xfrm>
-          <a:prstGeom prst="rect">
-            <a:avLst/>
-          </a:prstGeom>
-          <a:noFill/>
-        </p:spPr>
-        <p:txBody>
-          <a:bodyPr wrap="square" rtlCol="0">
-            <a:spAutoFit/>
-          </a:bodyPr>
-          <a:lstStyle/>
-          <a:p>
-            <a:r>
-              <a:rPr lang="ko-KR" altLang="en-US" sz="800" dirty="0" smtClean="0"/>
-              <a:t>제품명</a:t>
-            </a:r>
-            <a:r>
-              <a:rPr lang="ko-KR" altLang="en-US" dirty="0" smtClean="0"/>
-              <a:t>  </a:t>
-            </a:r>
-            <a:endParaRPr lang="ko-KR" altLang="en-US" dirty="0"/>
-          </a:p>
-        </p:txBody>
-      </p:sp>
-      <p:cxnSp>
-        <p:nvCxnSpPr>
-          <p:cNvPr id="77" name="직선 연결선 76"/>
-          <p:cNvCxnSpPr/>
-          <p:nvPr/>
-        </p:nvCxnSpPr>
-        <p:spPr>
-          <a:xfrm>
-            <a:off x="7498693" y="5794160"/>
-            <a:ext cx="120227" cy="0"/>
-          </a:xfrm>
-          <a:prstGeom prst="line">
-            <a:avLst/>
-          </a:prstGeom>
-          <a:ln w="19050">
-            <a:solidFill>
-              <a:schemeClr val="tx1"/>
-            </a:solidFill>
-          </a:ln>
-        </p:spPr>
-        <p:style>
-          <a:lnRef idx="1">
-            <a:schemeClr val="accent1"/>
-          </a:lnRef>
-          <a:fillRef idx="0">
-            <a:schemeClr val="accent1"/>
-          </a:fillRef>
-          <a:effectRef idx="0">
-            <a:schemeClr val="accent1"/>
-          </a:effectRef>
-          <a:fontRef idx="minor">
-            <a:schemeClr val="tx1"/>
-          </a:fontRef>
-        </p:style>
-      </p:cxnSp>
-      <p:sp>
-        <p:nvSpPr>
-          <p:cNvPr id="78" name="TextBox 77"/>
-          <p:cNvSpPr txBox="1"/>
-          <p:nvPr/>
-        </p:nvSpPr>
-        <p:spPr>
-          <a:xfrm>
-            <a:off x="7386314" y="5640324"/>
-            <a:ext cx="612233" cy="369332"/>
-          </a:xfrm>
-          <a:prstGeom prst="rect">
-            <a:avLst/>
-          </a:prstGeom>
-          <a:noFill/>
-        </p:spPr>
-        <p:txBody>
-          <a:bodyPr wrap="square" rtlCol="0">
-            <a:spAutoFit/>
-          </a:bodyPr>
-          <a:lstStyle/>
-          <a:p>
-            <a:r>
-              <a:rPr lang="ko-KR" altLang="en-US" sz="800" dirty="0" smtClean="0"/>
-              <a:t>가격</a:t>
-            </a:r>
-            <a:r>
-              <a:rPr lang="ko-KR" altLang="en-US" dirty="0" smtClean="0"/>
-              <a:t>  </a:t>
-            </a:r>
-            <a:endParaRPr lang="ko-KR" altLang="en-US" dirty="0"/>
+              <a:rPr lang="en-US" altLang="ko-KR" sz="1050" dirty="0" smtClean="0"/>
+              <a:t>Select</a:t>
+            </a:r>
+            <a:r>
+              <a:rPr lang="ko-KR" altLang="en-US" sz="1050" dirty="0" smtClean="0"/>
+              <a:t>박스를 통해</a:t>
+            </a:r>
+            <a:endParaRPr lang="en-US" altLang="ko-KR" sz="1050" dirty="0" smtClean="0"/>
+          </a:p>
+          <a:p>
+            <a:r>
+              <a:rPr lang="en-US" altLang="ko-KR" sz="1050" dirty="0" smtClean="0"/>
+              <a:t>10</a:t>
+            </a:r>
+            <a:r>
+              <a:rPr lang="ko-KR" altLang="en-US" sz="1050" dirty="0" smtClean="0"/>
+              <a:t>개</a:t>
+            </a:r>
+            <a:r>
+              <a:rPr lang="en-US" altLang="ko-KR" sz="1050" dirty="0" smtClean="0"/>
+              <a:t>,20</a:t>
+            </a:r>
+            <a:r>
+              <a:rPr lang="ko-KR" altLang="en-US" sz="1050" dirty="0" smtClean="0"/>
+              <a:t>개</a:t>
+            </a:r>
+            <a:r>
+              <a:rPr lang="en-US" altLang="ko-KR" sz="1050" dirty="0" smtClean="0"/>
+              <a:t>,30</a:t>
+            </a:r>
+            <a:r>
+              <a:rPr lang="ko-KR" altLang="en-US" sz="1050" dirty="0" smtClean="0"/>
+              <a:t>개보기</a:t>
+            </a:r>
+            <a:endParaRPr lang="ko-KR" altLang="en-US" sz="1050" dirty="0"/>
           </a:p>
         </p:txBody>
       </p:sp>

--- a/Notes/Leather_스토리보드.pptx
+++ b/Notes/Leather_스토리보드.pptx
@@ -5,7 +5,7 @@
     <p:sldMasterId id="2147483648" r:id="rId1"/>
   </p:sldMasterIdLst>
   <p:notesMasterIdLst>
-    <p:notesMasterId r:id="rId13"/>
+    <p:notesMasterId r:id="rId14"/>
   </p:notesMasterIdLst>
   <p:sldIdLst>
     <p:sldId id="256" r:id="rId2"/>
@@ -15,10 +15,11 @@
     <p:sldId id="265" r:id="rId6"/>
     <p:sldId id="260" r:id="rId7"/>
     <p:sldId id="261" r:id="rId8"/>
-    <p:sldId id="266" r:id="rId9"/>
-    <p:sldId id="262" r:id="rId10"/>
-    <p:sldId id="263" r:id="rId11"/>
-    <p:sldId id="264" r:id="rId12"/>
+    <p:sldId id="263" r:id="rId9"/>
+    <p:sldId id="267" r:id="rId10"/>
+    <p:sldId id="266" r:id="rId11"/>
+    <p:sldId id="262" r:id="rId12"/>
+    <p:sldId id="264" r:id="rId13"/>
   </p:sldIdLst>
   <p:sldSz cx="9144000" cy="6858000" type="screen4x3"/>
   <p:notesSz cx="6858000" cy="9144000"/>
@@ -202,7 +203,7 @@
           <a:p>
             <a:fld id="{54B68E1F-09E2-4206-BEB9-44A572215166}" type="datetimeFigureOut">
               <a:rPr lang="ko-KR" altLang="en-US" smtClean="0"/>
-              <a:t>2019-08-26</a:t>
+              <a:t>2019-08-29</a:t>
             </a:fld>
             <a:endParaRPr lang="ko-KR" altLang="en-US"/>
           </a:p>
@@ -735,7 +736,7 @@
           <a:p>
             <a:fld id="{D6F9D2EB-9E5D-45CA-B371-07F4E95E0691}" type="datetimeFigureOut">
               <a:rPr lang="ko-KR" altLang="en-US" smtClean="0"/>
-              <a:t>2019-08-26</a:t>
+              <a:t>2019-08-29</a:t>
             </a:fld>
             <a:endParaRPr lang="ko-KR" altLang="en-US"/>
           </a:p>
@@ -905,7 +906,7 @@
           <a:p>
             <a:fld id="{D6F9D2EB-9E5D-45CA-B371-07F4E95E0691}" type="datetimeFigureOut">
               <a:rPr lang="ko-KR" altLang="en-US" smtClean="0"/>
-              <a:t>2019-08-26</a:t>
+              <a:t>2019-08-29</a:t>
             </a:fld>
             <a:endParaRPr lang="ko-KR" altLang="en-US"/>
           </a:p>
@@ -1085,7 +1086,7 @@
           <a:p>
             <a:fld id="{D6F9D2EB-9E5D-45CA-B371-07F4E95E0691}" type="datetimeFigureOut">
               <a:rPr lang="ko-KR" altLang="en-US" smtClean="0"/>
-              <a:t>2019-08-26</a:t>
+              <a:t>2019-08-29</a:t>
             </a:fld>
             <a:endParaRPr lang="ko-KR" altLang="en-US"/>
           </a:p>
@@ -1255,7 +1256,7 @@
           <a:p>
             <a:fld id="{D6F9D2EB-9E5D-45CA-B371-07F4E95E0691}" type="datetimeFigureOut">
               <a:rPr lang="ko-KR" altLang="en-US" smtClean="0"/>
-              <a:t>2019-08-26</a:t>
+              <a:t>2019-08-29</a:t>
             </a:fld>
             <a:endParaRPr lang="ko-KR" altLang="en-US"/>
           </a:p>
@@ -1501,7 +1502,7 @@
           <a:p>
             <a:fld id="{D6F9D2EB-9E5D-45CA-B371-07F4E95E0691}" type="datetimeFigureOut">
               <a:rPr lang="ko-KR" altLang="en-US" smtClean="0"/>
-              <a:t>2019-08-26</a:t>
+              <a:t>2019-08-29</a:t>
             </a:fld>
             <a:endParaRPr lang="ko-KR" altLang="en-US"/>
           </a:p>
@@ -1789,7 +1790,7 @@
           <a:p>
             <a:fld id="{D6F9D2EB-9E5D-45CA-B371-07F4E95E0691}" type="datetimeFigureOut">
               <a:rPr lang="ko-KR" altLang="en-US" smtClean="0"/>
-              <a:t>2019-08-26</a:t>
+              <a:t>2019-08-29</a:t>
             </a:fld>
             <a:endParaRPr lang="ko-KR" altLang="en-US"/>
           </a:p>
@@ -2211,7 +2212,7 @@
           <a:p>
             <a:fld id="{D6F9D2EB-9E5D-45CA-B371-07F4E95E0691}" type="datetimeFigureOut">
               <a:rPr lang="ko-KR" altLang="en-US" smtClean="0"/>
-              <a:t>2019-08-26</a:t>
+              <a:t>2019-08-29</a:t>
             </a:fld>
             <a:endParaRPr lang="ko-KR" altLang="en-US"/>
           </a:p>
@@ -2329,7 +2330,7 @@
           <a:p>
             <a:fld id="{D6F9D2EB-9E5D-45CA-B371-07F4E95E0691}" type="datetimeFigureOut">
               <a:rPr lang="ko-KR" altLang="en-US" smtClean="0"/>
-              <a:t>2019-08-26</a:t>
+              <a:t>2019-08-29</a:t>
             </a:fld>
             <a:endParaRPr lang="ko-KR" altLang="en-US"/>
           </a:p>
@@ -2424,7 +2425,7 @@
           <a:p>
             <a:fld id="{D6F9D2EB-9E5D-45CA-B371-07F4E95E0691}" type="datetimeFigureOut">
               <a:rPr lang="ko-KR" altLang="en-US" smtClean="0"/>
-              <a:t>2019-08-26</a:t>
+              <a:t>2019-08-29</a:t>
             </a:fld>
             <a:endParaRPr lang="ko-KR" altLang="en-US"/>
           </a:p>
@@ -2701,7 +2702,7 @@
           <a:p>
             <a:fld id="{D6F9D2EB-9E5D-45CA-B371-07F4E95E0691}" type="datetimeFigureOut">
               <a:rPr lang="ko-KR" altLang="en-US" smtClean="0"/>
-              <a:t>2019-08-26</a:t>
+              <a:t>2019-08-29</a:t>
             </a:fld>
             <a:endParaRPr lang="ko-KR" altLang="en-US"/>
           </a:p>
@@ -2954,7 +2955,7 @@
           <a:p>
             <a:fld id="{D6F9D2EB-9E5D-45CA-B371-07F4E95E0691}" type="datetimeFigureOut">
               <a:rPr lang="ko-KR" altLang="en-US" smtClean="0"/>
-              <a:t>2019-08-26</a:t>
+              <a:t>2019-08-29</a:t>
             </a:fld>
             <a:endParaRPr lang="ko-KR" altLang="en-US"/>
           </a:p>
@@ -3167,7 +3168,7 @@
           <a:p>
             <a:fld id="{D6F9D2EB-9E5D-45CA-B371-07F4E95E0691}" type="datetimeFigureOut">
               <a:rPr lang="ko-KR" altLang="en-US" smtClean="0"/>
-              <a:t>2019-08-26</a:t>
+              <a:t>2019-08-29</a:t>
             </a:fld>
             <a:endParaRPr lang="ko-KR" altLang="en-US"/>
           </a:p>
@@ -6304,6 +6305,1079 @@
           </a:extLst>
         </p:spPr>
       </p:pic>
+      <p:sp>
+        <p:nvSpPr>
+          <p:cNvPr id="15" name="직사각형 14"/>
+          <p:cNvSpPr/>
+          <p:nvPr/>
+        </p:nvSpPr>
+        <p:spPr>
+          <a:xfrm>
+            <a:off x="251520" y="2032535"/>
+            <a:ext cx="1403648" cy="363682"/>
+          </a:xfrm>
+          <a:prstGeom prst="rect">
+            <a:avLst/>
+          </a:prstGeom>
+          <a:noFill/>
+          <a:ln w="9525">
+            <a:solidFill>
+              <a:schemeClr val="tx1"/>
+            </a:solidFill>
+          </a:ln>
+        </p:spPr>
+        <p:style>
+          <a:lnRef idx="2">
+            <a:schemeClr val="accent1">
+              <a:shade val="50000"/>
+            </a:schemeClr>
+          </a:lnRef>
+          <a:fillRef idx="1">
+            <a:schemeClr val="accent1"/>
+          </a:fillRef>
+          <a:effectRef idx="0">
+            <a:schemeClr val="accent1"/>
+          </a:effectRef>
+          <a:fontRef idx="minor">
+            <a:schemeClr val="lt1"/>
+          </a:fontRef>
+        </p:style>
+        <p:txBody>
+          <a:bodyPr rtlCol="0" anchor="ctr"/>
+          <a:lstStyle/>
+          <a:p>
+            <a:pPr algn="ctr"/>
+            <a:endParaRPr lang="ko-KR" altLang="en-US" sz="1000" dirty="0">
+              <a:solidFill>
+                <a:schemeClr val="tx1"/>
+              </a:solidFill>
+            </a:endParaRPr>
+          </a:p>
+        </p:txBody>
+      </p:sp>
+      <p:sp>
+        <p:nvSpPr>
+          <p:cNvPr id="16" name="TextBox 15"/>
+          <p:cNvSpPr txBox="1"/>
+          <p:nvPr/>
+        </p:nvSpPr>
+        <p:spPr>
+          <a:xfrm>
+            <a:off x="251520" y="2042804"/>
+            <a:ext cx="1152128" cy="369332"/>
+          </a:xfrm>
+          <a:prstGeom prst="rect">
+            <a:avLst/>
+          </a:prstGeom>
+          <a:noFill/>
+        </p:spPr>
+        <p:txBody>
+          <a:bodyPr wrap="square" rtlCol="0">
+            <a:spAutoFit/>
+          </a:bodyPr>
+          <a:lstStyle/>
+          <a:p>
+            <a:r>
+              <a:rPr lang="en-US" altLang="ko-KR" dirty="0" smtClean="0"/>
+              <a:t>|</a:t>
+            </a:r>
+            <a:r>
+              <a:rPr lang="ko-KR" altLang="en-US" dirty="0" smtClean="0"/>
+              <a:t>주문내</a:t>
+            </a:r>
+            <a:r>
+              <a:rPr lang="ko-KR" altLang="en-US" dirty="0"/>
+              <a:t>역</a:t>
+            </a:r>
+          </a:p>
+        </p:txBody>
+      </p:sp>
+      <p:graphicFrame>
+        <p:nvGraphicFramePr>
+          <p:cNvPr id="3" name="표 2"/>
+          <p:cNvGraphicFramePr>
+            <a:graphicFrameLocks noGrp="1"/>
+          </p:cNvGraphicFramePr>
+          <p:nvPr>
+            <p:extLst>
+              <p:ext uri="{D42A27DB-BD31-4B8C-83A1-F6EECF244321}">
+                <p14:modId xmlns:p14="http://schemas.microsoft.com/office/powerpoint/2010/main" val="356509444"/>
+              </p:ext>
+            </p:extLst>
+          </p:nvPr>
+        </p:nvGraphicFramePr>
+        <p:xfrm>
+          <a:off x="316421" y="2636912"/>
+          <a:ext cx="8072003" cy="1404352"/>
+        </p:xfrm>
+        <a:graphic>
+          <a:graphicData uri="http://schemas.openxmlformats.org/drawingml/2006/table">
+            <a:tbl>
+              <a:tblPr firstRow="1" bandRow="1">
+                <a:tableStyleId>{6E25E649-3F16-4E02-A733-19D2CDBF48F0}</a:tableStyleId>
+              </a:tblPr>
+              <a:tblGrid>
+                <a:gridCol w="1763491"/>
+                <a:gridCol w="1603859"/>
+                <a:gridCol w="1492520"/>
+                <a:gridCol w="1608274"/>
+                <a:gridCol w="1603859"/>
+              </a:tblGrid>
+              <a:tr h="149736">
+                <a:tc>
+                  <a:txBody>
+                    <a:bodyPr/>
+                    <a:lstStyle/>
+                    <a:p>
+                      <a:pPr latinLnBrk="1"/>
+                      <a:r>
+                        <a:rPr lang="ko-KR" altLang="en-US" sz="1400" dirty="0" smtClean="0"/>
+                        <a:t>주문번호</a:t>
+                      </a:r>
+                      <a:endParaRPr lang="ko-KR" altLang="en-US" sz="1400" dirty="0"/>
+                    </a:p>
+                  </a:txBody>
+                  <a:tcPr/>
+                </a:tc>
+                <a:tc>
+                  <a:txBody>
+                    <a:bodyPr/>
+                    <a:lstStyle/>
+                    <a:p>
+                      <a:pPr latinLnBrk="1"/>
+                      <a:r>
+                        <a:rPr lang="ko-KR" altLang="en-US" sz="1400" dirty="0" smtClean="0"/>
+                        <a:t>제품명</a:t>
+                      </a:r>
+                      <a:endParaRPr lang="ko-KR" altLang="en-US" sz="1400" dirty="0"/>
+                    </a:p>
+                  </a:txBody>
+                  <a:tcPr/>
+                </a:tc>
+                <a:tc>
+                  <a:txBody>
+                    <a:bodyPr/>
+                    <a:lstStyle/>
+                    <a:p>
+                      <a:pPr latinLnBrk="1"/>
+                      <a:r>
+                        <a:rPr lang="ko-KR" altLang="en-US" sz="1400" dirty="0" smtClean="0"/>
+                        <a:t>금액</a:t>
+                      </a:r>
+                      <a:endParaRPr lang="ko-KR" altLang="en-US" sz="1400" dirty="0"/>
+                    </a:p>
+                  </a:txBody>
+                  <a:tcPr/>
+                </a:tc>
+                <a:tc>
+                  <a:txBody>
+                    <a:bodyPr/>
+                    <a:lstStyle/>
+                    <a:p>
+                      <a:pPr latinLnBrk="1"/>
+                      <a:r>
+                        <a:rPr lang="ko-KR" altLang="en-US" sz="1400" dirty="0" smtClean="0"/>
+                        <a:t>주문일</a:t>
+                      </a:r>
+                      <a:endParaRPr lang="ko-KR" altLang="en-US" sz="1400" dirty="0"/>
+                    </a:p>
+                  </a:txBody>
+                  <a:tcPr/>
+                </a:tc>
+                <a:tc>
+                  <a:txBody>
+                    <a:bodyPr/>
+                    <a:lstStyle/>
+                    <a:p>
+                      <a:pPr latinLnBrk="1"/>
+                      <a:r>
+                        <a:rPr lang="ko-KR" altLang="en-US" sz="1400" dirty="0" smtClean="0"/>
+                        <a:t>수량</a:t>
+                      </a:r>
+                      <a:endParaRPr lang="ko-KR" altLang="en-US" sz="1400" dirty="0"/>
+                    </a:p>
+                  </a:txBody>
+                  <a:tcPr/>
+                </a:tc>
+              </a:tr>
+              <a:tr h="368032">
+                <a:tc>
+                  <a:txBody>
+                    <a:bodyPr/>
+                    <a:lstStyle/>
+                    <a:p>
+                      <a:pPr algn="r" latinLnBrk="1"/>
+                      <a:endParaRPr lang="ko-KR" altLang="en-US" sz="1400"/>
+                    </a:p>
+                  </a:txBody>
+                  <a:tcPr/>
+                </a:tc>
+                <a:tc>
+                  <a:txBody>
+                    <a:bodyPr/>
+                    <a:lstStyle/>
+                    <a:p>
+                      <a:pPr latinLnBrk="1"/>
+                      <a:endParaRPr lang="ko-KR" altLang="en-US" sz="1400" dirty="0"/>
+                    </a:p>
+                  </a:txBody>
+                  <a:tcPr/>
+                </a:tc>
+                <a:tc>
+                  <a:txBody>
+                    <a:bodyPr/>
+                    <a:lstStyle/>
+                    <a:p>
+                      <a:pPr latinLnBrk="1"/>
+                      <a:endParaRPr lang="ko-KR" altLang="en-US" sz="1400" dirty="0"/>
+                    </a:p>
+                  </a:txBody>
+                  <a:tcPr/>
+                </a:tc>
+                <a:tc>
+                  <a:txBody>
+                    <a:bodyPr/>
+                    <a:lstStyle/>
+                    <a:p>
+                      <a:pPr latinLnBrk="1"/>
+                      <a:endParaRPr lang="ko-KR" altLang="en-US" sz="1400" dirty="0"/>
+                    </a:p>
+                  </a:txBody>
+                  <a:tcPr/>
+                </a:tc>
+                <a:tc>
+                  <a:txBody>
+                    <a:bodyPr/>
+                    <a:lstStyle/>
+                    <a:p>
+                      <a:pPr latinLnBrk="1"/>
+                      <a:endParaRPr lang="ko-KR" altLang="en-US" sz="1400" dirty="0"/>
+                    </a:p>
+                  </a:txBody>
+                  <a:tcPr/>
+                </a:tc>
+              </a:tr>
+              <a:tr h="370840">
+                <a:tc gridSpan="5">
+                  <a:txBody>
+                    <a:bodyPr/>
+                    <a:lstStyle/>
+                    <a:p>
+                      <a:pPr algn="r" latinLnBrk="1"/>
+                      <a:r>
+                        <a:rPr lang="ko-KR" altLang="en-US" sz="1400" dirty="0" err="1" smtClean="0"/>
+                        <a:t>총금액</a:t>
+                      </a:r>
+                      <a:endParaRPr lang="en-US" altLang="ko-KR" sz="1400" dirty="0" smtClean="0"/>
+                    </a:p>
+                    <a:p>
+                      <a:pPr algn="r" latinLnBrk="1"/>
+                      <a:r>
+                        <a:rPr lang="ko-KR" altLang="en-US" sz="1400" dirty="0" err="1" smtClean="0"/>
+                        <a:t>배송비</a:t>
+                      </a:r>
+                      <a:endParaRPr lang="en-US" altLang="ko-KR" sz="1400" dirty="0" smtClean="0"/>
+                    </a:p>
+                    <a:p>
+                      <a:pPr algn="r" latinLnBrk="1"/>
+                      <a:r>
+                        <a:rPr lang="ko-KR" altLang="en-US" sz="1400" dirty="0" smtClean="0"/>
+                        <a:t>합계</a:t>
+                      </a:r>
+                      <a:endParaRPr lang="ko-KR" altLang="en-US" sz="1400" dirty="0"/>
+                    </a:p>
+                  </a:txBody>
+                  <a:tcPr/>
+                </a:tc>
+                <a:tc hMerge="1">
+                  <a:txBody>
+                    <a:bodyPr/>
+                    <a:lstStyle/>
+                    <a:p>
+                      <a:pPr latinLnBrk="1"/>
+                      <a:endParaRPr lang="ko-KR" altLang="en-US" dirty="0"/>
+                    </a:p>
+                  </a:txBody>
+                  <a:tcPr/>
+                </a:tc>
+                <a:tc hMerge="1">
+                  <a:txBody>
+                    <a:bodyPr/>
+                    <a:lstStyle/>
+                    <a:p>
+                      <a:pPr latinLnBrk="1"/>
+                      <a:endParaRPr lang="ko-KR" altLang="en-US" dirty="0"/>
+                    </a:p>
+                  </a:txBody>
+                  <a:tcPr/>
+                </a:tc>
+                <a:tc hMerge="1">
+                  <a:txBody>
+                    <a:bodyPr/>
+                    <a:lstStyle/>
+                    <a:p>
+                      <a:pPr latinLnBrk="1"/>
+                      <a:endParaRPr lang="ko-KR" altLang="en-US" dirty="0"/>
+                    </a:p>
+                  </a:txBody>
+                  <a:tcPr/>
+                </a:tc>
+                <a:tc hMerge="1">
+                  <a:txBody>
+                    <a:bodyPr/>
+                    <a:lstStyle/>
+                    <a:p>
+                      <a:pPr latinLnBrk="1"/>
+                      <a:endParaRPr lang="ko-KR" altLang="en-US"/>
+                    </a:p>
+                  </a:txBody>
+                  <a:tcPr/>
+                </a:tc>
+              </a:tr>
+            </a:tbl>
+          </a:graphicData>
+        </a:graphic>
+      </p:graphicFrame>
+      <p:sp>
+        <p:nvSpPr>
+          <p:cNvPr id="21" name="직사각형 20"/>
+          <p:cNvSpPr/>
+          <p:nvPr/>
+        </p:nvSpPr>
+        <p:spPr>
+          <a:xfrm>
+            <a:off x="270372" y="4210819"/>
+            <a:ext cx="1403648" cy="363682"/>
+          </a:xfrm>
+          <a:prstGeom prst="rect">
+            <a:avLst/>
+          </a:prstGeom>
+          <a:noFill/>
+          <a:ln w="9525">
+            <a:solidFill>
+              <a:schemeClr val="tx1"/>
+            </a:solidFill>
+          </a:ln>
+        </p:spPr>
+        <p:style>
+          <a:lnRef idx="2">
+            <a:schemeClr val="accent1">
+              <a:shade val="50000"/>
+            </a:schemeClr>
+          </a:lnRef>
+          <a:fillRef idx="1">
+            <a:schemeClr val="accent1"/>
+          </a:fillRef>
+          <a:effectRef idx="0">
+            <a:schemeClr val="accent1"/>
+          </a:effectRef>
+          <a:fontRef idx="minor">
+            <a:schemeClr val="lt1"/>
+          </a:fontRef>
+        </p:style>
+        <p:txBody>
+          <a:bodyPr rtlCol="0" anchor="ctr"/>
+          <a:lstStyle/>
+          <a:p>
+            <a:pPr algn="ctr"/>
+            <a:endParaRPr lang="ko-KR" altLang="en-US" sz="1000" dirty="0">
+              <a:solidFill>
+                <a:schemeClr val="tx1"/>
+              </a:solidFill>
+            </a:endParaRPr>
+          </a:p>
+        </p:txBody>
+      </p:sp>
+      <p:sp>
+        <p:nvSpPr>
+          <p:cNvPr id="22" name="TextBox 21"/>
+          <p:cNvSpPr txBox="1"/>
+          <p:nvPr/>
+        </p:nvSpPr>
+        <p:spPr>
+          <a:xfrm>
+            <a:off x="270372" y="4221088"/>
+            <a:ext cx="1152128" cy="369332"/>
+          </a:xfrm>
+          <a:prstGeom prst="rect">
+            <a:avLst/>
+          </a:prstGeom>
+          <a:noFill/>
+        </p:spPr>
+        <p:txBody>
+          <a:bodyPr wrap="square" rtlCol="0">
+            <a:spAutoFit/>
+          </a:bodyPr>
+          <a:lstStyle/>
+          <a:p>
+            <a:r>
+              <a:rPr lang="en-US" altLang="ko-KR" dirty="0" smtClean="0"/>
+              <a:t>|</a:t>
+            </a:r>
+            <a:r>
+              <a:rPr lang="ko-KR" altLang="en-US" dirty="0" smtClean="0"/>
+              <a:t>주문하기</a:t>
+            </a:r>
+            <a:endParaRPr lang="ko-KR" altLang="en-US" dirty="0"/>
+          </a:p>
+        </p:txBody>
+      </p:sp>
+      <p:sp>
+        <p:nvSpPr>
+          <p:cNvPr id="23" name="TextBox 22"/>
+          <p:cNvSpPr txBox="1"/>
+          <p:nvPr/>
+        </p:nvSpPr>
+        <p:spPr>
+          <a:xfrm>
+            <a:off x="3636766" y="5085184"/>
+            <a:ext cx="2447402" cy="369332"/>
+          </a:xfrm>
+          <a:prstGeom prst="rect">
+            <a:avLst/>
+          </a:prstGeom>
+          <a:noFill/>
+        </p:spPr>
+        <p:txBody>
+          <a:bodyPr wrap="square" rtlCol="0">
+            <a:spAutoFit/>
+          </a:bodyPr>
+          <a:lstStyle/>
+          <a:p>
+            <a:r>
+              <a:rPr lang="ko-KR" altLang="en-US" dirty="0" smtClean="0"/>
+              <a:t>다음 페이지에 구현</a:t>
+            </a:r>
+            <a:endParaRPr lang="ko-KR" altLang="en-US" dirty="0"/>
+          </a:p>
+        </p:txBody>
+      </p:sp>
+    </p:spTree>
+    <p:extLst>
+      <p:ext uri="{BB962C8B-B14F-4D97-AF65-F5344CB8AC3E}">
+        <p14:creationId xmlns:p14="http://schemas.microsoft.com/office/powerpoint/2010/main" val="3125219570"/>
+      </p:ext>
+    </p:extLst>
+  </p:cSld>
+  <p:clrMapOvr>
+    <a:masterClrMapping/>
+  </p:clrMapOvr>
+</p:sld>
+</file>
+
+<file path=ppt/slides/slide11.xml><?xml version="1.0" encoding="utf-8"?>
+<p:sld xmlns:a="http://schemas.openxmlformats.org/drawingml/2006/main" xmlns:r="http://schemas.openxmlformats.org/officeDocument/2006/relationships" xmlns:p="http://schemas.openxmlformats.org/presentationml/2006/main">
+  <p:cSld>
+    <p:spTree>
+      <p:nvGrpSpPr>
+        <p:cNvPr id="1" name=""/>
+        <p:cNvGrpSpPr/>
+        <p:nvPr/>
+      </p:nvGrpSpPr>
+      <p:grpSpPr>
+        <a:xfrm>
+          <a:off x="0" y="0"/>
+          <a:ext cx="0" cy="0"/>
+          <a:chOff x="0" y="0"/>
+          <a:chExt cx="0" cy="0"/>
+        </a:xfrm>
+      </p:grpSpPr>
+      <p:sp>
+        <p:nvSpPr>
+          <p:cNvPr id="17" name="직사각형 16"/>
+          <p:cNvSpPr/>
+          <p:nvPr/>
+        </p:nvSpPr>
+        <p:spPr>
+          <a:xfrm>
+            <a:off x="179512" y="178371"/>
+            <a:ext cx="1403648" cy="363682"/>
+          </a:xfrm>
+          <a:prstGeom prst="rect">
+            <a:avLst/>
+          </a:prstGeom>
+          <a:noFill/>
+          <a:ln w="9525">
+            <a:solidFill>
+              <a:schemeClr val="tx1"/>
+            </a:solidFill>
+          </a:ln>
+        </p:spPr>
+        <p:style>
+          <a:lnRef idx="2">
+            <a:schemeClr val="accent1">
+              <a:shade val="50000"/>
+            </a:schemeClr>
+          </a:lnRef>
+          <a:fillRef idx="1">
+            <a:schemeClr val="accent1"/>
+          </a:fillRef>
+          <a:effectRef idx="0">
+            <a:schemeClr val="accent1"/>
+          </a:effectRef>
+          <a:fontRef idx="minor">
+            <a:schemeClr val="lt1"/>
+          </a:fontRef>
+        </p:style>
+        <p:txBody>
+          <a:bodyPr rtlCol="0" anchor="ctr"/>
+          <a:lstStyle/>
+          <a:p>
+            <a:pPr algn="ctr"/>
+            <a:endParaRPr lang="ko-KR" altLang="en-US" sz="1000" dirty="0">
+              <a:solidFill>
+                <a:schemeClr val="tx1"/>
+              </a:solidFill>
+            </a:endParaRPr>
+          </a:p>
+        </p:txBody>
+      </p:sp>
+      <p:sp>
+        <p:nvSpPr>
+          <p:cNvPr id="18" name="TextBox 17"/>
+          <p:cNvSpPr txBox="1"/>
+          <p:nvPr/>
+        </p:nvSpPr>
+        <p:spPr>
+          <a:xfrm>
+            <a:off x="179512" y="188640"/>
+            <a:ext cx="1152128" cy="369332"/>
+          </a:xfrm>
+          <a:prstGeom prst="rect">
+            <a:avLst/>
+          </a:prstGeom>
+          <a:noFill/>
+        </p:spPr>
+        <p:txBody>
+          <a:bodyPr wrap="square" rtlCol="0">
+            <a:spAutoFit/>
+          </a:bodyPr>
+          <a:lstStyle/>
+          <a:p>
+            <a:r>
+              <a:rPr lang="en-US" altLang="ko-KR" dirty="0" smtClean="0"/>
+              <a:t>|</a:t>
+            </a:r>
+            <a:r>
+              <a:rPr lang="ko-KR" altLang="en-US" dirty="0" smtClean="0"/>
+              <a:t>주문하기</a:t>
+            </a:r>
+            <a:endParaRPr lang="ko-KR" altLang="en-US" dirty="0"/>
+          </a:p>
+        </p:txBody>
+      </p:sp>
+      <p:sp>
+        <p:nvSpPr>
+          <p:cNvPr id="19" name="직사각형 18"/>
+          <p:cNvSpPr/>
+          <p:nvPr/>
+        </p:nvSpPr>
+        <p:spPr>
+          <a:xfrm>
+            <a:off x="152400" y="764704"/>
+            <a:ext cx="8740080" cy="836712"/>
+          </a:xfrm>
+          <a:prstGeom prst="rect">
+            <a:avLst/>
+          </a:prstGeom>
+          <a:noFill/>
+          <a:ln w="9525">
+            <a:solidFill>
+              <a:schemeClr val="tx1"/>
+            </a:solidFill>
+          </a:ln>
+        </p:spPr>
+        <p:style>
+          <a:lnRef idx="2">
+            <a:schemeClr val="accent1">
+              <a:shade val="50000"/>
+            </a:schemeClr>
+          </a:lnRef>
+          <a:fillRef idx="1">
+            <a:schemeClr val="accent1"/>
+          </a:fillRef>
+          <a:effectRef idx="0">
+            <a:schemeClr val="accent1"/>
+          </a:effectRef>
+          <a:fontRef idx="minor">
+            <a:schemeClr val="lt1"/>
+          </a:fontRef>
+        </p:style>
+        <p:txBody>
+          <a:bodyPr rtlCol="0" anchor="ctr"/>
+          <a:lstStyle/>
+          <a:p>
+            <a:pPr algn="ctr"/>
+            <a:endParaRPr lang="ko-KR" altLang="en-US" sz="1000" dirty="0">
+              <a:solidFill>
+                <a:schemeClr val="tx1"/>
+              </a:solidFill>
+            </a:endParaRPr>
+          </a:p>
+        </p:txBody>
+      </p:sp>
+      <p:sp>
+        <p:nvSpPr>
+          <p:cNvPr id="2" name="TextBox 1"/>
+          <p:cNvSpPr txBox="1"/>
+          <p:nvPr/>
+        </p:nvSpPr>
+        <p:spPr>
+          <a:xfrm>
+            <a:off x="755576" y="1052736"/>
+            <a:ext cx="1420582" cy="369332"/>
+          </a:xfrm>
+          <a:prstGeom prst="rect">
+            <a:avLst/>
+          </a:prstGeom>
+          <a:noFill/>
+        </p:spPr>
+        <p:txBody>
+          <a:bodyPr wrap="none" rtlCol="0">
+            <a:spAutoFit/>
+          </a:bodyPr>
+          <a:lstStyle/>
+          <a:p>
+            <a:r>
+              <a:rPr lang="ko-KR" altLang="en-US" dirty="0" smtClean="0"/>
+              <a:t>주문자 정보</a:t>
+            </a:r>
+            <a:endParaRPr lang="ko-KR" altLang="en-US" dirty="0"/>
+          </a:p>
+        </p:txBody>
+      </p:sp>
+      <p:sp>
+        <p:nvSpPr>
+          <p:cNvPr id="20" name="직사각형 19"/>
+          <p:cNvSpPr/>
+          <p:nvPr/>
+        </p:nvSpPr>
+        <p:spPr>
+          <a:xfrm>
+            <a:off x="152400" y="1844824"/>
+            <a:ext cx="8740080" cy="836712"/>
+          </a:xfrm>
+          <a:prstGeom prst="rect">
+            <a:avLst/>
+          </a:prstGeom>
+          <a:noFill/>
+          <a:ln w="9525">
+            <a:solidFill>
+              <a:schemeClr val="tx1"/>
+            </a:solidFill>
+          </a:ln>
+        </p:spPr>
+        <p:style>
+          <a:lnRef idx="2">
+            <a:schemeClr val="accent1">
+              <a:shade val="50000"/>
+            </a:schemeClr>
+          </a:lnRef>
+          <a:fillRef idx="1">
+            <a:schemeClr val="accent1"/>
+          </a:fillRef>
+          <a:effectRef idx="0">
+            <a:schemeClr val="accent1"/>
+          </a:effectRef>
+          <a:fontRef idx="minor">
+            <a:schemeClr val="lt1"/>
+          </a:fontRef>
+        </p:style>
+        <p:txBody>
+          <a:bodyPr rtlCol="0" anchor="ctr"/>
+          <a:lstStyle/>
+          <a:p>
+            <a:pPr algn="ctr"/>
+            <a:endParaRPr lang="ko-KR" altLang="en-US" sz="1000" dirty="0">
+              <a:solidFill>
+                <a:schemeClr val="tx1"/>
+              </a:solidFill>
+            </a:endParaRPr>
+          </a:p>
+        </p:txBody>
+      </p:sp>
+      <p:sp>
+        <p:nvSpPr>
+          <p:cNvPr id="21" name="TextBox 20"/>
+          <p:cNvSpPr txBox="1"/>
+          <p:nvPr/>
+        </p:nvSpPr>
+        <p:spPr>
+          <a:xfrm>
+            <a:off x="755576" y="2132856"/>
+            <a:ext cx="1107996" cy="369332"/>
+          </a:xfrm>
+          <a:prstGeom prst="rect">
+            <a:avLst/>
+          </a:prstGeom>
+          <a:noFill/>
+        </p:spPr>
+        <p:txBody>
+          <a:bodyPr wrap="none" rtlCol="0">
+            <a:spAutoFit/>
+          </a:bodyPr>
+          <a:lstStyle/>
+          <a:p>
+            <a:r>
+              <a:rPr lang="ko-KR" altLang="en-US" dirty="0" smtClean="0"/>
+              <a:t>배송정보</a:t>
+            </a:r>
+            <a:endParaRPr lang="ko-KR" altLang="en-US" dirty="0"/>
+          </a:p>
+        </p:txBody>
+      </p:sp>
+      <p:sp>
+        <p:nvSpPr>
+          <p:cNvPr id="22" name="직사각형 21"/>
+          <p:cNvSpPr/>
+          <p:nvPr/>
+        </p:nvSpPr>
+        <p:spPr>
+          <a:xfrm>
+            <a:off x="152400" y="2924944"/>
+            <a:ext cx="8740080" cy="836712"/>
+          </a:xfrm>
+          <a:prstGeom prst="rect">
+            <a:avLst/>
+          </a:prstGeom>
+          <a:noFill/>
+          <a:ln w="9525">
+            <a:solidFill>
+              <a:schemeClr val="tx1"/>
+            </a:solidFill>
+          </a:ln>
+        </p:spPr>
+        <p:style>
+          <a:lnRef idx="2">
+            <a:schemeClr val="accent1">
+              <a:shade val="50000"/>
+            </a:schemeClr>
+          </a:lnRef>
+          <a:fillRef idx="1">
+            <a:schemeClr val="accent1"/>
+          </a:fillRef>
+          <a:effectRef idx="0">
+            <a:schemeClr val="accent1"/>
+          </a:effectRef>
+          <a:fontRef idx="minor">
+            <a:schemeClr val="lt1"/>
+          </a:fontRef>
+        </p:style>
+        <p:txBody>
+          <a:bodyPr rtlCol="0" anchor="ctr"/>
+          <a:lstStyle/>
+          <a:p>
+            <a:pPr algn="ctr"/>
+            <a:endParaRPr lang="ko-KR" altLang="en-US" sz="1000" dirty="0">
+              <a:solidFill>
+                <a:schemeClr val="tx1"/>
+              </a:solidFill>
+            </a:endParaRPr>
+          </a:p>
+        </p:txBody>
+      </p:sp>
+      <p:sp>
+        <p:nvSpPr>
+          <p:cNvPr id="23" name="TextBox 22"/>
+          <p:cNvSpPr txBox="1"/>
+          <p:nvPr/>
+        </p:nvSpPr>
+        <p:spPr>
+          <a:xfrm>
+            <a:off x="543472" y="3158634"/>
+            <a:ext cx="1569660" cy="369332"/>
+          </a:xfrm>
+          <a:prstGeom prst="rect">
+            <a:avLst/>
+          </a:prstGeom>
+          <a:noFill/>
+        </p:spPr>
+        <p:txBody>
+          <a:bodyPr wrap="none" rtlCol="0">
+            <a:spAutoFit/>
+          </a:bodyPr>
+          <a:lstStyle/>
+          <a:p>
+            <a:r>
+              <a:rPr lang="ko-KR" altLang="en-US" dirty="0" smtClean="0"/>
+              <a:t>최종결제금액</a:t>
+            </a:r>
+            <a:endParaRPr lang="ko-KR" altLang="en-US" dirty="0"/>
+          </a:p>
+        </p:txBody>
+      </p:sp>
+      <p:sp>
+        <p:nvSpPr>
+          <p:cNvPr id="24" name="직사각형 23"/>
+          <p:cNvSpPr/>
+          <p:nvPr/>
+        </p:nvSpPr>
+        <p:spPr>
+          <a:xfrm>
+            <a:off x="171128" y="4005064"/>
+            <a:ext cx="8740080" cy="836712"/>
+          </a:xfrm>
+          <a:prstGeom prst="rect">
+            <a:avLst/>
+          </a:prstGeom>
+          <a:noFill/>
+          <a:ln w="9525">
+            <a:solidFill>
+              <a:schemeClr val="tx1"/>
+            </a:solidFill>
+          </a:ln>
+        </p:spPr>
+        <p:style>
+          <a:lnRef idx="2">
+            <a:schemeClr val="accent1">
+              <a:shade val="50000"/>
+            </a:schemeClr>
+          </a:lnRef>
+          <a:fillRef idx="1">
+            <a:schemeClr val="accent1"/>
+          </a:fillRef>
+          <a:effectRef idx="0">
+            <a:schemeClr val="accent1"/>
+          </a:effectRef>
+          <a:fontRef idx="minor">
+            <a:schemeClr val="lt1"/>
+          </a:fontRef>
+        </p:style>
+        <p:txBody>
+          <a:bodyPr rtlCol="0" anchor="ctr"/>
+          <a:lstStyle/>
+          <a:p>
+            <a:pPr algn="ctr"/>
+            <a:endParaRPr lang="ko-KR" altLang="en-US" sz="1000" dirty="0">
+              <a:solidFill>
+                <a:schemeClr val="tx1"/>
+              </a:solidFill>
+            </a:endParaRPr>
+          </a:p>
+        </p:txBody>
+      </p:sp>
+      <p:sp>
+        <p:nvSpPr>
+          <p:cNvPr id="25" name="TextBox 24"/>
+          <p:cNvSpPr txBox="1"/>
+          <p:nvPr/>
+        </p:nvSpPr>
+        <p:spPr>
+          <a:xfrm>
+            <a:off x="774304" y="4293096"/>
+            <a:ext cx="1107996" cy="369332"/>
+          </a:xfrm>
+          <a:prstGeom prst="rect">
+            <a:avLst/>
+          </a:prstGeom>
+          <a:noFill/>
+        </p:spPr>
+        <p:txBody>
+          <a:bodyPr wrap="none" rtlCol="0">
+            <a:spAutoFit/>
+          </a:bodyPr>
+          <a:lstStyle/>
+          <a:p>
+            <a:r>
+              <a:rPr lang="ko-KR" altLang="en-US" dirty="0" smtClean="0"/>
+              <a:t>결제수단</a:t>
+            </a:r>
+            <a:endParaRPr lang="ko-KR" altLang="en-US" dirty="0"/>
+          </a:p>
+        </p:txBody>
+      </p:sp>
+      <p:sp>
+        <p:nvSpPr>
+          <p:cNvPr id="3" name="TextBox 2"/>
+          <p:cNvSpPr txBox="1"/>
+          <p:nvPr/>
+        </p:nvSpPr>
+        <p:spPr>
+          <a:xfrm>
+            <a:off x="2422986" y="1952660"/>
+            <a:ext cx="4262705" cy="369332"/>
+          </a:xfrm>
+          <a:prstGeom prst="rect">
+            <a:avLst/>
+          </a:prstGeom>
+          <a:noFill/>
+        </p:spPr>
+        <p:txBody>
+          <a:bodyPr wrap="none" rtlCol="0">
+            <a:spAutoFit/>
+          </a:bodyPr>
+          <a:lstStyle/>
+          <a:p>
+            <a:r>
+              <a:rPr lang="ko-KR" altLang="en-US" dirty="0" err="1" smtClean="0"/>
+              <a:t>수령지</a:t>
+            </a:r>
+            <a:r>
+              <a:rPr lang="en-US" altLang="ko-KR" dirty="0" smtClean="0"/>
+              <a:t>,</a:t>
+            </a:r>
+            <a:r>
+              <a:rPr lang="ko-KR" altLang="en-US" dirty="0" smtClean="0"/>
+              <a:t>수령인</a:t>
+            </a:r>
+            <a:r>
+              <a:rPr lang="en-US" altLang="ko-KR" dirty="0" smtClean="0"/>
+              <a:t>,</a:t>
+            </a:r>
+            <a:r>
+              <a:rPr lang="ko-KR" altLang="en-US" dirty="0" smtClean="0"/>
+              <a:t>수령인번호</a:t>
+            </a:r>
+            <a:r>
+              <a:rPr lang="en-US" altLang="ko-KR" dirty="0" smtClean="0"/>
+              <a:t>,</a:t>
+            </a:r>
+            <a:r>
+              <a:rPr lang="ko-KR" altLang="en-US" dirty="0" smtClean="0"/>
+              <a:t>고객요청사항</a:t>
+            </a:r>
+            <a:endParaRPr lang="ko-KR" altLang="en-US" dirty="0"/>
+          </a:p>
+        </p:txBody>
+      </p:sp>
+      <p:sp>
+        <p:nvSpPr>
+          <p:cNvPr id="26" name="TextBox 25"/>
+          <p:cNvSpPr txBox="1"/>
+          <p:nvPr/>
+        </p:nvSpPr>
+        <p:spPr>
+          <a:xfrm>
+            <a:off x="2452936" y="3136434"/>
+            <a:ext cx="4176464" cy="369332"/>
+          </a:xfrm>
+          <a:prstGeom prst="rect">
+            <a:avLst/>
+          </a:prstGeom>
+          <a:noFill/>
+        </p:spPr>
+        <p:txBody>
+          <a:bodyPr wrap="square" rtlCol="0">
+            <a:spAutoFit/>
+          </a:bodyPr>
+          <a:lstStyle/>
+          <a:p>
+            <a:r>
+              <a:rPr lang="ko-KR" altLang="en-US" dirty="0" err="1" smtClean="0"/>
+              <a:t>총금액</a:t>
+            </a:r>
+            <a:r>
+              <a:rPr lang="en-US" altLang="ko-KR" dirty="0" smtClean="0"/>
+              <a:t>, </a:t>
+            </a:r>
+            <a:r>
+              <a:rPr lang="ko-KR" altLang="en-US" dirty="0" err="1" smtClean="0"/>
+              <a:t>배송비</a:t>
+            </a:r>
+            <a:endParaRPr lang="ko-KR" altLang="en-US" dirty="0"/>
+          </a:p>
+        </p:txBody>
+      </p:sp>
+      <p:sp>
+        <p:nvSpPr>
+          <p:cNvPr id="27" name="TextBox 26"/>
+          <p:cNvSpPr txBox="1"/>
+          <p:nvPr/>
+        </p:nvSpPr>
+        <p:spPr>
+          <a:xfrm>
+            <a:off x="2422986" y="837764"/>
+            <a:ext cx="5791472" cy="369332"/>
+          </a:xfrm>
+          <a:prstGeom prst="rect">
+            <a:avLst/>
+          </a:prstGeom>
+          <a:noFill/>
+        </p:spPr>
+        <p:txBody>
+          <a:bodyPr wrap="square" rtlCol="0">
+            <a:spAutoFit/>
+          </a:bodyPr>
+          <a:lstStyle/>
+          <a:p>
+            <a:r>
+              <a:rPr lang="ko-KR" altLang="en-US" dirty="0" smtClean="0"/>
+              <a:t>회원정보</a:t>
+            </a:r>
+            <a:r>
+              <a:rPr lang="en-US" altLang="ko-KR" dirty="0" smtClean="0"/>
+              <a:t>(</a:t>
+            </a:r>
+            <a:r>
+              <a:rPr lang="ko-KR" altLang="en-US" dirty="0" err="1" smtClean="0"/>
+              <a:t>가입시</a:t>
+            </a:r>
+            <a:r>
+              <a:rPr lang="ko-KR" altLang="en-US" dirty="0" smtClean="0"/>
+              <a:t> 등록한 이름</a:t>
+            </a:r>
+            <a:r>
+              <a:rPr lang="en-US" altLang="ko-KR" dirty="0" smtClean="0"/>
+              <a:t>,</a:t>
+            </a:r>
+            <a:r>
+              <a:rPr lang="ko-KR" altLang="en-US" dirty="0" smtClean="0"/>
+              <a:t>주소</a:t>
+            </a:r>
+            <a:r>
+              <a:rPr lang="en-US" altLang="ko-KR" dirty="0" smtClean="0"/>
+              <a:t>,</a:t>
+            </a:r>
+            <a:r>
+              <a:rPr lang="ko-KR" altLang="en-US" dirty="0" smtClean="0"/>
+              <a:t>번호</a:t>
+            </a:r>
+            <a:r>
+              <a:rPr lang="en-US" altLang="ko-KR" dirty="0" smtClean="0"/>
+              <a:t>,</a:t>
+            </a:r>
+            <a:r>
+              <a:rPr lang="ko-KR" altLang="en-US" dirty="0" err="1" smtClean="0"/>
+              <a:t>이메일</a:t>
+            </a:r>
+            <a:r>
+              <a:rPr lang="en-US" altLang="ko-KR" dirty="0" smtClean="0"/>
+              <a:t>)</a:t>
+            </a:r>
+            <a:endParaRPr lang="ko-KR" altLang="en-US" dirty="0"/>
+          </a:p>
+        </p:txBody>
+      </p:sp>
+      <p:sp>
+        <p:nvSpPr>
+          <p:cNvPr id="28" name="TextBox 27"/>
+          <p:cNvSpPr txBox="1"/>
+          <p:nvPr/>
+        </p:nvSpPr>
+        <p:spPr>
+          <a:xfrm>
+            <a:off x="2572062" y="1232084"/>
+            <a:ext cx="5791472" cy="369332"/>
+          </a:xfrm>
+          <a:prstGeom prst="rect">
+            <a:avLst/>
+          </a:prstGeom>
+          <a:noFill/>
+        </p:spPr>
+        <p:txBody>
+          <a:bodyPr wrap="square" rtlCol="0">
+            <a:spAutoFit/>
+          </a:bodyPr>
+          <a:lstStyle/>
+          <a:p>
+            <a:r>
+              <a:rPr lang="ko-KR" altLang="en-US" dirty="0" smtClean="0"/>
+              <a:t>비회원은</a:t>
+            </a:r>
+            <a:endParaRPr lang="ko-KR" altLang="en-US" dirty="0"/>
+          </a:p>
+        </p:txBody>
+      </p:sp>
     </p:spTree>
     <p:extLst>
       <p:ext uri="{BB962C8B-B14F-4D97-AF65-F5344CB8AC3E}">
@@ -6317,7 +7391,7 @@
 </p:sld>
 </file>
 
-<file path=ppt/slides/slide11.xml><?xml version="1.0" encoding="utf-8"?>
+<file path=ppt/slides/slide12.xml><?xml version="1.0" encoding="utf-8"?>
 <p:sld xmlns:a="http://schemas.openxmlformats.org/drawingml/2006/main" xmlns:r="http://schemas.openxmlformats.org/officeDocument/2006/relationships" xmlns:p="http://schemas.openxmlformats.org/presentationml/2006/main">
   <p:cSld>
     <p:spTree>
@@ -16518,457 +17592,10 @@
           </a:extLst>
         </p:spPr>
       </p:pic>
-      <p:sp>
-        <p:nvSpPr>
-          <p:cNvPr id="15" name="직사각형 14"/>
-          <p:cNvSpPr/>
-          <p:nvPr/>
-        </p:nvSpPr>
-        <p:spPr>
-          <a:xfrm>
-            <a:off x="251520" y="2032535"/>
-            <a:ext cx="1403648" cy="363682"/>
-          </a:xfrm>
-          <a:prstGeom prst="rect">
-            <a:avLst/>
-          </a:prstGeom>
-          <a:noFill/>
-          <a:ln w="9525">
-            <a:solidFill>
-              <a:schemeClr val="tx1"/>
-            </a:solidFill>
-          </a:ln>
-        </p:spPr>
-        <p:style>
-          <a:lnRef idx="2">
-            <a:schemeClr val="accent1">
-              <a:shade val="50000"/>
-            </a:schemeClr>
-          </a:lnRef>
-          <a:fillRef idx="1">
-            <a:schemeClr val="accent1"/>
-          </a:fillRef>
-          <a:effectRef idx="0">
-            <a:schemeClr val="accent1"/>
-          </a:effectRef>
-          <a:fontRef idx="minor">
-            <a:schemeClr val="lt1"/>
-          </a:fontRef>
-        </p:style>
-        <p:txBody>
-          <a:bodyPr rtlCol="0" anchor="ctr"/>
-          <a:lstStyle/>
-          <a:p>
-            <a:pPr algn="ctr"/>
-            <a:endParaRPr lang="ko-KR" altLang="en-US" sz="1000" dirty="0">
-              <a:solidFill>
-                <a:schemeClr val="tx1"/>
-              </a:solidFill>
-            </a:endParaRPr>
-          </a:p>
-        </p:txBody>
-      </p:sp>
-      <p:sp>
-        <p:nvSpPr>
-          <p:cNvPr id="16" name="TextBox 15"/>
-          <p:cNvSpPr txBox="1"/>
-          <p:nvPr/>
-        </p:nvSpPr>
-        <p:spPr>
-          <a:xfrm>
-            <a:off x="251520" y="2042804"/>
-            <a:ext cx="1152128" cy="369332"/>
-          </a:xfrm>
-          <a:prstGeom prst="rect">
-            <a:avLst/>
-          </a:prstGeom>
-          <a:noFill/>
-        </p:spPr>
-        <p:txBody>
-          <a:bodyPr wrap="square" rtlCol="0">
-            <a:spAutoFit/>
-          </a:bodyPr>
-          <a:lstStyle/>
-          <a:p>
-            <a:r>
-              <a:rPr lang="en-US" altLang="ko-KR" dirty="0" smtClean="0"/>
-              <a:t>|</a:t>
-            </a:r>
-            <a:r>
-              <a:rPr lang="ko-KR" altLang="en-US" dirty="0" smtClean="0"/>
-              <a:t>주문내</a:t>
-            </a:r>
-            <a:r>
-              <a:rPr lang="ko-KR" altLang="en-US" dirty="0"/>
-              <a:t>역</a:t>
-            </a:r>
-          </a:p>
-        </p:txBody>
-      </p:sp>
-      <p:graphicFrame>
-        <p:nvGraphicFramePr>
-          <p:cNvPr id="3" name="표 2"/>
-          <p:cNvGraphicFramePr>
-            <a:graphicFrameLocks noGrp="1"/>
-          </p:cNvGraphicFramePr>
-          <p:nvPr>
-            <p:extLst>
-              <p:ext uri="{D42A27DB-BD31-4B8C-83A1-F6EECF244321}">
-                <p14:modId xmlns:p14="http://schemas.microsoft.com/office/powerpoint/2010/main" val="356509444"/>
-              </p:ext>
-            </p:extLst>
-          </p:nvPr>
-        </p:nvGraphicFramePr>
-        <p:xfrm>
-          <a:off x="316421" y="2636912"/>
-          <a:ext cx="8072003" cy="1404352"/>
-        </p:xfrm>
-        <a:graphic>
-          <a:graphicData uri="http://schemas.openxmlformats.org/drawingml/2006/table">
-            <a:tbl>
-              <a:tblPr firstRow="1" bandRow="1">
-                <a:tableStyleId>{6E25E649-3F16-4E02-A733-19D2CDBF48F0}</a:tableStyleId>
-              </a:tblPr>
-              <a:tblGrid>
-                <a:gridCol w="1763491"/>
-                <a:gridCol w="1603859"/>
-                <a:gridCol w="1492520"/>
-                <a:gridCol w="1608274"/>
-                <a:gridCol w="1603859"/>
-              </a:tblGrid>
-              <a:tr h="149736">
-                <a:tc>
-                  <a:txBody>
-                    <a:bodyPr/>
-                    <a:lstStyle/>
-                    <a:p>
-                      <a:pPr latinLnBrk="1"/>
-                      <a:r>
-                        <a:rPr lang="ko-KR" altLang="en-US" sz="1400" dirty="0" smtClean="0"/>
-                        <a:t>주문번호</a:t>
-                      </a:r>
-                      <a:endParaRPr lang="ko-KR" altLang="en-US" sz="1400" dirty="0"/>
-                    </a:p>
-                  </a:txBody>
-                  <a:tcPr/>
-                </a:tc>
-                <a:tc>
-                  <a:txBody>
-                    <a:bodyPr/>
-                    <a:lstStyle/>
-                    <a:p>
-                      <a:pPr latinLnBrk="1"/>
-                      <a:r>
-                        <a:rPr lang="ko-KR" altLang="en-US" sz="1400" dirty="0" smtClean="0"/>
-                        <a:t>제품명</a:t>
-                      </a:r>
-                      <a:endParaRPr lang="ko-KR" altLang="en-US" sz="1400" dirty="0"/>
-                    </a:p>
-                  </a:txBody>
-                  <a:tcPr/>
-                </a:tc>
-                <a:tc>
-                  <a:txBody>
-                    <a:bodyPr/>
-                    <a:lstStyle/>
-                    <a:p>
-                      <a:pPr latinLnBrk="1"/>
-                      <a:r>
-                        <a:rPr lang="ko-KR" altLang="en-US" sz="1400" dirty="0" smtClean="0"/>
-                        <a:t>금액</a:t>
-                      </a:r>
-                      <a:endParaRPr lang="ko-KR" altLang="en-US" sz="1400" dirty="0"/>
-                    </a:p>
-                  </a:txBody>
-                  <a:tcPr/>
-                </a:tc>
-                <a:tc>
-                  <a:txBody>
-                    <a:bodyPr/>
-                    <a:lstStyle/>
-                    <a:p>
-                      <a:pPr latinLnBrk="1"/>
-                      <a:r>
-                        <a:rPr lang="ko-KR" altLang="en-US" sz="1400" dirty="0" smtClean="0"/>
-                        <a:t>주문일</a:t>
-                      </a:r>
-                      <a:endParaRPr lang="ko-KR" altLang="en-US" sz="1400" dirty="0"/>
-                    </a:p>
-                  </a:txBody>
-                  <a:tcPr/>
-                </a:tc>
-                <a:tc>
-                  <a:txBody>
-                    <a:bodyPr/>
-                    <a:lstStyle/>
-                    <a:p>
-                      <a:pPr latinLnBrk="1"/>
-                      <a:r>
-                        <a:rPr lang="ko-KR" altLang="en-US" sz="1400" dirty="0" smtClean="0"/>
-                        <a:t>수량</a:t>
-                      </a:r>
-                      <a:endParaRPr lang="ko-KR" altLang="en-US" sz="1400" dirty="0"/>
-                    </a:p>
-                  </a:txBody>
-                  <a:tcPr/>
-                </a:tc>
-              </a:tr>
-              <a:tr h="368032">
-                <a:tc>
-                  <a:txBody>
-                    <a:bodyPr/>
-                    <a:lstStyle/>
-                    <a:p>
-                      <a:pPr algn="r" latinLnBrk="1"/>
-                      <a:endParaRPr lang="ko-KR" altLang="en-US" sz="1400"/>
-                    </a:p>
-                  </a:txBody>
-                  <a:tcPr/>
-                </a:tc>
-                <a:tc>
-                  <a:txBody>
-                    <a:bodyPr/>
-                    <a:lstStyle/>
-                    <a:p>
-                      <a:pPr latinLnBrk="1"/>
-                      <a:endParaRPr lang="ko-KR" altLang="en-US" sz="1400" dirty="0"/>
-                    </a:p>
-                  </a:txBody>
-                  <a:tcPr/>
-                </a:tc>
-                <a:tc>
-                  <a:txBody>
-                    <a:bodyPr/>
-                    <a:lstStyle/>
-                    <a:p>
-                      <a:pPr latinLnBrk="1"/>
-                      <a:endParaRPr lang="ko-KR" altLang="en-US" sz="1400" dirty="0"/>
-                    </a:p>
-                  </a:txBody>
-                  <a:tcPr/>
-                </a:tc>
-                <a:tc>
-                  <a:txBody>
-                    <a:bodyPr/>
-                    <a:lstStyle/>
-                    <a:p>
-                      <a:pPr latinLnBrk="1"/>
-                      <a:endParaRPr lang="ko-KR" altLang="en-US" sz="1400" dirty="0"/>
-                    </a:p>
-                  </a:txBody>
-                  <a:tcPr/>
-                </a:tc>
-                <a:tc>
-                  <a:txBody>
-                    <a:bodyPr/>
-                    <a:lstStyle/>
-                    <a:p>
-                      <a:pPr latinLnBrk="1"/>
-                      <a:endParaRPr lang="ko-KR" altLang="en-US" sz="1400" dirty="0"/>
-                    </a:p>
-                  </a:txBody>
-                  <a:tcPr/>
-                </a:tc>
-              </a:tr>
-              <a:tr h="370840">
-                <a:tc gridSpan="5">
-                  <a:txBody>
-                    <a:bodyPr/>
-                    <a:lstStyle/>
-                    <a:p>
-                      <a:pPr algn="r" latinLnBrk="1"/>
-                      <a:r>
-                        <a:rPr lang="ko-KR" altLang="en-US" sz="1400" dirty="0" err="1" smtClean="0"/>
-                        <a:t>총금액</a:t>
-                      </a:r>
-                      <a:endParaRPr lang="en-US" altLang="ko-KR" sz="1400" dirty="0" smtClean="0"/>
-                    </a:p>
-                    <a:p>
-                      <a:pPr algn="r" latinLnBrk="1"/>
-                      <a:r>
-                        <a:rPr lang="ko-KR" altLang="en-US" sz="1400" dirty="0" err="1" smtClean="0"/>
-                        <a:t>배송비</a:t>
-                      </a:r>
-                      <a:endParaRPr lang="en-US" altLang="ko-KR" sz="1400" dirty="0" smtClean="0"/>
-                    </a:p>
-                    <a:p>
-                      <a:pPr algn="r" latinLnBrk="1"/>
-                      <a:r>
-                        <a:rPr lang="ko-KR" altLang="en-US" sz="1400" dirty="0" smtClean="0"/>
-                        <a:t>합계</a:t>
-                      </a:r>
-                      <a:endParaRPr lang="ko-KR" altLang="en-US" sz="1400" dirty="0"/>
-                    </a:p>
-                  </a:txBody>
-                  <a:tcPr/>
-                </a:tc>
-                <a:tc hMerge="1">
-                  <a:txBody>
-                    <a:bodyPr/>
-                    <a:lstStyle/>
-                    <a:p>
-                      <a:pPr latinLnBrk="1"/>
-                      <a:endParaRPr lang="ko-KR" altLang="en-US" dirty="0"/>
-                    </a:p>
-                  </a:txBody>
-                  <a:tcPr/>
-                </a:tc>
-                <a:tc hMerge="1">
-                  <a:txBody>
-                    <a:bodyPr/>
-                    <a:lstStyle/>
-                    <a:p>
-                      <a:pPr latinLnBrk="1"/>
-                      <a:endParaRPr lang="ko-KR" altLang="en-US" dirty="0"/>
-                    </a:p>
-                  </a:txBody>
-                  <a:tcPr/>
-                </a:tc>
-                <a:tc hMerge="1">
-                  <a:txBody>
-                    <a:bodyPr/>
-                    <a:lstStyle/>
-                    <a:p>
-                      <a:pPr latinLnBrk="1"/>
-                      <a:endParaRPr lang="ko-KR" altLang="en-US" dirty="0"/>
-                    </a:p>
-                  </a:txBody>
-                  <a:tcPr/>
-                </a:tc>
-                <a:tc hMerge="1">
-                  <a:txBody>
-                    <a:bodyPr/>
-                    <a:lstStyle/>
-                    <a:p>
-                      <a:pPr latinLnBrk="1"/>
-                      <a:endParaRPr lang="ko-KR" altLang="en-US"/>
-                    </a:p>
-                  </a:txBody>
-                  <a:tcPr/>
-                </a:tc>
-              </a:tr>
-            </a:tbl>
-          </a:graphicData>
-        </a:graphic>
-      </p:graphicFrame>
-      <p:sp>
-        <p:nvSpPr>
-          <p:cNvPr id="21" name="직사각형 20"/>
-          <p:cNvSpPr/>
-          <p:nvPr/>
-        </p:nvSpPr>
-        <p:spPr>
-          <a:xfrm>
-            <a:off x="270372" y="4210819"/>
-            <a:ext cx="1403648" cy="363682"/>
-          </a:xfrm>
-          <a:prstGeom prst="rect">
-            <a:avLst/>
-          </a:prstGeom>
-          <a:noFill/>
-          <a:ln w="9525">
-            <a:solidFill>
-              <a:schemeClr val="tx1"/>
-            </a:solidFill>
-          </a:ln>
-        </p:spPr>
-        <p:style>
-          <a:lnRef idx="2">
-            <a:schemeClr val="accent1">
-              <a:shade val="50000"/>
-            </a:schemeClr>
-          </a:lnRef>
-          <a:fillRef idx="1">
-            <a:schemeClr val="accent1"/>
-          </a:fillRef>
-          <a:effectRef idx="0">
-            <a:schemeClr val="accent1"/>
-          </a:effectRef>
-          <a:fontRef idx="minor">
-            <a:schemeClr val="lt1"/>
-          </a:fontRef>
-        </p:style>
-        <p:txBody>
-          <a:bodyPr rtlCol="0" anchor="ctr"/>
-          <a:lstStyle/>
-          <a:p>
-            <a:pPr algn="ctr"/>
-            <a:endParaRPr lang="ko-KR" altLang="en-US" sz="1000" dirty="0">
-              <a:solidFill>
-                <a:schemeClr val="tx1"/>
-              </a:solidFill>
-            </a:endParaRPr>
-          </a:p>
-        </p:txBody>
-      </p:sp>
-      <p:sp>
-        <p:nvSpPr>
-          <p:cNvPr id="22" name="TextBox 21"/>
-          <p:cNvSpPr txBox="1"/>
-          <p:nvPr/>
-        </p:nvSpPr>
-        <p:spPr>
-          <a:xfrm>
-            <a:off x="270372" y="4221088"/>
-            <a:ext cx="1152128" cy="369332"/>
-          </a:xfrm>
-          <a:prstGeom prst="rect">
-            <a:avLst/>
-          </a:prstGeom>
-          <a:noFill/>
-        </p:spPr>
-        <p:txBody>
-          <a:bodyPr wrap="square" rtlCol="0">
-            <a:spAutoFit/>
-          </a:bodyPr>
-          <a:lstStyle/>
-          <a:p>
-            <a:r>
-              <a:rPr lang="en-US" altLang="ko-KR" dirty="0" smtClean="0"/>
-              <a:t>|</a:t>
-            </a:r>
-            <a:r>
-              <a:rPr lang="ko-KR" altLang="en-US" dirty="0" smtClean="0"/>
-              <a:t>주문하기</a:t>
-            </a:r>
-            <a:endParaRPr lang="ko-KR" altLang="en-US" dirty="0"/>
-          </a:p>
-        </p:txBody>
-      </p:sp>
-      <p:sp>
-        <p:nvSpPr>
-          <p:cNvPr id="23" name="TextBox 22"/>
-          <p:cNvSpPr txBox="1"/>
-          <p:nvPr/>
-        </p:nvSpPr>
-        <p:spPr>
-          <a:xfrm>
-            <a:off x="3636766" y="5085184"/>
-            <a:ext cx="2447402" cy="369332"/>
-          </a:xfrm>
-          <a:prstGeom prst="rect">
-            <a:avLst/>
-          </a:prstGeom>
-          <a:noFill/>
-        </p:spPr>
-        <p:txBody>
-          <a:bodyPr wrap="square" rtlCol="0">
-            <a:spAutoFit/>
-          </a:bodyPr>
-          <a:lstStyle/>
-          <a:p>
-            <a:r>
-              <a:rPr lang="ko-KR" altLang="en-US" dirty="0" smtClean="0"/>
-              <a:t>다음 페이지에 구현</a:t>
-            </a:r>
-            <a:endParaRPr lang="ko-KR" altLang="en-US" dirty="0"/>
-          </a:p>
-        </p:txBody>
-      </p:sp>
     </p:spTree>
     <p:extLst>
       <p:ext uri="{BB962C8B-B14F-4D97-AF65-F5344CB8AC3E}">
-        <p14:creationId xmlns:p14="http://schemas.microsoft.com/office/powerpoint/2010/main" val="3125219570"/>
+        <p14:creationId xmlns:p14="http://schemas.microsoft.com/office/powerpoint/2010/main" val="1125978878"/>
       </p:ext>
     </p:extLst>
   </p:cSld>
@@ -16997,14 +17624,14 @@
       </p:grpSpPr>
       <p:sp>
         <p:nvSpPr>
-          <p:cNvPr id="17" name="직사각형 16"/>
+          <p:cNvPr id="4" name="직사각형 3"/>
           <p:cNvSpPr/>
           <p:nvPr/>
         </p:nvSpPr>
         <p:spPr>
           <a:xfrm>
-            <a:off x="179512" y="178371"/>
-            <a:ext cx="1403648" cy="363682"/>
+            <a:off x="0" y="188640"/>
+            <a:ext cx="9144000" cy="1296145"/>
           </a:xfrm>
           <a:prstGeom prst="rect">
             <a:avLst/>
@@ -17047,48 +17674,74 @@
       </p:sp>
       <p:sp>
         <p:nvSpPr>
-          <p:cNvPr id="18" name="TextBox 17"/>
+          <p:cNvPr id="5" name="TextBox 4"/>
           <p:cNvSpPr txBox="1"/>
           <p:nvPr/>
         </p:nvSpPr>
         <p:spPr>
           <a:xfrm>
-            <a:off x="179512" y="188640"/>
-            <a:ext cx="1152128" cy="369332"/>
-          </a:xfrm>
-          <a:prstGeom prst="rect">
-            <a:avLst/>
-          </a:prstGeom>
-          <a:noFill/>
-        </p:spPr>
-        <p:txBody>
-          <a:bodyPr wrap="square" rtlCol="0">
+            <a:off x="6286542" y="-1"/>
+            <a:ext cx="2661306" cy="507831"/>
+          </a:xfrm>
+          <a:prstGeom prst="rect">
+            <a:avLst/>
+          </a:prstGeom>
+          <a:noFill/>
+        </p:spPr>
+        <p:txBody>
+          <a:bodyPr wrap="none" rtlCol="0">
             <a:spAutoFit/>
           </a:bodyPr>
           <a:lstStyle/>
           <a:p>
             <a:r>
-              <a:rPr lang="en-US" altLang="ko-KR" dirty="0" smtClean="0"/>
-              <a:t>|</a:t>
-            </a:r>
-            <a:r>
-              <a:rPr lang="ko-KR" altLang="en-US" dirty="0" smtClean="0"/>
-              <a:t>주문하기</a:t>
-            </a:r>
+              <a:rPr lang="en-US" altLang="ko-KR" sz="900" dirty="0" smtClean="0"/>
+              <a:t>Home | </a:t>
+            </a:r>
+            <a:r>
+              <a:rPr lang="ko-KR" altLang="en-US" sz="900" dirty="0" smtClean="0"/>
+              <a:t>로그인 </a:t>
+            </a:r>
+            <a:r>
+              <a:rPr lang="en-US" altLang="ko-KR" sz="900" dirty="0" smtClean="0"/>
+              <a:t>| </a:t>
+            </a:r>
+            <a:r>
+              <a:rPr lang="ko-KR" altLang="en-US" sz="900" dirty="0" smtClean="0"/>
+              <a:t>회원가입 </a:t>
+            </a:r>
+            <a:r>
+              <a:rPr lang="en-US" altLang="ko-KR" sz="900" dirty="0" smtClean="0"/>
+              <a:t>| </a:t>
+            </a:r>
+            <a:r>
+              <a:rPr lang="ko-KR" altLang="en-US" sz="900" dirty="0" smtClean="0"/>
+              <a:t>장바구니 </a:t>
+            </a:r>
+            <a:r>
+              <a:rPr lang="en-US" altLang="ko-KR" sz="900" dirty="0" smtClean="0"/>
+              <a:t>| </a:t>
+            </a:r>
+            <a:r>
+              <a:rPr lang="ko-KR" altLang="en-US" sz="900" dirty="0" smtClean="0"/>
+              <a:t>정보수정</a:t>
+            </a:r>
+          </a:p>
+          <a:p>
             <a:endParaRPr lang="ko-KR" altLang="en-US" dirty="0"/>
           </a:p>
         </p:txBody>
       </p:sp>
       <p:sp>
         <p:nvSpPr>
-          <p:cNvPr id="19" name="직사각형 18"/>
+          <p:cNvPr id="6" name="직사각형 5"/>
           <p:cNvSpPr/>
           <p:nvPr/>
         </p:nvSpPr>
         <p:spPr>
           <a:xfrm>
-            <a:off x="152400" y="764704"/>
-            <a:ext cx="8740080" cy="836712"/>
+            <a:off x="2915816" y="433160"/>
+            <a:ext cx="3240360" cy="864096"/>
           </a:xfrm>
           <a:prstGeom prst="rect">
             <a:avLst/>
@@ -17121,54 +17774,20 @@
           <a:lstStyle/>
           <a:p>
             <a:pPr algn="ctr"/>
-            <a:endParaRPr lang="ko-KR" altLang="en-US" sz="1000" dirty="0">
-              <a:solidFill>
-                <a:schemeClr val="tx1"/>
-              </a:solidFill>
-            </a:endParaRPr>
-          </a:p>
-        </p:txBody>
-      </p:sp>
-      <p:sp>
-        <p:nvSpPr>
-          <p:cNvPr id="2" name="TextBox 1"/>
-          <p:cNvSpPr txBox="1"/>
-          <p:nvPr/>
-        </p:nvSpPr>
-        <p:spPr>
-          <a:xfrm>
-            <a:off x="755576" y="1052736"/>
-            <a:ext cx="1420582" cy="369332"/>
-          </a:xfrm>
-          <a:prstGeom prst="rect">
-            <a:avLst/>
-          </a:prstGeom>
-          <a:noFill/>
-        </p:spPr>
-        <p:txBody>
-          <a:bodyPr wrap="none" rtlCol="0">
-            <a:spAutoFit/>
-          </a:bodyPr>
-          <a:lstStyle/>
-          <a:p>
-            <a:r>
-              <a:rPr lang="ko-KR" altLang="en-US" dirty="0" smtClean="0"/>
-              <a:t>주문자 정보</a:t>
-            </a:r>
-            <a:endParaRPr lang="ko-KR" altLang="en-US" dirty="0"/>
-          </a:p>
-        </p:txBody>
-      </p:sp>
-      <p:sp>
-        <p:nvSpPr>
-          <p:cNvPr id="20" name="직사각형 19"/>
+            <a:endParaRPr lang="ko-KR" altLang="en-US" b="1" dirty="0"/>
+          </a:p>
+        </p:txBody>
+      </p:sp>
+      <p:sp>
+        <p:nvSpPr>
+          <p:cNvPr id="7" name="직사각형 6"/>
           <p:cNvSpPr/>
           <p:nvPr/>
         </p:nvSpPr>
         <p:spPr>
           <a:xfrm>
-            <a:off x="152400" y="1844824"/>
-            <a:ext cx="8740080" cy="836712"/>
+            <a:off x="6804248" y="1575713"/>
+            <a:ext cx="2239732" cy="267333"/>
           </a:xfrm>
           <a:prstGeom prst="rect">
             <a:avLst/>
@@ -17201,24 +17820,20 @@
           <a:lstStyle/>
           <a:p>
             <a:pPr algn="ctr"/>
-            <a:endParaRPr lang="ko-KR" altLang="en-US" sz="1000" dirty="0">
-              <a:solidFill>
-                <a:schemeClr val="tx1"/>
-              </a:solidFill>
-            </a:endParaRPr>
-          </a:p>
-        </p:txBody>
-      </p:sp>
-      <p:sp>
-        <p:nvSpPr>
-          <p:cNvPr id="21" name="TextBox 20"/>
+            <a:endParaRPr lang="ko-KR" altLang="en-US"/>
+          </a:p>
+        </p:txBody>
+      </p:sp>
+      <p:sp>
+        <p:nvSpPr>
+          <p:cNvPr id="8" name="TextBox 7"/>
           <p:cNvSpPr txBox="1"/>
           <p:nvPr/>
         </p:nvSpPr>
         <p:spPr>
           <a:xfrm>
-            <a:off x="755576" y="2132856"/>
-            <a:ext cx="1107996" cy="369332"/>
+            <a:off x="4212830" y="680542"/>
+            <a:ext cx="646331" cy="369332"/>
           </a:xfrm>
           <a:prstGeom prst="rect">
             <a:avLst/>
@@ -17233,7 +17848,7 @@
           <a:p>
             <a:r>
               <a:rPr lang="ko-KR" altLang="en-US" dirty="0" smtClean="0"/>
-              <a:t>배송정보</a:t>
+              <a:t>로고</a:t>
             </a:r>
             <a:endParaRPr lang="ko-KR" altLang="en-US" dirty="0"/>
           </a:p>
@@ -17241,14 +17856,14 @@
       </p:sp>
       <p:sp>
         <p:nvSpPr>
-          <p:cNvPr id="22" name="직사각형 21"/>
+          <p:cNvPr id="9" name="직사각형 8"/>
           <p:cNvSpPr/>
           <p:nvPr/>
         </p:nvSpPr>
         <p:spPr>
           <a:xfrm>
-            <a:off x="152400" y="2924944"/>
-            <a:ext cx="8740080" cy="836712"/>
+            <a:off x="0" y="1532372"/>
+            <a:ext cx="9144000" cy="363682"/>
           </a:xfrm>
           <a:prstGeom prst="rect">
             <a:avLst/>
@@ -17291,14 +17906,136 @@
       </p:sp>
       <p:sp>
         <p:nvSpPr>
-          <p:cNvPr id="23" name="TextBox 22"/>
+          <p:cNvPr id="10" name="TextBox 9"/>
           <p:cNvSpPr txBox="1"/>
           <p:nvPr/>
         </p:nvSpPr>
         <p:spPr>
           <a:xfrm>
-            <a:off x="543472" y="3158634"/>
-            <a:ext cx="1569660" cy="369332"/>
+            <a:off x="107504" y="1566047"/>
+            <a:ext cx="6837239" cy="276999"/>
+          </a:xfrm>
+          <a:prstGeom prst="rect">
+            <a:avLst/>
+          </a:prstGeom>
+          <a:noFill/>
+        </p:spPr>
+        <p:txBody>
+          <a:bodyPr wrap="square" rtlCol="0">
+            <a:spAutoFit/>
+          </a:bodyPr>
+          <a:lstStyle/>
+          <a:p>
+            <a:r>
+              <a:rPr lang="ko-KR" altLang="en-US" sz="1200" dirty="0" smtClean="0"/>
+              <a:t>실 </a:t>
+            </a:r>
+            <a:r>
+              <a:rPr lang="en-US" altLang="ko-KR" sz="1200" dirty="0" smtClean="0"/>
+              <a:t>| </a:t>
+            </a:r>
+            <a:r>
+              <a:rPr lang="ko-KR" altLang="en-US" sz="1200" dirty="0" smtClean="0"/>
+              <a:t>공구 </a:t>
+            </a:r>
+            <a:r>
+              <a:rPr lang="en-US" altLang="ko-KR" sz="1200" dirty="0" smtClean="0"/>
+              <a:t>| </a:t>
+            </a:r>
+            <a:r>
+              <a:rPr lang="ko-KR" altLang="en-US" sz="1200" dirty="0" err="1" smtClean="0"/>
+              <a:t>엣지코트</a:t>
+            </a:r>
+            <a:r>
+              <a:rPr lang="en-US" altLang="ko-KR" sz="1200" dirty="0" smtClean="0"/>
+              <a:t>&amp;</a:t>
+            </a:r>
+            <a:r>
+              <a:rPr lang="ko-KR" altLang="en-US" sz="1200" dirty="0" smtClean="0"/>
+              <a:t>염료 </a:t>
+            </a:r>
+            <a:r>
+              <a:rPr lang="en-US" altLang="ko-KR" sz="1200" dirty="0" smtClean="0"/>
+              <a:t>| </a:t>
+            </a:r>
+            <a:r>
+              <a:rPr lang="ko-KR" altLang="en-US" sz="1200" dirty="0" smtClean="0"/>
+              <a:t>본드 </a:t>
+            </a:r>
+            <a:r>
+              <a:rPr lang="en-US" altLang="ko-KR" sz="1200" dirty="0" smtClean="0"/>
+              <a:t>| </a:t>
+            </a:r>
+            <a:r>
+              <a:rPr lang="ko-KR" altLang="en-US" sz="1200" dirty="0" smtClean="0"/>
+              <a:t>금속장식</a:t>
+            </a:r>
+            <a:r>
+              <a:rPr lang="en-US" altLang="ko-KR" sz="1200" dirty="0" smtClean="0"/>
+              <a:t>&amp;</a:t>
+            </a:r>
+            <a:r>
+              <a:rPr lang="ko-KR" altLang="en-US" sz="1200" dirty="0" smtClean="0"/>
+              <a:t>도구</a:t>
+            </a:r>
+            <a:r>
+              <a:rPr lang="en-US" altLang="ko-KR" sz="1200" dirty="0" smtClean="0"/>
+              <a:t>| </a:t>
+            </a:r>
+            <a:r>
+              <a:rPr lang="ko-KR" altLang="en-US" sz="1200" dirty="0" err="1" smtClean="0"/>
+              <a:t>타공</a:t>
+            </a:r>
+            <a:r>
+              <a:rPr lang="ko-KR" altLang="en-US" sz="1200" dirty="0" smtClean="0"/>
+              <a:t> 펀치 </a:t>
+            </a:r>
+            <a:r>
+              <a:rPr lang="en-US" altLang="ko-KR" sz="1200" dirty="0" smtClean="0"/>
+              <a:t>| </a:t>
+            </a:r>
+            <a:r>
+              <a:rPr lang="ko-KR" altLang="en-US" sz="1200" dirty="0" smtClean="0"/>
+              <a:t>핸들 </a:t>
+            </a:r>
+            <a:r>
+              <a:rPr lang="ko-KR" altLang="en-US" sz="1200" dirty="0" err="1" smtClean="0"/>
+              <a:t>보강재</a:t>
+            </a:r>
+            <a:r>
+              <a:rPr lang="ko-KR" altLang="en-US" sz="1200" dirty="0" smtClean="0"/>
+              <a:t> </a:t>
+            </a:r>
+            <a:r>
+              <a:rPr lang="en-US" altLang="ko-KR" sz="1200" dirty="0" smtClean="0"/>
+              <a:t>| </a:t>
+            </a:r>
+            <a:r>
+              <a:rPr lang="ko-KR" altLang="en-US" sz="1200" dirty="0" smtClean="0"/>
+              <a:t>가죽 끈 </a:t>
+            </a:r>
+            <a:r>
+              <a:rPr lang="en-US" altLang="ko-KR" sz="1200" dirty="0" smtClean="0"/>
+              <a:t>| </a:t>
+            </a:r>
+            <a:r>
+              <a:rPr lang="ko-KR" altLang="en-US" sz="1200" dirty="0" smtClean="0"/>
+              <a:t>전체상품</a:t>
+            </a:r>
+            <a:endParaRPr lang="ko-KR" altLang="en-US" sz="1200" dirty="0"/>
+          </a:p>
+        </p:txBody>
+      </p:sp>
+      <p:sp>
+        <p:nvSpPr>
+          <p:cNvPr id="11" name="TextBox 10"/>
+          <p:cNvSpPr txBox="1"/>
+          <p:nvPr/>
+        </p:nvSpPr>
+        <p:spPr>
+          <a:xfrm>
+            <a:off x="7285410" y="1575713"/>
+            <a:ext cx="492443" cy="276999"/>
           </a:xfrm>
           <a:prstGeom prst="rect">
             <a:avLst/>
@@ -17312,23 +18049,23 @@
           <a:lstStyle/>
           <a:p>
             <a:r>
-              <a:rPr lang="ko-KR" altLang="en-US" dirty="0" smtClean="0"/>
-              <a:t>최종결제금액</a:t>
-            </a:r>
-            <a:endParaRPr lang="ko-KR" altLang="en-US" dirty="0"/>
-          </a:p>
-        </p:txBody>
-      </p:sp>
-      <p:sp>
-        <p:nvSpPr>
-          <p:cNvPr id="24" name="직사각형 23"/>
+              <a:rPr lang="ko-KR" altLang="en-US" sz="1200" dirty="0" smtClean="0"/>
+              <a:t>검색</a:t>
+            </a:r>
+            <a:endParaRPr lang="ko-KR" altLang="en-US" sz="1200" dirty="0"/>
+          </a:p>
+        </p:txBody>
+      </p:sp>
+      <p:sp>
+        <p:nvSpPr>
+          <p:cNvPr id="12" name="직사각형 11"/>
           <p:cNvSpPr/>
           <p:nvPr/>
         </p:nvSpPr>
         <p:spPr>
           <a:xfrm>
-            <a:off x="171128" y="4005064"/>
-            <a:ext cx="8740080" cy="836712"/>
+            <a:off x="0" y="-1"/>
+            <a:ext cx="9144000" cy="188641"/>
           </a:xfrm>
           <a:prstGeom prst="rect">
             <a:avLst/>
@@ -17371,230 +18108,99 @@
       </p:sp>
       <p:sp>
         <p:nvSpPr>
-          <p:cNvPr id="25" name="TextBox 24"/>
-          <p:cNvSpPr txBox="1"/>
-          <p:nvPr/>
-        </p:nvSpPr>
-        <p:spPr>
-          <a:xfrm>
-            <a:off x="774304" y="4293096"/>
-            <a:ext cx="1107996" cy="369332"/>
-          </a:xfrm>
-          <a:prstGeom prst="rect">
-            <a:avLst/>
-          </a:prstGeom>
-          <a:noFill/>
-        </p:spPr>
-        <p:txBody>
-          <a:bodyPr wrap="none" rtlCol="0">
-            <a:spAutoFit/>
-          </a:bodyPr>
-          <a:lstStyle/>
-          <a:p>
-            <a:r>
-              <a:rPr lang="ko-KR" altLang="en-US" dirty="0" smtClean="0"/>
-              <a:t>결제수단</a:t>
-            </a:r>
-            <a:endParaRPr lang="ko-KR" altLang="en-US" dirty="0"/>
-          </a:p>
-        </p:txBody>
-      </p:sp>
-      <p:sp>
-        <p:nvSpPr>
-          <p:cNvPr id="3" name="TextBox 2"/>
-          <p:cNvSpPr txBox="1"/>
-          <p:nvPr/>
-        </p:nvSpPr>
-        <p:spPr>
-          <a:xfrm>
-            <a:off x="2422986" y="1952660"/>
-            <a:ext cx="4262705" cy="369332"/>
-          </a:xfrm>
-          <a:prstGeom prst="rect">
-            <a:avLst/>
-          </a:prstGeom>
-          <a:noFill/>
-        </p:spPr>
-        <p:txBody>
-          <a:bodyPr wrap="none" rtlCol="0">
-            <a:spAutoFit/>
-          </a:bodyPr>
-          <a:lstStyle/>
-          <a:p>
-            <a:r>
-              <a:rPr lang="ko-KR" altLang="en-US" dirty="0" err="1" smtClean="0"/>
-              <a:t>수령지</a:t>
-            </a:r>
-            <a:r>
-              <a:rPr lang="en-US" altLang="ko-KR" dirty="0" smtClean="0"/>
-              <a:t>,</a:t>
-            </a:r>
-            <a:r>
-              <a:rPr lang="ko-KR" altLang="en-US" dirty="0" smtClean="0"/>
-              <a:t>수령인</a:t>
-            </a:r>
-            <a:r>
-              <a:rPr lang="en-US" altLang="ko-KR" dirty="0" smtClean="0"/>
-              <a:t>,</a:t>
-            </a:r>
-            <a:r>
-              <a:rPr lang="ko-KR" altLang="en-US" dirty="0" smtClean="0"/>
-              <a:t>수령인번호</a:t>
-            </a:r>
-            <a:r>
-              <a:rPr lang="en-US" altLang="ko-KR" dirty="0" smtClean="0"/>
-              <a:t>,</a:t>
-            </a:r>
-            <a:r>
-              <a:rPr lang="ko-KR" altLang="en-US" dirty="0" smtClean="0"/>
-              <a:t>고객요청사항</a:t>
-            </a:r>
-            <a:endParaRPr lang="ko-KR" altLang="en-US" dirty="0"/>
-          </a:p>
-        </p:txBody>
-      </p:sp>
-      <p:sp>
-        <p:nvSpPr>
-          <p:cNvPr id="26" name="TextBox 25"/>
-          <p:cNvSpPr txBox="1"/>
-          <p:nvPr/>
-        </p:nvSpPr>
-        <p:spPr>
-          <a:xfrm>
-            <a:off x="2452936" y="3136434"/>
-            <a:ext cx="4176464" cy="369332"/>
-          </a:xfrm>
-          <a:prstGeom prst="rect">
-            <a:avLst/>
-          </a:prstGeom>
-          <a:noFill/>
-        </p:spPr>
-        <p:txBody>
-          <a:bodyPr wrap="square" rtlCol="0">
-            <a:spAutoFit/>
-          </a:bodyPr>
-          <a:lstStyle/>
-          <a:p>
-            <a:r>
-              <a:rPr lang="ko-KR" altLang="en-US" dirty="0" err="1" smtClean="0"/>
-              <a:t>총금액</a:t>
-            </a:r>
-            <a:r>
-              <a:rPr lang="en-US" altLang="ko-KR" dirty="0" smtClean="0"/>
-              <a:t>, </a:t>
-            </a:r>
-            <a:r>
-              <a:rPr lang="ko-KR" altLang="en-US" dirty="0" err="1" smtClean="0"/>
-              <a:t>배송비</a:t>
-            </a:r>
-            <a:endParaRPr lang="ko-KR" altLang="en-US" dirty="0"/>
-          </a:p>
-        </p:txBody>
-      </p:sp>
-      <p:sp>
-        <p:nvSpPr>
-          <p:cNvPr id="27" name="TextBox 26"/>
-          <p:cNvSpPr txBox="1"/>
-          <p:nvPr/>
-        </p:nvSpPr>
-        <p:spPr>
-          <a:xfrm>
-            <a:off x="2422986" y="837764"/>
-            <a:ext cx="5791472" cy="369332"/>
-          </a:xfrm>
-          <a:prstGeom prst="rect">
-            <a:avLst/>
-          </a:prstGeom>
-          <a:noFill/>
-        </p:spPr>
-        <p:txBody>
-          <a:bodyPr wrap="square" rtlCol="0">
-            <a:spAutoFit/>
-          </a:bodyPr>
-          <a:lstStyle/>
-          <a:p>
-            <a:r>
-              <a:rPr lang="ko-KR" altLang="en-US" dirty="0" smtClean="0"/>
-              <a:t>회원정보</a:t>
-            </a:r>
-            <a:r>
-              <a:rPr lang="en-US" altLang="ko-KR" dirty="0" smtClean="0"/>
-              <a:t>(</a:t>
-            </a:r>
-            <a:r>
-              <a:rPr lang="ko-KR" altLang="en-US" dirty="0" err="1" smtClean="0"/>
-              <a:t>가입시</a:t>
-            </a:r>
-            <a:r>
-              <a:rPr lang="ko-KR" altLang="en-US" dirty="0" smtClean="0"/>
-              <a:t> 등록한 이름</a:t>
-            </a:r>
-            <a:r>
-              <a:rPr lang="en-US" altLang="ko-KR" dirty="0" smtClean="0"/>
-              <a:t>,</a:t>
-            </a:r>
-            <a:r>
-              <a:rPr lang="ko-KR" altLang="en-US" dirty="0" smtClean="0"/>
-              <a:t>주소</a:t>
-            </a:r>
-            <a:r>
-              <a:rPr lang="en-US" altLang="ko-KR" dirty="0" smtClean="0"/>
-              <a:t>,</a:t>
-            </a:r>
-            <a:r>
-              <a:rPr lang="ko-KR" altLang="en-US" dirty="0" smtClean="0"/>
-              <a:t>번호</a:t>
-            </a:r>
-            <a:r>
-              <a:rPr lang="en-US" altLang="ko-KR" dirty="0" smtClean="0"/>
-              <a:t>,</a:t>
-            </a:r>
-            <a:r>
-              <a:rPr lang="ko-KR" altLang="en-US" dirty="0" err="1" smtClean="0"/>
-              <a:t>이메일</a:t>
-            </a:r>
-            <a:r>
-              <a:rPr lang="en-US" altLang="ko-KR" dirty="0" smtClean="0"/>
-              <a:t>)</a:t>
-            </a:r>
-            <a:endParaRPr lang="ko-KR" altLang="en-US" dirty="0"/>
-          </a:p>
-        </p:txBody>
-      </p:sp>
-      <p:sp>
-        <p:nvSpPr>
-          <p:cNvPr id="28" name="TextBox 27"/>
-          <p:cNvSpPr txBox="1"/>
-          <p:nvPr/>
-        </p:nvSpPr>
-        <p:spPr>
-          <a:xfrm>
-            <a:off x="2572062" y="1232084"/>
-            <a:ext cx="5791472" cy="369332"/>
-          </a:xfrm>
-          <a:prstGeom prst="rect">
-            <a:avLst/>
-          </a:prstGeom>
-          <a:noFill/>
-        </p:spPr>
-        <p:txBody>
-          <a:bodyPr wrap="square" rtlCol="0">
-            <a:spAutoFit/>
-          </a:bodyPr>
-          <a:lstStyle/>
-          <a:p>
-            <a:r>
-              <a:rPr lang="ko-KR" altLang="en-US" dirty="0" smtClean="0"/>
-              <a:t>비회원은</a:t>
-            </a:r>
-            <a:endParaRPr lang="ko-KR" altLang="en-US" dirty="0"/>
-          </a:p>
-        </p:txBody>
-      </p:sp>
+          <p:cNvPr id="13" name="직사각형 12"/>
+          <p:cNvSpPr/>
+          <p:nvPr/>
+        </p:nvSpPr>
+        <p:spPr>
+          <a:xfrm>
+            <a:off x="0" y="6021288"/>
+            <a:ext cx="9144000" cy="836712"/>
+          </a:xfrm>
+          <a:prstGeom prst="rect">
+            <a:avLst/>
+          </a:prstGeom>
+          <a:noFill/>
+          <a:ln w="9525">
+            <a:solidFill>
+              <a:schemeClr val="tx1"/>
+            </a:solidFill>
+          </a:ln>
+        </p:spPr>
+        <p:style>
+          <a:lnRef idx="2">
+            <a:schemeClr val="accent1">
+              <a:shade val="50000"/>
+            </a:schemeClr>
+          </a:lnRef>
+          <a:fillRef idx="1">
+            <a:schemeClr val="accent1"/>
+          </a:fillRef>
+          <a:effectRef idx="0">
+            <a:schemeClr val="accent1"/>
+          </a:effectRef>
+          <a:fontRef idx="minor">
+            <a:schemeClr val="lt1"/>
+          </a:fontRef>
+        </p:style>
+        <p:txBody>
+          <a:bodyPr rtlCol="0" anchor="ctr"/>
+          <a:lstStyle/>
+          <a:p>
+            <a:pPr algn="ctr"/>
+            <a:endParaRPr lang="ko-KR" altLang="en-US" sz="1000" dirty="0">
+              <a:solidFill>
+                <a:schemeClr val="tx1"/>
+              </a:solidFill>
+            </a:endParaRPr>
+          </a:p>
+        </p:txBody>
+      </p:sp>
+      <p:pic>
+        <p:nvPicPr>
+          <p:cNvPr id="14" name="Picture 2" descr="C:\Users\green\Desktop\회사정보.jpg"/>
+          <p:cNvPicPr>
+            <a:picLocks noChangeAspect="1" noChangeArrowheads="1"/>
+          </p:cNvPicPr>
+          <p:nvPr/>
+        </p:nvPicPr>
+        <p:blipFill>
+          <a:blip r:embed="rId2">
+            <a:extLst>
+              <a:ext uri="{28A0092B-C50C-407E-A947-70E740481C1C}">
+                <a14:useLocalDpi xmlns:a14="http://schemas.microsoft.com/office/drawing/2010/main" val="0"/>
+              </a:ext>
+            </a:extLst>
+          </a:blip>
+          <a:srcRect/>
+          <a:stretch>
+            <a:fillRect/>
+          </a:stretch>
+        </p:blipFill>
+        <p:spPr bwMode="auto">
+          <a:xfrm>
+            <a:off x="3175256" y="6067182"/>
+            <a:ext cx="2431704" cy="744923"/>
+          </a:xfrm>
+          <a:prstGeom prst="rect">
+            <a:avLst/>
+          </a:prstGeom>
+          <a:noFill/>
+          <a:extLst>
+            <a:ext uri="{909E8E84-426E-40DD-AFC4-6F175D3DCCD1}">
+              <a14:hiddenFill xmlns:a14="http://schemas.microsoft.com/office/drawing/2010/main">
+                <a:solidFill>
+                  <a:srgbClr val="FFFFFF"/>
+                </a:solidFill>
+              </a14:hiddenFill>
+            </a:ext>
+          </a:extLst>
+        </p:spPr>
+      </p:pic>
     </p:spTree>
     <p:extLst>
       <p:ext uri="{BB962C8B-B14F-4D97-AF65-F5344CB8AC3E}">
-        <p14:creationId xmlns:p14="http://schemas.microsoft.com/office/powerpoint/2010/main" val="1125978878"/>
+        <p14:creationId xmlns:p14="http://schemas.microsoft.com/office/powerpoint/2010/main" val="717163299"/>
       </p:ext>
     </p:extLst>
   </p:cSld>
